--- a/presentations/03_Core_Services.pptx
+++ b/presentations/03_Core_Services.pptx
@@ -260,7 +260,7 @@
           <a:p>
             <a:fld id="{7D3A3C89-A649-45F2-8D71-E2AE9AB3134F}" type="datetimeFigureOut">
               <a:rPr lang="en-US" smtClean="0"/>
-              <a:t>01-Jul-21</a:t>
+              <a:t>03-Jul-21</a:t>
             </a:fld>
             <a:endParaRPr lang="en-US"/>
           </a:p>
@@ -4931,7 +4931,7 @@
           <a:p>
             <a:fld id="{0E13C4CA-1FE8-40BD-A7A3-1B8DF1413C47}" type="datetimeFigureOut">
               <a:rPr lang="en-US" smtClean="0"/>
-              <a:t>01-Jul-21</a:t>
+              <a:t>03-Jul-21</a:t>
             </a:fld>
             <a:endParaRPr lang="en-US"/>
           </a:p>
@@ -5129,7 +5129,7 @@
           <a:p>
             <a:fld id="{0E13C4CA-1FE8-40BD-A7A3-1B8DF1413C47}" type="datetimeFigureOut">
               <a:rPr lang="en-US" smtClean="0"/>
-              <a:t>01-Jul-21</a:t>
+              <a:t>03-Jul-21</a:t>
             </a:fld>
             <a:endParaRPr lang="en-US"/>
           </a:p>
@@ -5337,7 +5337,7 @@
           <a:p>
             <a:fld id="{0E13C4CA-1FE8-40BD-A7A3-1B8DF1413C47}" type="datetimeFigureOut">
               <a:rPr lang="en-US" smtClean="0"/>
-              <a:t>01-Jul-21</a:t>
+              <a:t>03-Jul-21</a:t>
             </a:fld>
             <a:endParaRPr lang="en-US"/>
           </a:p>
@@ -5535,7 +5535,7 @@
           <a:p>
             <a:fld id="{0E13C4CA-1FE8-40BD-A7A3-1B8DF1413C47}" type="datetimeFigureOut">
               <a:rPr lang="en-US" smtClean="0"/>
-              <a:t>01-Jul-21</a:t>
+              <a:t>03-Jul-21</a:t>
             </a:fld>
             <a:endParaRPr lang="en-US"/>
           </a:p>
@@ -5810,7 +5810,7 @@
           <a:p>
             <a:fld id="{0E13C4CA-1FE8-40BD-A7A3-1B8DF1413C47}" type="datetimeFigureOut">
               <a:rPr lang="en-US" smtClean="0"/>
-              <a:t>01-Jul-21</a:t>
+              <a:t>03-Jul-21</a:t>
             </a:fld>
             <a:endParaRPr lang="en-US"/>
           </a:p>
@@ -6075,7 +6075,7 @@
           <a:p>
             <a:fld id="{0E13C4CA-1FE8-40BD-A7A3-1B8DF1413C47}" type="datetimeFigureOut">
               <a:rPr lang="en-US" smtClean="0"/>
-              <a:t>01-Jul-21</a:t>
+              <a:t>03-Jul-21</a:t>
             </a:fld>
             <a:endParaRPr lang="en-US"/>
           </a:p>
@@ -6487,7 +6487,7 @@
           <a:p>
             <a:fld id="{0E13C4CA-1FE8-40BD-A7A3-1B8DF1413C47}" type="datetimeFigureOut">
               <a:rPr lang="en-US" smtClean="0"/>
-              <a:t>01-Jul-21</a:t>
+              <a:t>03-Jul-21</a:t>
             </a:fld>
             <a:endParaRPr lang="en-US"/>
           </a:p>
@@ -6628,7 +6628,7 @@
           <a:p>
             <a:fld id="{0E13C4CA-1FE8-40BD-A7A3-1B8DF1413C47}" type="datetimeFigureOut">
               <a:rPr lang="en-US" smtClean="0"/>
-              <a:t>01-Jul-21</a:t>
+              <a:t>03-Jul-21</a:t>
             </a:fld>
             <a:endParaRPr lang="en-US"/>
           </a:p>
@@ -6741,7 +6741,7 @@
           <a:p>
             <a:fld id="{0E13C4CA-1FE8-40BD-A7A3-1B8DF1413C47}" type="datetimeFigureOut">
               <a:rPr lang="en-US" smtClean="0"/>
-              <a:t>01-Jul-21</a:t>
+              <a:t>03-Jul-21</a:t>
             </a:fld>
             <a:endParaRPr lang="en-US"/>
           </a:p>
@@ -7052,7 +7052,7 @@
           <a:p>
             <a:fld id="{0E13C4CA-1FE8-40BD-A7A3-1B8DF1413C47}" type="datetimeFigureOut">
               <a:rPr lang="en-US" smtClean="0"/>
-              <a:t>01-Jul-21</a:t>
+              <a:t>03-Jul-21</a:t>
             </a:fld>
             <a:endParaRPr lang="en-US"/>
           </a:p>
@@ -7340,7 +7340,7 @@
           <a:p>
             <a:fld id="{0E13C4CA-1FE8-40BD-A7A3-1B8DF1413C47}" type="datetimeFigureOut">
               <a:rPr lang="en-US" smtClean="0"/>
-              <a:t>01-Jul-21</a:t>
+              <a:t>03-Jul-21</a:t>
             </a:fld>
             <a:endParaRPr lang="en-US"/>
           </a:p>
@@ -7581,7 +7581,7 @@
           <a:p>
             <a:fld id="{0E13C4CA-1FE8-40BD-A7A3-1B8DF1413C47}" type="datetimeFigureOut">
               <a:rPr lang="en-US" smtClean="0"/>
-              <a:t>01-Jul-21</a:t>
+              <a:t>03-Jul-21</a:t>
             </a:fld>
             <a:endParaRPr lang="en-US"/>
           </a:p>
@@ -16236,30 +16236,40 @@
           <a:p>
             <a:r>
               <a:rPr lang="en-US" dirty="0"/>
-              <a:t>(article) How DNS works </a:t>
-            </a:r>
-          </a:p>
-          <a:p>
-            <a:r>
-              <a:rPr lang="en-US" dirty="0"/>
               <a:t>(article) </a:t>
             </a:r>
             <a:r>
               <a:rPr lang="en-US" dirty="0">
                 <a:hlinkClick r:id="rId4"/>
               </a:rPr>
-              <a:t>What is CDN</a:t>
-            </a:r>
-            <a:endParaRPr lang="en-US" dirty="0"/>
-          </a:p>
-          <a:p>
-            <a:r>
-              <a:rPr lang="en-US" dirty="0"/>
-              <a:t>(course) Google’s </a:t>
+              <a:t>How DNS works</a:t>
+            </a:r>
+            <a:r>
+              <a:rPr lang="en-US" dirty="0"/>
+              <a:t> </a:t>
+            </a:r>
+          </a:p>
+          <a:p>
+            <a:r>
+              <a:rPr lang="en-US" dirty="0"/>
+              <a:t>(article) </a:t>
             </a:r>
             <a:r>
               <a:rPr lang="en-US" dirty="0">
                 <a:hlinkClick r:id="rId5"/>
+              </a:rPr>
+              <a:t>What is CDN</a:t>
+            </a:r>
+            <a:endParaRPr lang="en-US" dirty="0"/>
+          </a:p>
+          <a:p>
+            <a:r>
+              <a:rPr lang="en-US" dirty="0"/>
+              <a:t>(course) Google’s </a:t>
+            </a:r>
+            <a:r>
+              <a:rPr lang="en-US" dirty="0">
+                <a:hlinkClick r:id="rId6"/>
               </a:rPr>
               <a:t>Introduction to Computer Networking</a:t>
             </a:r>

--- a/presentations/03_Core_Services.pptx
+++ b/presentations/03_Core_Services.pptx
@@ -5,7 +5,7 @@
     <p:sldMasterId id="2147483648" r:id="rId1"/>
   </p:sldMasterIdLst>
   <p:notesMasterIdLst>
-    <p:notesMasterId r:id="rId58"/>
+    <p:notesMasterId r:id="rId59"/>
   </p:notesMasterIdLst>
   <p:sldIdLst>
     <p:sldId id="257" r:id="rId2"/>
@@ -57,13 +57,14 @@
     <p:sldId id="329" r:id="rId48"/>
     <p:sldId id="330" r:id="rId49"/>
     <p:sldId id="331" r:id="rId50"/>
-    <p:sldId id="334" r:id="rId51"/>
-    <p:sldId id="332" r:id="rId52"/>
-    <p:sldId id="333" r:id="rId53"/>
-    <p:sldId id="336" r:id="rId54"/>
-    <p:sldId id="325" r:id="rId55"/>
-    <p:sldId id="335" r:id="rId56"/>
-    <p:sldId id="338" r:id="rId57"/>
+    <p:sldId id="339" r:id="rId51"/>
+    <p:sldId id="334" r:id="rId52"/>
+    <p:sldId id="332" r:id="rId53"/>
+    <p:sldId id="333" r:id="rId54"/>
+    <p:sldId id="336" r:id="rId55"/>
+    <p:sldId id="325" r:id="rId56"/>
+    <p:sldId id="335" r:id="rId57"/>
+    <p:sldId id="338" r:id="rId58"/>
   </p:sldIdLst>
   <p:sldSz cx="12192000" cy="6858000"/>
   <p:notesSz cx="6858000" cy="9144000"/>
@@ -260,7 +261,7 @@
           <a:p>
             <a:fld id="{7D3A3C89-A649-45F2-8D71-E2AE9AB3134F}" type="datetimeFigureOut">
               <a:rPr lang="en-US" smtClean="0"/>
-              <a:t>03-Jul-21</a:t>
+              <a:t>22-Jul-21</a:t>
             </a:fld>
             <a:endParaRPr lang="en-US"/>
           </a:p>
@@ -3630,7 +3631,7 @@
           <a:bodyPr/>
           <a:lstStyle/>
           <a:p>
-            <a:fld id="{369589F9-1142-4B1D-9D2D-7C4ED68C6326}" type="slidenum">
+            <a:fld id="{0A2B9863-627E-4AB1-B28C-F8D4F083B0FE}" type="slidenum">
               <a:rPr lang="en-US" smtClean="0"/>
               <a:t>50</a:t>
             </a:fld>
@@ -3641,7 +3642,7 @@
     </p:spTree>
     <p:extLst>
       <p:ext uri="{BB962C8B-B14F-4D97-AF65-F5344CB8AC3E}">
-        <p14:creationId xmlns:p14="http://schemas.microsoft.com/office/powerpoint/2010/main" val="3986024511"/>
+        <p14:creationId xmlns:p14="http://schemas.microsoft.com/office/powerpoint/2010/main" val="2578093707"/>
       </p:ext>
     </p:extLst>
   </p:cSld>
@@ -3779,18 +3780,6 @@
           <a:bodyPr/>
           <a:lstStyle/>
           <a:p>
-            <a:r>
-              <a:rPr lang="en-US" dirty="0"/>
-              <a:t>Event – an action or occurrence often originated asynchronously</a:t>
-            </a:r>
-          </a:p>
-          <a:p>
-            <a:r>
-              <a:rPr lang="en-US" dirty="0"/>
-              <a:t>Event log – persisted immutable sequence of events (append-only, sequential reads, often partitioned)</a:t>
-            </a:r>
-          </a:p>
-          <a:p>
             <a:endParaRPr lang="en-US" dirty="0"/>
           </a:p>
         </p:txBody>
@@ -3810,7 +3799,7 @@
           <a:bodyPr/>
           <a:lstStyle/>
           <a:p>
-            <a:fld id="{0A2B9863-627E-4AB1-B28C-F8D4F083B0FE}" type="slidenum">
+            <a:fld id="{369589F9-1142-4B1D-9D2D-7C4ED68C6326}" type="slidenum">
               <a:rPr lang="en-US" smtClean="0"/>
               <a:t>51</a:t>
             </a:fld>
@@ -3821,7 +3810,7 @@
     </p:spTree>
     <p:extLst>
       <p:ext uri="{BB962C8B-B14F-4D97-AF65-F5344CB8AC3E}">
-        <p14:creationId xmlns:p14="http://schemas.microsoft.com/office/powerpoint/2010/main" val="2759939237"/>
+        <p14:creationId xmlns:p14="http://schemas.microsoft.com/office/powerpoint/2010/main" val="3986024511"/>
       </p:ext>
     </p:extLst>
   </p:cSld>
@@ -3877,14 +3866,17 @@
           <a:p>
             <a:r>
               <a:rPr lang="en-US" dirty="0"/>
-              <a:t>Message – event or command</a:t>
-            </a:r>
-          </a:p>
-          <a:p>
-            <a:r>
-              <a:rPr lang="en-US" dirty="0"/>
-              <a:t>Message could be processed or retries separately. Message is not necessary to process sequentially.</a:t>
-            </a:r>
+              <a:t>Event – an action or occurrence often originated asynchronously</a:t>
+            </a:r>
+          </a:p>
+          <a:p>
+            <a:r>
+              <a:rPr lang="en-US" dirty="0"/>
+              <a:t>Event log – persisted immutable sequence of events (append-only, sequential reads, often partitioned)</a:t>
+            </a:r>
+          </a:p>
+          <a:p>
+            <a:endParaRPr lang="en-US" dirty="0"/>
           </a:p>
         </p:txBody>
       </p:sp>
@@ -3914,7 +3906,7 @@
     </p:spTree>
     <p:extLst>
       <p:ext uri="{BB962C8B-B14F-4D97-AF65-F5344CB8AC3E}">
-        <p14:creationId xmlns:p14="http://schemas.microsoft.com/office/powerpoint/2010/main" val="1749673436"/>
+        <p14:creationId xmlns:p14="http://schemas.microsoft.com/office/powerpoint/2010/main" val="2759939237"/>
       </p:ext>
     </p:extLst>
   </p:cSld>
@@ -3968,7 +3960,16 @@
           <a:bodyPr/>
           <a:lstStyle/>
           <a:p>
-            <a:endParaRPr lang="en-US" dirty="0"/>
+            <a:r>
+              <a:rPr lang="en-US" dirty="0"/>
+              <a:t>Message – event or command</a:t>
+            </a:r>
+          </a:p>
+          <a:p>
+            <a:r>
+              <a:rPr lang="en-US" dirty="0"/>
+              <a:t>Message could be processed or retries separately. Message is not necessary to process sequentially.</a:t>
+            </a:r>
           </a:p>
         </p:txBody>
       </p:sp>
@@ -3987,7 +3988,7 @@
           <a:bodyPr/>
           <a:lstStyle/>
           <a:p>
-            <a:fld id="{369589F9-1142-4B1D-9D2D-7C4ED68C6326}" type="slidenum">
+            <a:fld id="{0A2B9863-627E-4AB1-B28C-F8D4F083B0FE}" type="slidenum">
               <a:rPr lang="en-US" smtClean="0"/>
               <a:t>53</a:t>
             </a:fld>
@@ -3998,7 +3999,7 @@
     </p:spTree>
     <p:extLst>
       <p:ext uri="{BB962C8B-B14F-4D97-AF65-F5344CB8AC3E}">
-        <p14:creationId xmlns:p14="http://schemas.microsoft.com/office/powerpoint/2010/main" val="516866685"/>
+        <p14:creationId xmlns:p14="http://schemas.microsoft.com/office/powerpoint/2010/main" val="1749673436"/>
       </p:ext>
     </p:extLst>
   </p:cSld>
@@ -4082,7 +4083,7 @@
     </p:spTree>
     <p:extLst>
       <p:ext uri="{BB962C8B-B14F-4D97-AF65-F5344CB8AC3E}">
-        <p14:creationId xmlns:p14="http://schemas.microsoft.com/office/powerpoint/2010/main" val="1638932341"/>
+        <p14:creationId xmlns:p14="http://schemas.microsoft.com/office/powerpoint/2010/main" val="516866685"/>
       </p:ext>
     </p:extLst>
   </p:cSld>
@@ -4166,7 +4167,7 @@
     </p:spTree>
     <p:extLst>
       <p:ext uri="{BB962C8B-B14F-4D97-AF65-F5344CB8AC3E}">
-        <p14:creationId xmlns:p14="http://schemas.microsoft.com/office/powerpoint/2010/main" val="2024397714"/>
+        <p14:creationId xmlns:p14="http://schemas.microsoft.com/office/powerpoint/2010/main" val="1638932341"/>
       </p:ext>
     </p:extLst>
   </p:cSld>
@@ -4242,6 +4243,90 @@
             <a:fld id="{369589F9-1142-4B1D-9D2D-7C4ED68C6326}" type="slidenum">
               <a:rPr lang="en-US" smtClean="0"/>
               <a:t>56</a:t>
+            </a:fld>
+            <a:endParaRPr lang="en-US"/>
+          </a:p>
+        </p:txBody>
+      </p:sp>
+    </p:spTree>
+    <p:extLst>
+      <p:ext uri="{BB962C8B-B14F-4D97-AF65-F5344CB8AC3E}">
+        <p14:creationId xmlns:p14="http://schemas.microsoft.com/office/powerpoint/2010/main" val="2024397714"/>
+      </p:ext>
+    </p:extLst>
+  </p:cSld>
+  <p:clrMapOvr>
+    <a:masterClrMapping/>
+  </p:clrMapOvr>
+</p:notes>
+</file>
+
+<file path=ppt/notesSlides/notesSlide46.xml><?xml version="1.0" encoding="utf-8"?>
+<p:notes xmlns:a="http://schemas.openxmlformats.org/drawingml/2006/main" xmlns:r="http://schemas.openxmlformats.org/officeDocument/2006/relationships" xmlns:p="http://schemas.openxmlformats.org/presentationml/2006/main">
+  <p:cSld>
+    <p:spTree>
+      <p:nvGrpSpPr>
+        <p:cNvPr id="1" name=""/>
+        <p:cNvGrpSpPr/>
+        <p:nvPr/>
+      </p:nvGrpSpPr>
+      <p:grpSpPr>
+        <a:xfrm>
+          <a:off x="0" y="0"/>
+          <a:ext cx="0" cy="0"/>
+          <a:chOff x="0" y="0"/>
+          <a:chExt cx="0" cy="0"/>
+        </a:xfrm>
+      </p:grpSpPr>
+      <p:sp>
+        <p:nvSpPr>
+          <p:cNvPr id="2" name="Slide Image Placeholder 1"/>
+          <p:cNvSpPr>
+            <a:spLocks noGrp="1" noRot="1" noChangeAspect="1"/>
+          </p:cNvSpPr>
+          <p:nvPr>
+            <p:ph type="sldImg"/>
+          </p:nvPr>
+        </p:nvSpPr>
+        <p:spPr/>
+      </p:sp>
+      <p:sp>
+        <p:nvSpPr>
+          <p:cNvPr id="3" name="Notes Placeholder 2"/>
+          <p:cNvSpPr>
+            <a:spLocks noGrp="1"/>
+          </p:cNvSpPr>
+          <p:nvPr>
+            <p:ph type="body" idx="1"/>
+          </p:nvPr>
+        </p:nvSpPr>
+        <p:spPr/>
+        <p:txBody>
+          <a:bodyPr/>
+          <a:lstStyle/>
+          <a:p>
+            <a:endParaRPr lang="en-US" dirty="0"/>
+          </a:p>
+        </p:txBody>
+      </p:sp>
+      <p:sp>
+        <p:nvSpPr>
+          <p:cNvPr id="4" name="Slide Number Placeholder 3"/>
+          <p:cNvSpPr>
+            <a:spLocks noGrp="1"/>
+          </p:cNvSpPr>
+          <p:nvPr>
+            <p:ph type="sldNum" sz="quarter" idx="5"/>
+          </p:nvPr>
+        </p:nvSpPr>
+        <p:spPr/>
+        <p:txBody>
+          <a:bodyPr/>
+          <a:lstStyle/>
+          <a:p>
+            <a:fld id="{369589F9-1142-4B1D-9D2D-7C4ED68C6326}" type="slidenum">
+              <a:rPr lang="en-US" smtClean="0"/>
+              <a:t>57</a:t>
             </a:fld>
             <a:endParaRPr lang="en-US"/>
           </a:p>
@@ -4931,7 +5016,7 @@
           <a:p>
             <a:fld id="{0E13C4CA-1FE8-40BD-A7A3-1B8DF1413C47}" type="datetimeFigureOut">
               <a:rPr lang="en-US" smtClean="0"/>
-              <a:t>03-Jul-21</a:t>
+              <a:t>22-Jul-21</a:t>
             </a:fld>
             <a:endParaRPr lang="en-US"/>
           </a:p>
@@ -5129,7 +5214,7 @@
           <a:p>
             <a:fld id="{0E13C4CA-1FE8-40BD-A7A3-1B8DF1413C47}" type="datetimeFigureOut">
               <a:rPr lang="en-US" smtClean="0"/>
-              <a:t>03-Jul-21</a:t>
+              <a:t>22-Jul-21</a:t>
             </a:fld>
             <a:endParaRPr lang="en-US"/>
           </a:p>
@@ -5337,7 +5422,7 @@
           <a:p>
             <a:fld id="{0E13C4CA-1FE8-40BD-A7A3-1B8DF1413C47}" type="datetimeFigureOut">
               <a:rPr lang="en-US" smtClean="0"/>
-              <a:t>03-Jul-21</a:t>
+              <a:t>22-Jul-21</a:t>
             </a:fld>
             <a:endParaRPr lang="en-US"/>
           </a:p>
@@ -5535,7 +5620,7 @@
           <a:p>
             <a:fld id="{0E13C4CA-1FE8-40BD-A7A3-1B8DF1413C47}" type="datetimeFigureOut">
               <a:rPr lang="en-US" smtClean="0"/>
-              <a:t>03-Jul-21</a:t>
+              <a:t>22-Jul-21</a:t>
             </a:fld>
             <a:endParaRPr lang="en-US"/>
           </a:p>
@@ -5810,7 +5895,7 @@
           <a:p>
             <a:fld id="{0E13C4CA-1FE8-40BD-A7A3-1B8DF1413C47}" type="datetimeFigureOut">
               <a:rPr lang="en-US" smtClean="0"/>
-              <a:t>03-Jul-21</a:t>
+              <a:t>22-Jul-21</a:t>
             </a:fld>
             <a:endParaRPr lang="en-US"/>
           </a:p>
@@ -6075,7 +6160,7 @@
           <a:p>
             <a:fld id="{0E13C4CA-1FE8-40BD-A7A3-1B8DF1413C47}" type="datetimeFigureOut">
               <a:rPr lang="en-US" smtClean="0"/>
-              <a:t>03-Jul-21</a:t>
+              <a:t>22-Jul-21</a:t>
             </a:fld>
             <a:endParaRPr lang="en-US"/>
           </a:p>
@@ -6487,7 +6572,7 @@
           <a:p>
             <a:fld id="{0E13C4CA-1FE8-40BD-A7A3-1B8DF1413C47}" type="datetimeFigureOut">
               <a:rPr lang="en-US" smtClean="0"/>
-              <a:t>03-Jul-21</a:t>
+              <a:t>22-Jul-21</a:t>
             </a:fld>
             <a:endParaRPr lang="en-US"/>
           </a:p>
@@ -6628,7 +6713,7 @@
           <a:p>
             <a:fld id="{0E13C4CA-1FE8-40BD-A7A3-1B8DF1413C47}" type="datetimeFigureOut">
               <a:rPr lang="en-US" smtClean="0"/>
-              <a:t>03-Jul-21</a:t>
+              <a:t>22-Jul-21</a:t>
             </a:fld>
             <a:endParaRPr lang="en-US"/>
           </a:p>
@@ -6741,7 +6826,7 @@
           <a:p>
             <a:fld id="{0E13C4CA-1FE8-40BD-A7A3-1B8DF1413C47}" type="datetimeFigureOut">
               <a:rPr lang="en-US" smtClean="0"/>
-              <a:t>03-Jul-21</a:t>
+              <a:t>22-Jul-21</a:t>
             </a:fld>
             <a:endParaRPr lang="en-US"/>
           </a:p>
@@ -7052,7 +7137,7 @@
           <a:p>
             <a:fld id="{0E13C4CA-1FE8-40BD-A7A3-1B8DF1413C47}" type="datetimeFigureOut">
               <a:rPr lang="en-US" smtClean="0"/>
-              <a:t>03-Jul-21</a:t>
+              <a:t>22-Jul-21</a:t>
             </a:fld>
             <a:endParaRPr lang="en-US"/>
           </a:p>
@@ -7340,7 +7425,7 @@
           <a:p>
             <a:fld id="{0E13C4CA-1FE8-40BD-A7A3-1B8DF1413C47}" type="datetimeFigureOut">
               <a:rPr lang="en-US" smtClean="0"/>
-              <a:t>03-Jul-21</a:t>
+              <a:t>22-Jul-21</a:t>
             </a:fld>
             <a:endParaRPr lang="en-US"/>
           </a:p>
@@ -7581,7 +7666,7 @@
           <a:p>
             <a:fld id="{0E13C4CA-1FE8-40BD-A7A3-1B8DF1413C47}" type="datetimeFigureOut">
               <a:rPr lang="en-US" smtClean="0"/>
-              <a:t>03-Jul-21</a:t>
+              <a:t>22-Jul-21</a:t>
             </a:fld>
             <a:endParaRPr lang="en-US"/>
           </a:p>
@@ -15429,49 +15514,19 @@
           <a:chExt cx="0" cy="0"/>
         </a:xfrm>
       </p:grpSpPr>
-      <p:sp>
-        <p:nvSpPr>
-          <p:cNvPr id="2" name="Title 1">
-            <a:extLst>
-              <a:ext uri="{FF2B5EF4-FFF2-40B4-BE49-F238E27FC236}">
-                <a16:creationId xmlns:a16="http://schemas.microsoft.com/office/drawing/2014/main" id="{9439765E-D021-4F83-B075-735F05281BF5}"/>
-              </a:ext>
-            </a:extLst>
-          </p:cNvPr>
-          <p:cNvSpPr>
-            <a:spLocks noGrp="1"/>
-          </p:cNvSpPr>
-          <p:nvPr>
-            <p:ph type="title"/>
-          </p:nvPr>
-        </p:nvSpPr>
-        <p:spPr/>
-        <p:txBody>
-          <a:bodyPr/>
-          <a:lstStyle/>
-          <a:p>
-            <a:r>
-              <a:rPr lang="en-US" dirty="0"/>
-              <a:t>Demo</a:t>
-            </a:r>
-          </a:p>
-        </p:txBody>
-      </p:sp>
       <p:pic>
         <p:nvPicPr>
-          <p:cNvPr id="5" name="Content Placeholder 4" descr="Graphical user interface, application&#10;&#10;Description automatically generated">
-            <a:extLst>
-              <a:ext uri="{FF2B5EF4-FFF2-40B4-BE49-F238E27FC236}">
-                <a16:creationId xmlns:a16="http://schemas.microsoft.com/office/drawing/2014/main" id="{416AC07D-BE93-4D3A-9395-70D15C17B8D6}"/>
+          <p:cNvPr id="8" name="Picture 7" descr="Diagram&#10;&#10;Description automatically generated">
+            <a:extLst>
+              <a:ext uri="{FF2B5EF4-FFF2-40B4-BE49-F238E27FC236}">
+                <a16:creationId xmlns:a16="http://schemas.microsoft.com/office/drawing/2014/main" id="{21C74076-E47C-4768-B6A8-2674E81351FD}"/>
               </a:ext>
             </a:extLst>
           </p:cNvPr>
           <p:cNvPicPr>
-            <a:picLocks noGrp="1" noChangeAspect="1"/>
+            <a:picLocks noChangeAspect="1"/>
           </p:cNvPicPr>
-          <p:nvPr>
-            <p:ph idx="1"/>
-          </p:nvPr>
+          <p:nvPr/>
         </p:nvPicPr>
         <p:blipFill>
           <a:blip r:embed="rId3">
@@ -15487,15 +15542,18 @@
         </p:blipFill>
         <p:spPr>
           <a:xfrm>
-            <a:off x="1520637" y="1690688"/>
-            <a:ext cx="9150725" cy="4284309"/>
+            <a:off x="3710913" y="89878"/>
+            <a:ext cx="4770173" cy="6678243"/>
           </a:xfrm>
+          <a:prstGeom prst="rect">
+            <a:avLst/>
+          </a:prstGeom>
         </p:spPr>
       </p:pic>
     </p:spTree>
     <p:extLst>
       <p:ext uri="{BB962C8B-B14F-4D97-AF65-F5344CB8AC3E}">
-        <p14:creationId xmlns:p14="http://schemas.microsoft.com/office/powerpoint/2010/main" val="2861714891"/>
+        <p14:creationId xmlns:p14="http://schemas.microsoft.com/office/powerpoint/2010/main" val="1301758737"/>
       </p:ext>
     </p:extLst>
   </p:cSld>
@@ -15545,172 +15603,50 @@
           <a:p>
             <a:r>
               <a:rPr lang="en-US" dirty="0"/>
-              <a:t>Events and Messaging</a:t>
-            </a:r>
-          </a:p>
-        </p:txBody>
-      </p:sp>
-      <p:sp>
-        <p:nvSpPr>
-          <p:cNvPr id="3" name="Content Placeholder 2">
-            <a:extLst>
-              <a:ext uri="{FF2B5EF4-FFF2-40B4-BE49-F238E27FC236}">
-                <a16:creationId xmlns:a16="http://schemas.microsoft.com/office/drawing/2014/main" id="{90B61D1A-C399-44DB-9D94-6ED2D23B3306}"/>
-              </a:ext>
-            </a:extLst>
-          </p:cNvPr>
-          <p:cNvSpPr>
-            <a:spLocks noGrp="1"/>
-          </p:cNvSpPr>
+              <a:t>Demo</a:t>
+            </a:r>
+          </a:p>
+        </p:txBody>
+      </p:sp>
+      <p:pic>
+        <p:nvPicPr>
+          <p:cNvPr id="5" name="Content Placeholder 4" descr="Graphical user interface, application&#10;&#10;Description automatically generated">
+            <a:extLst>
+              <a:ext uri="{FF2B5EF4-FFF2-40B4-BE49-F238E27FC236}">
+                <a16:creationId xmlns:a16="http://schemas.microsoft.com/office/drawing/2014/main" id="{416AC07D-BE93-4D3A-9395-70D15C17B8D6}"/>
+              </a:ext>
+            </a:extLst>
+          </p:cNvPr>
+          <p:cNvPicPr>
+            <a:picLocks noGrp="1" noChangeAspect="1"/>
+          </p:cNvPicPr>
           <p:nvPr>
             <p:ph idx="1"/>
           </p:nvPr>
-        </p:nvSpPr>
+        </p:nvPicPr>
+        <p:blipFill>
+          <a:blip r:embed="rId3">
+            <a:extLst>
+              <a:ext uri="{28A0092B-C50C-407E-A947-70E740481C1C}">
+                <a14:useLocalDpi xmlns:a14="http://schemas.microsoft.com/office/drawing/2010/main" val="0"/>
+              </a:ext>
+            </a:extLst>
+          </a:blip>
+          <a:stretch>
+            <a:fillRect/>
+          </a:stretch>
+        </p:blipFill>
         <p:spPr>
           <a:xfrm>
-            <a:off x="838199" y="1825625"/>
-            <a:ext cx="10631905" cy="4351338"/>
+            <a:off x="1520637" y="1690688"/>
+            <a:ext cx="9150725" cy="4284309"/>
           </a:xfrm>
         </p:spPr>
-        <p:txBody>
-          <a:bodyPr/>
-          <a:lstStyle/>
-          <a:p>
-            <a:pPr marL="0" indent="0">
-              <a:buNone/>
-            </a:pPr>
-            <a:r>
-              <a:rPr lang="en-US" dirty="0"/>
-              <a:t>Event streams in cloud</a:t>
-            </a:r>
-          </a:p>
-          <a:p>
-            <a:r>
-              <a:rPr lang="en-US" dirty="0"/>
-              <a:t>Azure:</a:t>
-            </a:r>
-          </a:p>
-          <a:p>
-            <a:pPr lvl="1"/>
-            <a:r>
-              <a:rPr lang="en-US" sz="2000" dirty="0"/>
-              <a:t> </a:t>
-            </a:r>
-            <a:r>
-              <a:rPr lang="en-US" sz="2000" dirty="0">
-                <a:solidFill>
-                  <a:schemeClr val="accent1"/>
-                </a:solidFill>
-              </a:rPr>
-              <a:t>Event Hub</a:t>
-            </a:r>
-            <a:r>
-              <a:rPr lang="en-US" sz="2000" dirty="0"/>
-              <a:t> (compatible with Kafka)</a:t>
-            </a:r>
-          </a:p>
-          <a:p>
-            <a:pPr lvl="1"/>
-            <a:r>
-              <a:rPr lang="en-US" sz="2000" dirty="0"/>
-              <a:t> </a:t>
-            </a:r>
-            <a:r>
-              <a:rPr lang="en-US" sz="2000" dirty="0">
-                <a:solidFill>
-                  <a:schemeClr val="accent1"/>
-                </a:solidFill>
-              </a:rPr>
-              <a:t>Stream Analytics</a:t>
-            </a:r>
-          </a:p>
-          <a:p>
-            <a:r>
-              <a:rPr lang="en-US" dirty="0"/>
-              <a:t>AWS:</a:t>
-            </a:r>
-          </a:p>
-          <a:p>
-            <a:pPr lvl="1"/>
-            <a:r>
-              <a:rPr lang="en-US" sz="2000" dirty="0"/>
-              <a:t> </a:t>
-            </a:r>
-            <a:r>
-              <a:rPr lang="en-US" sz="2000" dirty="0">
-                <a:solidFill>
-                  <a:schemeClr val="accent2"/>
-                </a:solidFill>
-              </a:rPr>
-              <a:t>Amazon Kinesis</a:t>
-            </a:r>
-          </a:p>
-          <a:p>
-            <a:pPr lvl="1"/>
-            <a:r>
-              <a:rPr lang="en-US" sz="2000" dirty="0"/>
-              <a:t> </a:t>
-            </a:r>
-            <a:r>
-              <a:rPr lang="en-US" sz="2000" dirty="0">
-                <a:solidFill>
-                  <a:schemeClr val="accent2"/>
-                </a:solidFill>
-              </a:rPr>
-              <a:t>Managed Streaming for Apache Kafka</a:t>
-            </a:r>
-          </a:p>
-          <a:p>
-            <a:r>
-              <a:rPr lang="en-US" dirty="0"/>
-              <a:t>GCP:</a:t>
-            </a:r>
-            <a:endParaRPr lang="en-US" sz="2000" dirty="0"/>
-          </a:p>
-          <a:p>
-            <a:pPr lvl="1"/>
-            <a:r>
-              <a:rPr lang="en-US" sz="2000" dirty="0"/>
-              <a:t> </a:t>
-            </a:r>
-            <a:r>
-              <a:rPr lang="en-US" sz="2000" dirty="0" err="1">
-                <a:solidFill>
-                  <a:schemeClr val="accent5"/>
-                </a:solidFill>
-              </a:rPr>
-              <a:t>PubSub</a:t>
-            </a:r>
-            <a:endParaRPr lang="en-US" sz="1800" dirty="0"/>
-          </a:p>
-          <a:p>
-            <a:pPr lvl="1"/>
-            <a:r>
-              <a:rPr lang="en-US" sz="2000" dirty="0"/>
-              <a:t> </a:t>
-            </a:r>
-            <a:r>
-              <a:rPr lang="en-US" sz="2000" dirty="0">
-                <a:solidFill>
-                  <a:schemeClr val="accent5"/>
-                </a:solidFill>
-              </a:rPr>
-              <a:t>Dataflow</a:t>
-            </a:r>
-            <a:endParaRPr lang="en-US" sz="2000" dirty="0"/>
-          </a:p>
-          <a:p>
-            <a:pPr marL="0" indent="0">
-              <a:buNone/>
-            </a:pPr>
-            <a:endParaRPr lang="en-US" dirty="0"/>
-          </a:p>
-        </p:txBody>
-      </p:sp>
+      </p:pic>
     </p:spTree>
     <p:extLst>
       <p:ext uri="{BB962C8B-B14F-4D97-AF65-F5344CB8AC3E}">
-        <p14:creationId xmlns:p14="http://schemas.microsoft.com/office/powerpoint/2010/main" val="1605317201"/>
+        <p14:creationId xmlns:p14="http://schemas.microsoft.com/office/powerpoint/2010/main" val="2861714891"/>
       </p:ext>
     </p:extLst>
   </p:cSld>
@@ -15796,6 +15732,221 @@
             </a:pPr>
             <a:r>
               <a:rPr lang="en-US" dirty="0"/>
+              <a:t>Event streams in cloud</a:t>
+            </a:r>
+          </a:p>
+          <a:p>
+            <a:r>
+              <a:rPr lang="en-US" dirty="0"/>
+              <a:t>Azure:</a:t>
+            </a:r>
+          </a:p>
+          <a:p>
+            <a:pPr lvl="1"/>
+            <a:r>
+              <a:rPr lang="en-US" sz="2000" dirty="0"/>
+              <a:t> </a:t>
+            </a:r>
+            <a:r>
+              <a:rPr lang="en-US" sz="2000" dirty="0">
+                <a:solidFill>
+                  <a:schemeClr val="accent1"/>
+                </a:solidFill>
+              </a:rPr>
+              <a:t>Event Hub</a:t>
+            </a:r>
+            <a:r>
+              <a:rPr lang="en-US" sz="2000" dirty="0"/>
+              <a:t> (compatible with Kafka)</a:t>
+            </a:r>
+          </a:p>
+          <a:p>
+            <a:pPr lvl="1"/>
+            <a:r>
+              <a:rPr lang="en-US" sz="2000" dirty="0"/>
+              <a:t> </a:t>
+            </a:r>
+            <a:r>
+              <a:rPr lang="en-US" sz="2000" dirty="0">
+                <a:solidFill>
+                  <a:schemeClr val="accent1"/>
+                </a:solidFill>
+              </a:rPr>
+              <a:t>Stream Analytics</a:t>
+            </a:r>
+          </a:p>
+          <a:p>
+            <a:r>
+              <a:rPr lang="en-US" dirty="0"/>
+              <a:t>AWS:</a:t>
+            </a:r>
+          </a:p>
+          <a:p>
+            <a:pPr lvl="1"/>
+            <a:r>
+              <a:rPr lang="en-US" sz="2000" dirty="0"/>
+              <a:t> </a:t>
+            </a:r>
+            <a:r>
+              <a:rPr lang="en-US" sz="2000" dirty="0">
+                <a:solidFill>
+                  <a:schemeClr val="accent2"/>
+                </a:solidFill>
+              </a:rPr>
+              <a:t>Amazon Kinesis</a:t>
+            </a:r>
+          </a:p>
+          <a:p>
+            <a:pPr lvl="1"/>
+            <a:r>
+              <a:rPr lang="en-US" sz="2000" dirty="0"/>
+              <a:t> </a:t>
+            </a:r>
+            <a:r>
+              <a:rPr lang="en-US" sz="2000" dirty="0">
+                <a:solidFill>
+                  <a:schemeClr val="accent2"/>
+                </a:solidFill>
+              </a:rPr>
+              <a:t>Managed Streaming for Apache Kafka</a:t>
+            </a:r>
+          </a:p>
+          <a:p>
+            <a:r>
+              <a:rPr lang="en-US" dirty="0"/>
+              <a:t>GCP:</a:t>
+            </a:r>
+            <a:endParaRPr lang="en-US" sz="2000" dirty="0"/>
+          </a:p>
+          <a:p>
+            <a:pPr lvl="1"/>
+            <a:r>
+              <a:rPr lang="en-US" sz="2000" dirty="0"/>
+              <a:t> </a:t>
+            </a:r>
+            <a:r>
+              <a:rPr lang="en-US" sz="2000" dirty="0" err="1">
+                <a:solidFill>
+                  <a:schemeClr val="accent5"/>
+                </a:solidFill>
+              </a:rPr>
+              <a:t>PubSub</a:t>
+            </a:r>
+            <a:endParaRPr lang="en-US" sz="1800" dirty="0"/>
+          </a:p>
+          <a:p>
+            <a:pPr lvl="1"/>
+            <a:r>
+              <a:rPr lang="en-US" sz="2000" dirty="0"/>
+              <a:t> </a:t>
+            </a:r>
+            <a:r>
+              <a:rPr lang="en-US" sz="2000" dirty="0">
+                <a:solidFill>
+                  <a:schemeClr val="accent5"/>
+                </a:solidFill>
+              </a:rPr>
+              <a:t>Dataflow</a:t>
+            </a:r>
+            <a:endParaRPr lang="en-US" sz="2000" dirty="0"/>
+          </a:p>
+          <a:p>
+            <a:pPr marL="0" indent="0">
+              <a:buNone/>
+            </a:pPr>
+            <a:endParaRPr lang="en-US" dirty="0"/>
+          </a:p>
+        </p:txBody>
+      </p:sp>
+    </p:spTree>
+    <p:extLst>
+      <p:ext uri="{BB962C8B-B14F-4D97-AF65-F5344CB8AC3E}">
+        <p14:creationId xmlns:p14="http://schemas.microsoft.com/office/powerpoint/2010/main" val="1605317201"/>
+      </p:ext>
+    </p:extLst>
+  </p:cSld>
+  <p:clrMapOvr>
+    <a:masterClrMapping/>
+  </p:clrMapOvr>
+</p:sld>
+</file>
+
+<file path=ppt/slides/slide53.xml><?xml version="1.0" encoding="utf-8"?>
+<p:sld xmlns:a="http://schemas.openxmlformats.org/drawingml/2006/main" xmlns:r="http://schemas.openxmlformats.org/officeDocument/2006/relationships" xmlns:p="http://schemas.openxmlformats.org/presentationml/2006/main">
+  <p:cSld>
+    <p:spTree>
+      <p:nvGrpSpPr>
+        <p:cNvPr id="1" name=""/>
+        <p:cNvGrpSpPr/>
+        <p:nvPr/>
+      </p:nvGrpSpPr>
+      <p:grpSpPr>
+        <a:xfrm>
+          <a:off x="0" y="0"/>
+          <a:ext cx="0" cy="0"/>
+          <a:chOff x="0" y="0"/>
+          <a:chExt cx="0" cy="0"/>
+        </a:xfrm>
+      </p:grpSpPr>
+      <p:sp>
+        <p:nvSpPr>
+          <p:cNvPr id="2" name="Title 1">
+            <a:extLst>
+              <a:ext uri="{FF2B5EF4-FFF2-40B4-BE49-F238E27FC236}">
+                <a16:creationId xmlns:a16="http://schemas.microsoft.com/office/drawing/2014/main" id="{9439765E-D021-4F83-B075-735F05281BF5}"/>
+              </a:ext>
+            </a:extLst>
+          </p:cNvPr>
+          <p:cNvSpPr>
+            <a:spLocks noGrp="1"/>
+          </p:cNvSpPr>
+          <p:nvPr>
+            <p:ph type="title"/>
+          </p:nvPr>
+        </p:nvSpPr>
+        <p:spPr/>
+        <p:txBody>
+          <a:bodyPr/>
+          <a:lstStyle/>
+          <a:p>
+            <a:r>
+              <a:rPr lang="en-US" dirty="0"/>
+              <a:t>Events and Messaging</a:t>
+            </a:r>
+          </a:p>
+        </p:txBody>
+      </p:sp>
+      <p:sp>
+        <p:nvSpPr>
+          <p:cNvPr id="3" name="Content Placeholder 2">
+            <a:extLst>
+              <a:ext uri="{FF2B5EF4-FFF2-40B4-BE49-F238E27FC236}">
+                <a16:creationId xmlns:a16="http://schemas.microsoft.com/office/drawing/2014/main" id="{90B61D1A-C399-44DB-9D94-6ED2D23B3306}"/>
+              </a:ext>
+            </a:extLst>
+          </p:cNvPr>
+          <p:cNvSpPr>
+            <a:spLocks noGrp="1"/>
+          </p:cNvSpPr>
+          <p:nvPr>
+            <p:ph idx="1"/>
+          </p:nvPr>
+        </p:nvSpPr>
+        <p:spPr>
+          <a:xfrm>
+            <a:off x="838199" y="1825625"/>
+            <a:ext cx="10631905" cy="4351338"/>
+          </a:xfrm>
+        </p:spPr>
+        <p:txBody>
+          <a:bodyPr/>
+          <a:lstStyle/>
+          <a:p>
+            <a:pPr marL="0" indent="0">
+              <a:buNone/>
+            </a:pPr>
+            <a:r>
+              <a:rPr lang="en-US" dirty="0"/>
               <a:t>Messaging in cloud</a:t>
             </a:r>
           </a:p>
@@ -15923,7 +16074,7 @@
 </p:sld>
 </file>
 
-<file path=ppt/slides/slide53.xml><?xml version="1.0" encoding="utf-8"?>
+<file path=ppt/slides/slide54.xml><?xml version="1.0" encoding="utf-8"?>
 <p:sld xmlns:a="http://schemas.openxmlformats.org/drawingml/2006/main" xmlns:r="http://schemas.openxmlformats.org/officeDocument/2006/relationships" xmlns:p="http://schemas.openxmlformats.org/presentationml/2006/main">
   <p:cSld>
     <p:spTree>
@@ -16018,141 +16169,6 @@
 </p:sld>
 </file>
 
-<file path=ppt/slides/slide54.xml><?xml version="1.0" encoding="utf-8"?>
-<p:sld xmlns:a="http://schemas.openxmlformats.org/drawingml/2006/main" xmlns:r="http://schemas.openxmlformats.org/officeDocument/2006/relationships" xmlns:p="http://schemas.openxmlformats.org/presentationml/2006/main">
-  <p:cSld>
-    <p:spTree>
-      <p:nvGrpSpPr>
-        <p:cNvPr id="1" name=""/>
-        <p:cNvGrpSpPr/>
-        <p:nvPr/>
-      </p:nvGrpSpPr>
-      <p:grpSpPr>
-        <a:xfrm>
-          <a:off x="0" y="0"/>
-          <a:ext cx="0" cy="0"/>
-          <a:chOff x="0" y="0"/>
-          <a:chExt cx="0" cy="0"/>
-        </a:xfrm>
-      </p:grpSpPr>
-      <p:sp>
-        <p:nvSpPr>
-          <p:cNvPr id="2" name="Title 1">
-            <a:extLst>
-              <a:ext uri="{FF2B5EF4-FFF2-40B4-BE49-F238E27FC236}">
-                <a16:creationId xmlns:a16="http://schemas.microsoft.com/office/drawing/2014/main" id="{E04131E7-91ED-4C32-9ADB-EADE1AE84D6C}"/>
-              </a:ext>
-            </a:extLst>
-          </p:cNvPr>
-          <p:cNvSpPr>
-            <a:spLocks noGrp="1"/>
-          </p:cNvSpPr>
-          <p:nvPr>
-            <p:ph type="title"/>
-          </p:nvPr>
-        </p:nvSpPr>
-        <p:spPr/>
-        <p:txBody>
-          <a:bodyPr/>
-          <a:lstStyle/>
-          <a:p>
-            <a:r>
-              <a:rPr lang="en-US" dirty="0"/>
-              <a:t>Additional resources</a:t>
-            </a:r>
-          </a:p>
-        </p:txBody>
-      </p:sp>
-      <p:sp>
-        <p:nvSpPr>
-          <p:cNvPr id="3" name="Content Placeholder 2">
-            <a:extLst>
-              <a:ext uri="{FF2B5EF4-FFF2-40B4-BE49-F238E27FC236}">
-                <a16:creationId xmlns:a16="http://schemas.microsoft.com/office/drawing/2014/main" id="{5D8B3750-010F-46E9-8CFC-7C148BA0AACB}"/>
-              </a:ext>
-            </a:extLst>
-          </p:cNvPr>
-          <p:cNvSpPr>
-            <a:spLocks noGrp="1"/>
-          </p:cNvSpPr>
-          <p:nvPr>
-            <p:ph idx="1"/>
-          </p:nvPr>
-        </p:nvSpPr>
-        <p:spPr/>
-        <p:txBody>
-          <a:bodyPr>
-            <a:normAutofit/>
-          </a:bodyPr>
-          <a:lstStyle/>
-          <a:p>
-            <a:r>
-              <a:rPr lang="en-US" dirty="0"/>
-              <a:t>(video) </a:t>
-            </a:r>
-            <a:r>
-              <a:rPr lang="en-US" dirty="0">
-                <a:hlinkClick r:id="rId3"/>
-              </a:rPr>
-              <a:t>Safe Client Behavior</a:t>
-            </a:r>
-            <a:endParaRPr lang="en-US" dirty="0"/>
-          </a:p>
-          <a:p>
-            <a:r>
-              <a:rPr lang="en-US" dirty="0"/>
-              <a:t>(article) </a:t>
-            </a:r>
-            <a:r>
-              <a:rPr lang="en-US" dirty="0">
-                <a:hlinkClick r:id="rId4"/>
-              </a:rPr>
-              <a:t>What happens on DNS update</a:t>
-            </a:r>
-            <a:endParaRPr lang="en-US" dirty="0"/>
-          </a:p>
-          <a:p>
-            <a:r>
-              <a:rPr lang="en-US" dirty="0"/>
-              <a:t>(video) </a:t>
-            </a:r>
-            <a:r>
-              <a:rPr lang="en-US" dirty="0">
-                <a:hlinkClick r:id="rId5"/>
-              </a:rPr>
-              <a:t>DynamoDB design-patterns</a:t>
-            </a:r>
-            <a:r>
-              <a:rPr lang="en-US" dirty="0"/>
-              <a:t> (applies to most “</a:t>
-            </a:r>
-            <a:r>
-              <a:rPr lang="en-US" dirty="0" err="1"/>
-              <a:t>nosql</a:t>
-            </a:r>
-            <a:r>
-              <a:rPr lang="en-US" dirty="0"/>
-              <a:t>”)</a:t>
-            </a:r>
-          </a:p>
-          <a:p>
-            <a:endParaRPr lang="en-US" dirty="0"/>
-          </a:p>
-        </p:txBody>
-      </p:sp>
-    </p:spTree>
-    <p:extLst>
-      <p:ext uri="{BB962C8B-B14F-4D97-AF65-F5344CB8AC3E}">
-        <p14:creationId xmlns:p14="http://schemas.microsoft.com/office/powerpoint/2010/main" val="728140776"/>
-      </p:ext>
-    </p:extLst>
-  </p:cSld>
-  <p:clrMapOvr>
-    <a:masterClrMapping/>
-  </p:clrMapOvr>
-</p:sld>
-</file>
-
 <file path=ppt/slides/slide55.xml><?xml version="1.0" encoding="utf-8"?>
 <p:sld xmlns:a="http://schemas.openxmlformats.org/drawingml/2006/main" xmlns:r="http://schemas.openxmlformats.org/officeDocument/2006/relationships" xmlns:p="http://schemas.openxmlformats.org/presentationml/2006/main">
   <p:cSld>
@@ -16193,6 +16209,141 @@
           <a:p>
             <a:r>
               <a:rPr lang="en-US" dirty="0"/>
+              <a:t>Additional resources</a:t>
+            </a:r>
+          </a:p>
+        </p:txBody>
+      </p:sp>
+      <p:sp>
+        <p:nvSpPr>
+          <p:cNvPr id="3" name="Content Placeholder 2">
+            <a:extLst>
+              <a:ext uri="{FF2B5EF4-FFF2-40B4-BE49-F238E27FC236}">
+                <a16:creationId xmlns:a16="http://schemas.microsoft.com/office/drawing/2014/main" id="{5D8B3750-010F-46E9-8CFC-7C148BA0AACB}"/>
+              </a:ext>
+            </a:extLst>
+          </p:cNvPr>
+          <p:cNvSpPr>
+            <a:spLocks noGrp="1"/>
+          </p:cNvSpPr>
+          <p:nvPr>
+            <p:ph idx="1"/>
+          </p:nvPr>
+        </p:nvSpPr>
+        <p:spPr/>
+        <p:txBody>
+          <a:bodyPr>
+            <a:normAutofit/>
+          </a:bodyPr>
+          <a:lstStyle/>
+          <a:p>
+            <a:r>
+              <a:rPr lang="en-US" dirty="0"/>
+              <a:t>(video) </a:t>
+            </a:r>
+            <a:r>
+              <a:rPr lang="en-US" dirty="0">
+                <a:hlinkClick r:id="rId3"/>
+              </a:rPr>
+              <a:t>Safe Client Behavior</a:t>
+            </a:r>
+            <a:endParaRPr lang="en-US" dirty="0"/>
+          </a:p>
+          <a:p>
+            <a:r>
+              <a:rPr lang="en-US" dirty="0"/>
+              <a:t>(article) </a:t>
+            </a:r>
+            <a:r>
+              <a:rPr lang="en-US" dirty="0">
+                <a:hlinkClick r:id="rId4"/>
+              </a:rPr>
+              <a:t>What happens on DNS update</a:t>
+            </a:r>
+            <a:endParaRPr lang="en-US" dirty="0"/>
+          </a:p>
+          <a:p>
+            <a:r>
+              <a:rPr lang="en-US" dirty="0"/>
+              <a:t>(video) </a:t>
+            </a:r>
+            <a:r>
+              <a:rPr lang="en-US" dirty="0">
+                <a:hlinkClick r:id="rId5"/>
+              </a:rPr>
+              <a:t>DynamoDB design-patterns</a:t>
+            </a:r>
+            <a:r>
+              <a:rPr lang="en-US" dirty="0"/>
+              <a:t> (applies to most “</a:t>
+            </a:r>
+            <a:r>
+              <a:rPr lang="en-US" dirty="0" err="1"/>
+              <a:t>nosql</a:t>
+            </a:r>
+            <a:r>
+              <a:rPr lang="en-US" dirty="0"/>
+              <a:t>”)</a:t>
+            </a:r>
+          </a:p>
+          <a:p>
+            <a:endParaRPr lang="en-US" dirty="0"/>
+          </a:p>
+        </p:txBody>
+      </p:sp>
+    </p:spTree>
+    <p:extLst>
+      <p:ext uri="{BB962C8B-B14F-4D97-AF65-F5344CB8AC3E}">
+        <p14:creationId xmlns:p14="http://schemas.microsoft.com/office/powerpoint/2010/main" val="728140776"/>
+      </p:ext>
+    </p:extLst>
+  </p:cSld>
+  <p:clrMapOvr>
+    <a:masterClrMapping/>
+  </p:clrMapOvr>
+</p:sld>
+</file>
+
+<file path=ppt/slides/slide56.xml><?xml version="1.0" encoding="utf-8"?>
+<p:sld xmlns:a="http://schemas.openxmlformats.org/drawingml/2006/main" xmlns:r="http://schemas.openxmlformats.org/officeDocument/2006/relationships" xmlns:p="http://schemas.openxmlformats.org/presentationml/2006/main">
+  <p:cSld>
+    <p:spTree>
+      <p:nvGrpSpPr>
+        <p:cNvPr id="1" name=""/>
+        <p:cNvGrpSpPr/>
+        <p:nvPr/>
+      </p:nvGrpSpPr>
+      <p:grpSpPr>
+        <a:xfrm>
+          <a:off x="0" y="0"/>
+          <a:ext cx="0" cy="0"/>
+          <a:chOff x="0" y="0"/>
+          <a:chExt cx="0" cy="0"/>
+        </a:xfrm>
+      </p:grpSpPr>
+      <p:sp>
+        <p:nvSpPr>
+          <p:cNvPr id="2" name="Title 1">
+            <a:extLst>
+              <a:ext uri="{FF2B5EF4-FFF2-40B4-BE49-F238E27FC236}">
+                <a16:creationId xmlns:a16="http://schemas.microsoft.com/office/drawing/2014/main" id="{E04131E7-91ED-4C32-9ADB-EADE1AE84D6C}"/>
+              </a:ext>
+            </a:extLst>
+          </p:cNvPr>
+          <p:cNvSpPr>
+            <a:spLocks noGrp="1"/>
+          </p:cNvSpPr>
+          <p:nvPr>
+            <p:ph type="title"/>
+          </p:nvPr>
+        </p:nvSpPr>
+        <p:spPr/>
+        <p:txBody>
+          <a:bodyPr/>
+          <a:lstStyle/>
+          <a:p>
+            <a:r>
+              <a:rPr lang="en-US" dirty="0"/>
               <a:t>Additional resources (optional)</a:t>
             </a:r>
           </a:p>
@@ -16290,7 +16441,7 @@
 </p:sld>
 </file>
 
-<file path=ppt/slides/slide56.xml><?xml version="1.0" encoding="utf-8"?>
+<file path=ppt/slides/slide57.xml><?xml version="1.0" encoding="utf-8"?>
 <p:sld xmlns:a="http://schemas.openxmlformats.org/drawingml/2006/main" xmlns:r="http://schemas.openxmlformats.org/officeDocument/2006/relationships" xmlns:p="http://schemas.openxmlformats.org/presentationml/2006/main">
   <p:cSld>
     <p:spTree>

--- a/presentations/03_Core_Services.pptx
+++ b/presentations/03_Core_Services.pptx
@@ -261,7 +261,7 @@
           <a:p>
             <a:fld id="{7D3A3C89-A649-45F2-8D71-E2AE9AB3134F}" type="datetimeFigureOut">
               <a:rPr lang="en-US" smtClean="0"/>
-              <a:t>22-Jul-21</a:t>
+              <a:t>03-Aug-21</a:t>
             </a:fld>
             <a:endParaRPr lang="en-US"/>
           </a:p>
@@ -5016,7 +5016,7 @@
           <a:p>
             <a:fld id="{0E13C4CA-1FE8-40BD-A7A3-1B8DF1413C47}" type="datetimeFigureOut">
               <a:rPr lang="en-US" smtClean="0"/>
-              <a:t>22-Jul-21</a:t>
+              <a:t>03-Aug-21</a:t>
             </a:fld>
             <a:endParaRPr lang="en-US"/>
           </a:p>
@@ -5214,7 +5214,7 @@
           <a:p>
             <a:fld id="{0E13C4CA-1FE8-40BD-A7A3-1B8DF1413C47}" type="datetimeFigureOut">
               <a:rPr lang="en-US" smtClean="0"/>
-              <a:t>22-Jul-21</a:t>
+              <a:t>03-Aug-21</a:t>
             </a:fld>
             <a:endParaRPr lang="en-US"/>
           </a:p>
@@ -5422,7 +5422,7 @@
           <a:p>
             <a:fld id="{0E13C4CA-1FE8-40BD-A7A3-1B8DF1413C47}" type="datetimeFigureOut">
               <a:rPr lang="en-US" smtClean="0"/>
-              <a:t>22-Jul-21</a:t>
+              <a:t>03-Aug-21</a:t>
             </a:fld>
             <a:endParaRPr lang="en-US"/>
           </a:p>
@@ -5620,7 +5620,7 @@
           <a:p>
             <a:fld id="{0E13C4CA-1FE8-40BD-A7A3-1B8DF1413C47}" type="datetimeFigureOut">
               <a:rPr lang="en-US" smtClean="0"/>
-              <a:t>22-Jul-21</a:t>
+              <a:t>03-Aug-21</a:t>
             </a:fld>
             <a:endParaRPr lang="en-US"/>
           </a:p>
@@ -5895,7 +5895,7 @@
           <a:p>
             <a:fld id="{0E13C4CA-1FE8-40BD-A7A3-1B8DF1413C47}" type="datetimeFigureOut">
               <a:rPr lang="en-US" smtClean="0"/>
-              <a:t>22-Jul-21</a:t>
+              <a:t>03-Aug-21</a:t>
             </a:fld>
             <a:endParaRPr lang="en-US"/>
           </a:p>
@@ -6160,7 +6160,7 @@
           <a:p>
             <a:fld id="{0E13C4CA-1FE8-40BD-A7A3-1B8DF1413C47}" type="datetimeFigureOut">
               <a:rPr lang="en-US" smtClean="0"/>
-              <a:t>22-Jul-21</a:t>
+              <a:t>03-Aug-21</a:t>
             </a:fld>
             <a:endParaRPr lang="en-US"/>
           </a:p>
@@ -6572,7 +6572,7 @@
           <a:p>
             <a:fld id="{0E13C4CA-1FE8-40BD-A7A3-1B8DF1413C47}" type="datetimeFigureOut">
               <a:rPr lang="en-US" smtClean="0"/>
-              <a:t>22-Jul-21</a:t>
+              <a:t>03-Aug-21</a:t>
             </a:fld>
             <a:endParaRPr lang="en-US"/>
           </a:p>
@@ -6713,7 +6713,7 @@
           <a:p>
             <a:fld id="{0E13C4CA-1FE8-40BD-A7A3-1B8DF1413C47}" type="datetimeFigureOut">
               <a:rPr lang="en-US" smtClean="0"/>
-              <a:t>22-Jul-21</a:t>
+              <a:t>03-Aug-21</a:t>
             </a:fld>
             <a:endParaRPr lang="en-US"/>
           </a:p>
@@ -6826,7 +6826,7 @@
           <a:p>
             <a:fld id="{0E13C4CA-1FE8-40BD-A7A3-1B8DF1413C47}" type="datetimeFigureOut">
               <a:rPr lang="en-US" smtClean="0"/>
-              <a:t>22-Jul-21</a:t>
+              <a:t>03-Aug-21</a:t>
             </a:fld>
             <a:endParaRPr lang="en-US"/>
           </a:p>
@@ -7137,7 +7137,7 @@
           <a:p>
             <a:fld id="{0E13C4CA-1FE8-40BD-A7A3-1B8DF1413C47}" type="datetimeFigureOut">
               <a:rPr lang="en-US" smtClean="0"/>
-              <a:t>22-Jul-21</a:t>
+              <a:t>03-Aug-21</a:t>
             </a:fld>
             <a:endParaRPr lang="en-US"/>
           </a:p>
@@ -7425,7 +7425,7 @@
           <a:p>
             <a:fld id="{0E13C4CA-1FE8-40BD-A7A3-1B8DF1413C47}" type="datetimeFigureOut">
               <a:rPr lang="en-US" smtClean="0"/>
-              <a:t>22-Jul-21</a:t>
+              <a:t>03-Aug-21</a:t>
             </a:fld>
             <a:endParaRPr lang="en-US"/>
           </a:p>
@@ -7666,7 +7666,7 @@
           <a:p>
             <a:fld id="{0E13C4CA-1FE8-40BD-A7A3-1B8DF1413C47}" type="datetimeFigureOut">
               <a:rPr lang="en-US" smtClean="0"/>
-              <a:t>22-Jul-21</a:t>
+              <a:t>03-Aug-21</a:t>
             </a:fld>
             <a:endParaRPr lang="en-US"/>
           </a:p>
@@ -16252,13 +16252,13 @@
           <a:p>
             <a:r>
               <a:rPr lang="en-US" dirty="0"/>
-              <a:t>(article) </a:t>
+              <a:t>(comics) </a:t>
             </a:r>
             <a:r>
               <a:rPr lang="en-US" dirty="0">
                 <a:hlinkClick r:id="rId4"/>
               </a:rPr>
-              <a:t>What happens on DNS update</a:t>
+              <a:t>Networking basics by Julia Evans</a:t>
             </a:r>
             <a:endParaRPr lang="en-US" dirty="0"/>
           </a:p>
@@ -16409,18 +16409,31 @@
               <a:rPr lang="en-US" dirty="0">
                 <a:hlinkClick r:id="rId5"/>
               </a:rPr>
-              <a:t>What is CDN</a:t>
+              <a:t>What happens on DNS update</a:t>
             </a:r>
             <a:endParaRPr lang="en-US" dirty="0"/>
           </a:p>
           <a:p>
             <a:r>
               <a:rPr lang="en-US" dirty="0"/>
-              <a:t>(course) Google’s </a:t>
+              <a:t>(article) </a:t>
             </a:r>
             <a:r>
               <a:rPr lang="en-US" dirty="0">
                 <a:hlinkClick r:id="rId6"/>
+              </a:rPr>
+              <a:t>What is CDN</a:t>
+            </a:r>
+            <a:endParaRPr lang="en-US" dirty="0"/>
+          </a:p>
+          <a:p>
+            <a:r>
+              <a:rPr lang="en-US" dirty="0"/>
+              <a:t>(course) Google’s </a:t>
+            </a:r>
+            <a:r>
+              <a:rPr lang="en-US" dirty="0">
+                <a:hlinkClick r:id="rId7"/>
               </a:rPr>
               <a:t>Introduction to Computer Networking</a:t>
             </a:r>
@@ -16582,6 +16595,19 @@
               <a:rPr lang="en-US" dirty="0"/>
               <a:t> (medium paywall)</a:t>
             </a:r>
+          </a:p>
+          <a:p>
+            <a:r>
+              <a:rPr lang="en-US" dirty="0"/>
+              <a:t>(article) </a:t>
+            </a:r>
+            <a:r>
+              <a:rPr lang="en-US" dirty="0">
+                <a:hlinkClick r:id="rId9"/>
+              </a:rPr>
+              <a:t>AWS in plain English</a:t>
+            </a:r>
+            <a:endParaRPr lang="en-US" dirty="0"/>
           </a:p>
           <a:p>
             <a:endParaRPr lang="en-US" dirty="0"/>

--- a/presentations/03_Core_Services.pptx
+++ b/presentations/03_Core_Services.pptx
@@ -5,7 +5,7 @@
     <p:sldMasterId id="2147483648" r:id="rId1"/>
   </p:sldMasterIdLst>
   <p:notesMasterIdLst>
-    <p:notesMasterId r:id="rId59"/>
+    <p:notesMasterId r:id="rId60"/>
   </p:notesMasterIdLst>
   <p:sldIdLst>
     <p:sldId id="257" r:id="rId2"/>
@@ -23,48 +23,49 @@
     <p:sldId id="289" r:id="rId14"/>
     <p:sldId id="292" r:id="rId15"/>
     <p:sldId id="291" r:id="rId16"/>
-    <p:sldId id="293" r:id="rId17"/>
-    <p:sldId id="295" r:id="rId18"/>
-    <p:sldId id="297" r:id="rId19"/>
-    <p:sldId id="307" r:id="rId20"/>
-    <p:sldId id="300" r:id="rId21"/>
-    <p:sldId id="299" r:id="rId22"/>
-    <p:sldId id="301" r:id="rId23"/>
-    <p:sldId id="302" r:id="rId24"/>
-    <p:sldId id="303" r:id="rId25"/>
-    <p:sldId id="304" r:id="rId26"/>
-    <p:sldId id="305" r:id="rId27"/>
-    <p:sldId id="308" r:id="rId28"/>
-    <p:sldId id="298" r:id="rId29"/>
-    <p:sldId id="306" r:id="rId30"/>
-    <p:sldId id="337" r:id="rId31"/>
-    <p:sldId id="311" r:id="rId32"/>
-    <p:sldId id="316" r:id="rId33"/>
-    <p:sldId id="317" r:id="rId34"/>
-    <p:sldId id="318" r:id="rId35"/>
-    <p:sldId id="319" r:id="rId36"/>
-    <p:sldId id="315" r:id="rId37"/>
-    <p:sldId id="320" r:id="rId38"/>
-    <p:sldId id="322" r:id="rId39"/>
-    <p:sldId id="321" r:id="rId40"/>
-    <p:sldId id="324" r:id="rId41"/>
-    <p:sldId id="312" r:id="rId42"/>
-    <p:sldId id="313" r:id="rId43"/>
-    <p:sldId id="323" r:id="rId44"/>
-    <p:sldId id="326" r:id="rId45"/>
-    <p:sldId id="327" r:id="rId46"/>
-    <p:sldId id="328" r:id="rId47"/>
-    <p:sldId id="329" r:id="rId48"/>
-    <p:sldId id="330" r:id="rId49"/>
-    <p:sldId id="331" r:id="rId50"/>
-    <p:sldId id="339" r:id="rId51"/>
-    <p:sldId id="334" r:id="rId52"/>
-    <p:sldId id="332" r:id="rId53"/>
-    <p:sldId id="333" r:id="rId54"/>
-    <p:sldId id="336" r:id="rId55"/>
-    <p:sldId id="325" r:id="rId56"/>
-    <p:sldId id="335" r:id="rId57"/>
-    <p:sldId id="338" r:id="rId58"/>
+    <p:sldId id="340" r:id="rId17"/>
+    <p:sldId id="293" r:id="rId18"/>
+    <p:sldId id="295" r:id="rId19"/>
+    <p:sldId id="297" r:id="rId20"/>
+    <p:sldId id="307" r:id="rId21"/>
+    <p:sldId id="300" r:id="rId22"/>
+    <p:sldId id="299" r:id="rId23"/>
+    <p:sldId id="301" r:id="rId24"/>
+    <p:sldId id="302" r:id="rId25"/>
+    <p:sldId id="303" r:id="rId26"/>
+    <p:sldId id="304" r:id="rId27"/>
+    <p:sldId id="305" r:id="rId28"/>
+    <p:sldId id="308" r:id="rId29"/>
+    <p:sldId id="298" r:id="rId30"/>
+    <p:sldId id="306" r:id="rId31"/>
+    <p:sldId id="337" r:id="rId32"/>
+    <p:sldId id="311" r:id="rId33"/>
+    <p:sldId id="316" r:id="rId34"/>
+    <p:sldId id="317" r:id="rId35"/>
+    <p:sldId id="318" r:id="rId36"/>
+    <p:sldId id="319" r:id="rId37"/>
+    <p:sldId id="315" r:id="rId38"/>
+    <p:sldId id="320" r:id="rId39"/>
+    <p:sldId id="322" r:id="rId40"/>
+    <p:sldId id="321" r:id="rId41"/>
+    <p:sldId id="324" r:id="rId42"/>
+    <p:sldId id="312" r:id="rId43"/>
+    <p:sldId id="313" r:id="rId44"/>
+    <p:sldId id="323" r:id="rId45"/>
+    <p:sldId id="326" r:id="rId46"/>
+    <p:sldId id="327" r:id="rId47"/>
+    <p:sldId id="328" r:id="rId48"/>
+    <p:sldId id="329" r:id="rId49"/>
+    <p:sldId id="330" r:id="rId50"/>
+    <p:sldId id="331" r:id="rId51"/>
+    <p:sldId id="339" r:id="rId52"/>
+    <p:sldId id="334" r:id="rId53"/>
+    <p:sldId id="332" r:id="rId54"/>
+    <p:sldId id="333" r:id="rId55"/>
+    <p:sldId id="336" r:id="rId56"/>
+    <p:sldId id="325" r:id="rId57"/>
+    <p:sldId id="335" r:id="rId58"/>
+    <p:sldId id="338" r:id="rId59"/>
   </p:sldIdLst>
   <p:sldSz cx="12192000" cy="6858000"/>
   <p:notesSz cx="6858000" cy="9144000"/>
@@ -261,7 +262,7 @@
           <a:p>
             <a:fld id="{7D3A3C89-A649-45F2-8D71-E2AE9AB3134F}" type="datetimeFigureOut">
               <a:rPr lang="en-US" smtClean="0"/>
-              <a:t>03-Aug-21</a:t>
+              <a:t>02-Feb-22</a:t>
             </a:fld>
             <a:endParaRPr lang="en-US"/>
           </a:p>
@@ -788,7 +789,7 @@
     </p:spTree>
     <p:extLst>
       <p:ext uri="{BB962C8B-B14F-4D97-AF65-F5344CB8AC3E}">
-        <p14:creationId xmlns:p14="http://schemas.microsoft.com/office/powerpoint/2010/main" val="3555372378"/>
+        <p14:creationId xmlns:p14="http://schemas.microsoft.com/office/powerpoint/2010/main" val="2371577149"/>
       </p:ext>
     </p:extLst>
   </p:cSld>
@@ -872,7 +873,7 @@
     </p:spTree>
     <p:extLst>
       <p:ext uri="{BB962C8B-B14F-4D97-AF65-F5344CB8AC3E}">
-        <p14:creationId xmlns:p14="http://schemas.microsoft.com/office/powerpoint/2010/main" val="1071616272"/>
+        <p14:creationId xmlns:p14="http://schemas.microsoft.com/office/powerpoint/2010/main" val="3555372378"/>
       </p:ext>
     </p:extLst>
   </p:cSld>
@@ -947,7 +948,7 @@
           <a:p>
             <a:fld id="{369589F9-1142-4B1D-9D2D-7C4ED68C6326}" type="slidenum">
               <a:rPr lang="en-US" smtClean="0"/>
-              <a:t>20</a:t>
+              <a:t>18</a:t>
             </a:fld>
             <a:endParaRPr lang="en-US"/>
           </a:p>
@@ -956,7 +957,7 @@
     </p:spTree>
     <p:extLst>
       <p:ext uri="{BB962C8B-B14F-4D97-AF65-F5344CB8AC3E}">
-        <p14:creationId xmlns:p14="http://schemas.microsoft.com/office/powerpoint/2010/main" val="3070504509"/>
+        <p14:creationId xmlns:p14="http://schemas.microsoft.com/office/powerpoint/2010/main" val="1071616272"/>
       </p:ext>
     </p:extLst>
   </p:cSld>
@@ -1010,7 +1011,32 @@
           <a:bodyPr/>
           <a:lstStyle/>
           <a:p>
-            <a:endParaRPr lang="en-US" dirty="0"/>
+            <a:r>
+              <a:rPr lang="en-US" dirty="0"/>
+              <a:t>There are SATA disks on the picture, while _modern_ computers runs </a:t>
+            </a:r>
+            <a:r>
+              <a:rPr lang="en-US" dirty="0" err="1"/>
+              <a:t>NVMe</a:t>
+            </a:r>
+            <a:r>
+              <a:rPr lang="en-US" dirty="0"/>
+              <a:t> SSD that operates over PCI Express bus.</a:t>
+            </a:r>
+          </a:p>
+          <a:p>
+            <a:r>
+              <a:rPr lang="en-US" dirty="0"/>
+              <a:t>SATA SSD still imitated HDD, while </a:t>
+            </a:r>
+            <a:r>
+              <a:rPr lang="en-US" dirty="0" err="1"/>
+              <a:t>NVMe</a:t>
+            </a:r>
+            <a:r>
+              <a:rPr lang="en-US" dirty="0"/>
+              <a:t> acts more like memory (that’s why NVM – non-volatile memory)</a:t>
+            </a:r>
           </a:p>
         </p:txBody>
       </p:sp>
@@ -1040,7 +1066,7 @@
     </p:spTree>
     <p:extLst>
       <p:ext uri="{BB962C8B-B14F-4D97-AF65-F5344CB8AC3E}">
-        <p14:creationId xmlns:p14="http://schemas.microsoft.com/office/powerpoint/2010/main" val="3486197658"/>
+        <p14:creationId xmlns:p14="http://schemas.microsoft.com/office/powerpoint/2010/main" val="3070504509"/>
       </p:ext>
     </p:extLst>
   </p:cSld>
@@ -1124,7 +1150,7 @@
     </p:spTree>
     <p:extLst>
       <p:ext uri="{BB962C8B-B14F-4D97-AF65-F5344CB8AC3E}">
-        <p14:creationId xmlns:p14="http://schemas.microsoft.com/office/powerpoint/2010/main" val="3903525701"/>
+        <p14:creationId xmlns:p14="http://schemas.microsoft.com/office/powerpoint/2010/main" val="3486197658"/>
       </p:ext>
     </p:extLst>
   </p:cSld>
@@ -1178,321 +1204,7 @@
           <a:bodyPr/>
           <a:lstStyle/>
           <a:p>
-            <a:pPr marL="342900" rtl="0" fontAlgn="ctr">
-              <a:spcBef>
-                <a:spcPts val="0"/>
-              </a:spcBef>
-              <a:spcAft>
-                <a:spcPts val="0"/>
-              </a:spcAft>
-              <a:buFont typeface="Arial" panose="020B0604020202020204" pitchFamily="34" charset="0"/>
-              <a:buNone/>
-            </a:pPr>
-            <a:r>
-              <a:rPr lang="en-US" sz="1100" dirty="0">
-                <a:effectLst/>
-                <a:latin typeface="Calibri" panose="020F0502020204030204" pitchFamily="34" charset="0"/>
-              </a:rPr>
-              <a:t>S3 (Simple Storage Service)</a:t>
-            </a:r>
-          </a:p>
-          <a:p>
-            <a:pPr marL="514350" indent="-171450" rtl="0" fontAlgn="ctr">
-              <a:spcBef>
-                <a:spcPts val="0"/>
-              </a:spcBef>
-              <a:spcAft>
-                <a:spcPts val="0"/>
-              </a:spcAft>
-              <a:buFontTx/>
-              <a:buChar char="-"/>
-            </a:pPr>
-            <a:r>
-              <a:rPr lang="en-US" sz="1100" dirty="0">
-                <a:effectLst/>
-                <a:latin typeface="Calibri" panose="020F0502020204030204" pitchFamily="34" charset="0"/>
-              </a:rPr>
-              <a:t>Object storage: store each file as a separate entity</a:t>
-            </a:r>
-          </a:p>
-          <a:p>
-            <a:pPr marL="514350" indent="-171450" rtl="0" fontAlgn="ctr">
-              <a:spcBef>
-                <a:spcPts val="0"/>
-              </a:spcBef>
-              <a:spcAft>
-                <a:spcPts val="0"/>
-              </a:spcAft>
-              <a:buFontTx/>
-              <a:buChar char="-"/>
-            </a:pPr>
-            <a:r>
-              <a:rPr lang="en-US" sz="1100" dirty="0">
-                <a:effectLst/>
-                <a:latin typeface="Calibri" panose="020F0502020204030204" pitchFamily="34" charset="0"/>
-              </a:rPr>
-              <a:t>HA, security, performance</a:t>
-            </a:r>
-          </a:p>
-          <a:p>
-            <a:pPr marL="514350" indent="-171450" rtl="0" fontAlgn="ctr">
-              <a:spcBef>
-                <a:spcPts val="0"/>
-              </a:spcBef>
-              <a:spcAft>
-                <a:spcPts val="0"/>
-              </a:spcAft>
-              <a:buFontTx/>
-              <a:buChar char="-"/>
-            </a:pPr>
-            <a:r>
-              <a:rPr lang="en-US" sz="1100" dirty="0">
-                <a:effectLst/>
-                <a:latin typeface="Calibri" panose="020F0502020204030204" pitchFamily="34" charset="0"/>
-              </a:rPr>
-              <a:t>Charge for usage</a:t>
-            </a:r>
-          </a:p>
-          <a:p>
-            <a:pPr marL="514350" indent="-171450" rtl="0" fontAlgn="ctr">
-              <a:spcBef>
-                <a:spcPts val="0"/>
-              </a:spcBef>
-              <a:spcAft>
-                <a:spcPts val="0"/>
-              </a:spcAft>
-              <a:buFontTx/>
-              <a:buChar char="-"/>
-            </a:pPr>
-            <a:r>
-              <a:rPr lang="en-US" sz="1100" dirty="0">
-                <a:effectLst/>
-                <a:latin typeface="Calibri" panose="020F0502020204030204" pitchFamily="34" charset="0"/>
-              </a:rPr>
-              <a:t>File size: 0 byte - ~5 terabytes</a:t>
-            </a:r>
-          </a:p>
-          <a:p>
-            <a:pPr marL="514350" indent="-171450" rtl="0" fontAlgn="ctr">
-              <a:spcBef>
-                <a:spcPts val="0"/>
-              </a:spcBef>
-              <a:spcAft>
-                <a:spcPts val="0"/>
-              </a:spcAft>
-              <a:buFontTx/>
-              <a:buChar char="-"/>
-            </a:pPr>
-            <a:r>
-              <a:rPr lang="en-US" sz="1100" dirty="0">
-                <a:effectLst/>
-                <a:latin typeface="Calibri" panose="020F0502020204030204" pitchFamily="34" charset="0"/>
-              </a:rPr>
-              <a:t>Access controls</a:t>
-            </a:r>
-          </a:p>
-          <a:p>
-            <a:pPr marL="514350" indent="-171450" rtl="0" fontAlgn="ctr">
-              <a:spcBef>
-                <a:spcPts val="0"/>
-              </a:spcBef>
-              <a:spcAft>
-                <a:spcPts val="0"/>
-              </a:spcAft>
-              <a:buFontTx/>
-              <a:buChar char="-"/>
-            </a:pPr>
-            <a:r>
-              <a:rPr lang="en-US" sz="1100" dirty="0">
-                <a:effectLst/>
-                <a:latin typeface="Calibri" panose="020F0502020204030204" pitchFamily="34" charset="0"/>
-              </a:rPr>
-              <a:t>Access tiers: standard, intelligent, Standard-Infrequent, One-zone Infrequent, Glacier, Glacier Deep Archive</a:t>
-            </a:r>
-          </a:p>
-          <a:p>
-            <a:pPr marL="514350" indent="-171450" rtl="0" fontAlgn="ctr">
-              <a:spcBef>
-                <a:spcPts val="0"/>
-              </a:spcBef>
-              <a:spcAft>
-                <a:spcPts val="0"/>
-              </a:spcAft>
-              <a:buFontTx/>
-              <a:buChar char="-"/>
-            </a:pPr>
-            <a:endParaRPr lang="en-US" sz="1100" dirty="0">
-              <a:effectLst/>
-              <a:latin typeface="Calibri" panose="020F0502020204030204" pitchFamily="34" charset="0"/>
-            </a:endParaRPr>
-          </a:p>
-          <a:p>
-            <a:pPr marL="342900" rtl="0" fontAlgn="ctr">
-              <a:spcBef>
-                <a:spcPts val="0"/>
-              </a:spcBef>
-              <a:spcAft>
-                <a:spcPts val="0"/>
-              </a:spcAft>
-              <a:buFont typeface="Arial" panose="020B0604020202020204" pitchFamily="34" charset="0"/>
-              <a:buNone/>
-            </a:pPr>
-            <a:r>
-              <a:rPr lang="en-US" sz="1100" dirty="0">
-                <a:effectLst/>
-                <a:latin typeface="Calibri" panose="020F0502020204030204" pitchFamily="34" charset="0"/>
-              </a:rPr>
-              <a:t>Elastic Block Storage (EBS)</a:t>
-            </a:r>
-          </a:p>
-          <a:p>
-            <a:pPr marL="514350" indent="-171450" rtl="0" fontAlgn="ctr">
-              <a:spcBef>
-                <a:spcPts val="0"/>
-              </a:spcBef>
-              <a:spcAft>
-                <a:spcPts val="0"/>
-              </a:spcAft>
-              <a:buFontTx/>
-              <a:buChar char="-"/>
-            </a:pPr>
-            <a:r>
-              <a:rPr lang="en-US" sz="1100" dirty="0">
-                <a:effectLst/>
-                <a:latin typeface="Calibri" panose="020F0502020204030204" pitchFamily="34" charset="0"/>
-              </a:rPr>
-              <a:t>Raw, unformatted block device attached to EC2</a:t>
-            </a:r>
-          </a:p>
-          <a:p>
-            <a:pPr marL="514350" indent="-171450" rtl="0" fontAlgn="ctr">
-              <a:spcBef>
-                <a:spcPts val="0"/>
-              </a:spcBef>
-              <a:spcAft>
-                <a:spcPts val="0"/>
-              </a:spcAft>
-              <a:buFontTx/>
-              <a:buChar char="-"/>
-            </a:pPr>
-            <a:r>
-              <a:rPr lang="en-US" sz="1100" dirty="0">
-                <a:effectLst/>
-                <a:latin typeface="Calibri" panose="020F0502020204030204" pitchFamily="34" charset="0"/>
-              </a:rPr>
-              <a:t>Attach multiple volumes to the same EC2</a:t>
-            </a:r>
-          </a:p>
-          <a:p>
-            <a:pPr marL="514350" indent="-171450" rtl="0" fontAlgn="ctr">
-              <a:spcBef>
-                <a:spcPts val="0"/>
-              </a:spcBef>
-              <a:spcAft>
-                <a:spcPts val="0"/>
-              </a:spcAft>
-              <a:buFontTx/>
-              <a:buChar char="-"/>
-            </a:pPr>
-            <a:r>
-              <a:rPr lang="en-US" sz="1100" dirty="0">
-                <a:effectLst/>
-                <a:latin typeface="Calibri" panose="020F0502020204030204" pitchFamily="34" charset="0"/>
-              </a:rPr>
-              <a:t>Use as FS or hard-drives</a:t>
-            </a:r>
-          </a:p>
-          <a:p>
-            <a:pPr marL="514350" indent="-171450" rtl="0" fontAlgn="ctr">
-              <a:spcBef>
-                <a:spcPts val="0"/>
-              </a:spcBef>
-              <a:spcAft>
-                <a:spcPts val="0"/>
-              </a:spcAft>
-              <a:buFontTx/>
-              <a:buChar char="-"/>
-            </a:pPr>
-            <a:r>
-              <a:rPr lang="en-US" sz="1100" dirty="0">
-                <a:effectLst/>
-                <a:latin typeface="Calibri" panose="020F0502020204030204" pitchFamily="34" charset="0"/>
-              </a:rPr>
-              <a:t>Dynamically change configs and size</a:t>
-            </a:r>
-          </a:p>
-          <a:p>
-            <a:pPr marL="514350" indent="-171450" rtl="0" fontAlgn="ctr">
-              <a:spcBef>
-                <a:spcPts val="0"/>
-              </a:spcBef>
-              <a:spcAft>
-                <a:spcPts val="0"/>
-              </a:spcAft>
-              <a:buFontTx/>
-              <a:buChar char="-"/>
-            </a:pPr>
-            <a:r>
-              <a:rPr lang="en-US" sz="1100" dirty="0">
-                <a:effectLst/>
-                <a:latin typeface="Calibri" panose="020F0502020204030204" pitchFamily="34" charset="0"/>
-              </a:rPr>
-              <a:t>Replicated in AZ</a:t>
-            </a:r>
-          </a:p>
-          <a:p>
-            <a:pPr marL="514350" indent="-171450" rtl="0" fontAlgn="ctr">
-              <a:spcBef>
-                <a:spcPts val="0"/>
-              </a:spcBef>
-              <a:spcAft>
-                <a:spcPts val="0"/>
-              </a:spcAft>
-              <a:buFontTx/>
-              <a:buChar char="-"/>
-            </a:pPr>
-            <a:r>
-              <a:rPr lang="en-US" sz="1100" dirty="0">
-                <a:effectLst/>
-                <a:latin typeface="Calibri" panose="020F0502020204030204" pitchFamily="34" charset="0"/>
-              </a:rPr>
-              <a:t>Can move between VMs, encrypt, do not delete when EC2 goes away</a:t>
-            </a:r>
-          </a:p>
-          <a:p>
-            <a:pPr marL="514350" indent="-171450" rtl="0" fontAlgn="ctr">
-              <a:spcBef>
-                <a:spcPts val="0"/>
-              </a:spcBef>
-              <a:spcAft>
-                <a:spcPts val="0"/>
-              </a:spcAft>
-              <a:buFontTx/>
-              <a:buChar char="-"/>
-            </a:pPr>
-            <a:r>
-              <a:rPr lang="en-US" sz="1100" dirty="0">
-                <a:effectLst/>
-                <a:latin typeface="Calibri" panose="020F0502020204030204" pitchFamily="34" charset="0"/>
-              </a:rPr>
-              <a:t>Different types</a:t>
-            </a:r>
-          </a:p>
-          <a:p>
-            <a:pPr marL="514350" indent="-171450" rtl="0" fontAlgn="ctr">
-              <a:spcBef>
-                <a:spcPts val="0"/>
-              </a:spcBef>
-              <a:spcAft>
-                <a:spcPts val="0"/>
-              </a:spcAft>
-              <a:buFontTx/>
-              <a:buChar char="-"/>
-            </a:pPr>
-            <a:endParaRPr lang="en-US" sz="1100" dirty="0">
-              <a:effectLst/>
-              <a:latin typeface="Calibri" panose="020F0502020204030204" pitchFamily="34" charset="0"/>
-            </a:endParaRPr>
+            <a:endParaRPr lang="en-US" dirty="0"/>
           </a:p>
         </p:txBody>
       </p:sp>
@@ -1522,7 +1234,7 @@
     </p:spTree>
     <p:extLst>
       <p:ext uri="{BB962C8B-B14F-4D97-AF65-F5344CB8AC3E}">
-        <p14:creationId xmlns:p14="http://schemas.microsoft.com/office/powerpoint/2010/main" val="2833334092"/>
+        <p14:creationId xmlns:p14="http://schemas.microsoft.com/office/powerpoint/2010/main" val="3903525701"/>
       </p:ext>
     </p:extLst>
   </p:cSld>
@@ -1576,7 +1288,321 @@
           <a:bodyPr/>
           <a:lstStyle/>
           <a:p>
-            <a:endParaRPr lang="en-US" dirty="0"/>
+            <a:pPr marL="342900" rtl="0" fontAlgn="ctr">
+              <a:spcBef>
+                <a:spcPts val="0"/>
+              </a:spcBef>
+              <a:spcAft>
+                <a:spcPts val="0"/>
+              </a:spcAft>
+              <a:buFont typeface="Arial" panose="020B0604020202020204" pitchFamily="34" charset="0"/>
+              <a:buNone/>
+            </a:pPr>
+            <a:r>
+              <a:rPr lang="en-US" sz="1100" dirty="0">
+                <a:effectLst/>
+                <a:latin typeface="Calibri" panose="020F0502020204030204" pitchFamily="34" charset="0"/>
+              </a:rPr>
+              <a:t>S3 (Simple Storage Service)</a:t>
+            </a:r>
+          </a:p>
+          <a:p>
+            <a:pPr marL="514350" indent="-171450" rtl="0" fontAlgn="ctr">
+              <a:spcBef>
+                <a:spcPts val="0"/>
+              </a:spcBef>
+              <a:spcAft>
+                <a:spcPts val="0"/>
+              </a:spcAft>
+              <a:buFontTx/>
+              <a:buChar char="-"/>
+            </a:pPr>
+            <a:r>
+              <a:rPr lang="en-US" sz="1100" dirty="0">
+                <a:effectLst/>
+                <a:latin typeface="Calibri" panose="020F0502020204030204" pitchFamily="34" charset="0"/>
+              </a:rPr>
+              <a:t>Object storage: store each file as a separate entity</a:t>
+            </a:r>
+          </a:p>
+          <a:p>
+            <a:pPr marL="514350" indent="-171450" rtl="0" fontAlgn="ctr">
+              <a:spcBef>
+                <a:spcPts val="0"/>
+              </a:spcBef>
+              <a:spcAft>
+                <a:spcPts val="0"/>
+              </a:spcAft>
+              <a:buFontTx/>
+              <a:buChar char="-"/>
+            </a:pPr>
+            <a:r>
+              <a:rPr lang="en-US" sz="1100" dirty="0">
+                <a:effectLst/>
+                <a:latin typeface="Calibri" panose="020F0502020204030204" pitchFamily="34" charset="0"/>
+              </a:rPr>
+              <a:t>HA, security, performance</a:t>
+            </a:r>
+          </a:p>
+          <a:p>
+            <a:pPr marL="514350" indent="-171450" rtl="0" fontAlgn="ctr">
+              <a:spcBef>
+                <a:spcPts val="0"/>
+              </a:spcBef>
+              <a:spcAft>
+                <a:spcPts val="0"/>
+              </a:spcAft>
+              <a:buFontTx/>
+              <a:buChar char="-"/>
+            </a:pPr>
+            <a:r>
+              <a:rPr lang="en-US" sz="1100" dirty="0">
+                <a:effectLst/>
+                <a:latin typeface="Calibri" panose="020F0502020204030204" pitchFamily="34" charset="0"/>
+              </a:rPr>
+              <a:t>Charge for usage</a:t>
+            </a:r>
+          </a:p>
+          <a:p>
+            <a:pPr marL="514350" indent="-171450" rtl="0" fontAlgn="ctr">
+              <a:spcBef>
+                <a:spcPts val="0"/>
+              </a:spcBef>
+              <a:spcAft>
+                <a:spcPts val="0"/>
+              </a:spcAft>
+              <a:buFontTx/>
+              <a:buChar char="-"/>
+            </a:pPr>
+            <a:r>
+              <a:rPr lang="en-US" sz="1100" dirty="0">
+                <a:effectLst/>
+                <a:latin typeface="Calibri" panose="020F0502020204030204" pitchFamily="34" charset="0"/>
+              </a:rPr>
+              <a:t>File size: 0 byte - ~5 terabytes</a:t>
+            </a:r>
+          </a:p>
+          <a:p>
+            <a:pPr marL="514350" indent="-171450" rtl="0" fontAlgn="ctr">
+              <a:spcBef>
+                <a:spcPts val="0"/>
+              </a:spcBef>
+              <a:spcAft>
+                <a:spcPts val="0"/>
+              </a:spcAft>
+              <a:buFontTx/>
+              <a:buChar char="-"/>
+            </a:pPr>
+            <a:r>
+              <a:rPr lang="en-US" sz="1100" dirty="0">
+                <a:effectLst/>
+                <a:latin typeface="Calibri" panose="020F0502020204030204" pitchFamily="34" charset="0"/>
+              </a:rPr>
+              <a:t>Access controls</a:t>
+            </a:r>
+          </a:p>
+          <a:p>
+            <a:pPr marL="514350" indent="-171450" rtl="0" fontAlgn="ctr">
+              <a:spcBef>
+                <a:spcPts val="0"/>
+              </a:spcBef>
+              <a:spcAft>
+                <a:spcPts val="0"/>
+              </a:spcAft>
+              <a:buFontTx/>
+              <a:buChar char="-"/>
+            </a:pPr>
+            <a:r>
+              <a:rPr lang="en-US" sz="1100" dirty="0">
+                <a:effectLst/>
+                <a:latin typeface="Calibri" panose="020F0502020204030204" pitchFamily="34" charset="0"/>
+              </a:rPr>
+              <a:t>Access tiers: standard, intelligent, Standard-Infrequent, One-zone Infrequent, Glacier, Glacier Deep Archive</a:t>
+            </a:r>
+          </a:p>
+          <a:p>
+            <a:pPr marL="514350" indent="-171450" rtl="0" fontAlgn="ctr">
+              <a:spcBef>
+                <a:spcPts val="0"/>
+              </a:spcBef>
+              <a:spcAft>
+                <a:spcPts val="0"/>
+              </a:spcAft>
+              <a:buFontTx/>
+              <a:buChar char="-"/>
+            </a:pPr>
+            <a:endParaRPr lang="en-US" sz="1100" dirty="0">
+              <a:effectLst/>
+              <a:latin typeface="Calibri" panose="020F0502020204030204" pitchFamily="34" charset="0"/>
+            </a:endParaRPr>
+          </a:p>
+          <a:p>
+            <a:pPr marL="342900" rtl="0" fontAlgn="ctr">
+              <a:spcBef>
+                <a:spcPts val="0"/>
+              </a:spcBef>
+              <a:spcAft>
+                <a:spcPts val="0"/>
+              </a:spcAft>
+              <a:buFont typeface="Arial" panose="020B0604020202020204" pitchFamily="34" charset="0"/>
+              <a:buNone/>
+            </a:pPr>
+            <a:r>
+              <a:rPr lang="en-US" sz="1100" dirty="0">
+                <a:effectLst/>
+                <a:latin typeface="Calibri" panose="020F0502020204030204" pitchFamily="34" charset="0"/>
+              </a:rPr>
+              <a:t>Elastic Block Storage (EBS)</a:t>
+            </a:r>
+          </a:p>
+          <a:p>
+            <a:pPr marL="514350" indent="-171450" rtl="0" fontAlgn="ctr">
+              <a:spcBef>
+                <a:spcPts val="0"/>
+              </a:spcBef>
+              <a:spcAft>
+                <a:spcPts val="0"/>
+              </a:spcAft>
+              <a:buFontTx/>
+              <a:buChar char="-"/>
+            </a:pPr>
+            <a:r>
+              <a:rPr lang="en-US" sz="1100" dirty="0">
+                <a:effectLst/>
+                <a:latin typeface="Calibri" panose="020F0502020204030204" pitchFamily="34" charset="0"/>
+              </a:rPr>
+              <a:t>Raw, unformatted block device attached to EC2</a:t>
+            </a:r>
+          </a:p>
+          <a:p>
+            <a:pPr marL="514350" indent="-171450" rtl="0" fontAlgn="ctr">
+              <a:spcBef>
+                <a:spcPts val="0"/>
+              </a:spcBef>
+              <a:spcAft>
+                <a:spcPts val="0"/>
+              </a:spcAft>
+              <a:buFontTx/>
+              <a:buChar char="-"/>
+            </a:pPr>
+            <a:r>
+              <a:rPr lang="en-US" sz="1100" dirty="0">
+                <a:effectLst/>
+                <a:latin typeface="Calibri" panose="020F0502020204030204" pitchFamily="34" charset="0"/>
+              </a:rPr>
+              <a:t>Attach multiple volumes to the same EC2</a:t>
+            </a:r>
+          </a:p>
+          <a:p>
+            <a:pPr marL="514350" indent="-171450" rtl="0" fontAlgn="ctr">
+              <a:spcBef>
+                <a:spcPts val="0"/>
+              </a:spcBef>
+              <a:spcAft>
+                <a:spcPts val="0"/>
+              </a:spcAft>
+              <a:buFontTx/>
+              <a:buChar char="-"/>
+            </a:pPr>
+            <a:r>
+              <a:rPr lang="en-US" sz="1100" dirty="0">
+                <a:effectLst/>
+                <a:latin typeface="Calibri" panose="020F0502020204030204" pitchFamily="34" charset="0"/>
+              </a:rPr>
+              <a:t>Use as FS or hard-drives</a:t>
+            </a:r>
+          </a:p>
+          <a:p>
+            <a:pPr marL="514350" indent="-171450" rtl="0" fontAlgn="ctr">
+              <a:spcBef>
+                <a:spcPts val="0"/>
+              </a:spcBef>
+              <a:spcAft>
+                <a:spcPts val="0"/>
+              </a:spcAft>
+              <a:buFontTx/>
+              <a:buChar char="-"/>
+            </a:pPr>
+            <a:r>
+              <a:rPr lang="en-US" sz="1100" dirty="0">
+                <a:effectLst/>
+                <a:latin typeface="Calibri" panose="020F0502020204030204" pitchFamily="34" charset="0"/>
+              </a:rPr>
+              <a:t>Dynamically change configs and size</a:t>
+            </a:r>
+          </a:p>
+          <a:p>
+            <a:pPr marL="514350" indent="-171450" rtl="0" fontAlgn="ctr">
+              <a:spcBef>
+                <a:spcPts val="0"/>
+              </a:spcBef>
+              <a:spcAft>
+                <a:spcPts val="0"/>
+              </a:spcAft>
+              <a:buFontTx/>
+              <a:buChar char="-"/>
+            </a:pPr>
+            <a:r>
+              <a:rPr lang="en-US" sz="1100" dirty="0">
+                <a:effectLst/>
+                <a:latin typeface="Calibri" panose="020F0502020204030204" pitchFamily="34" charset="0"/>
+              </a:rPr>
+              <a:t>Replicated in AZ</a:t>
+            </a:r>
+          </a:p>
+          <a:p>
+            <a:pPr marL="514350" indent="-171450" rtl="0" fontAlgn="ctr">
+              <a:spcBef>
+                <a:spcPts val="0"/>
+              </a:spcBef>
+              <a:spcAft>
+                <a:spcPts val="0"/>
+              </a:spcAft>
+              <a:buFontTx/>
+              <a:buChar char="-"/>
+            </a:pPr>
+            <a:r>
+              <a:rPr lang="en-US" sz="1100" dirty="0">
+                <a:effectLst/>
+                <a:latin typeface="Calibri" panose="020F0502020204030204" pitchFamily="34" charset="0"/>
+              </a:rPr>
+              <a:t>Can move between VMs, encrypt, do not delete when EC2 goes away</a:t>
+            </a:r>
+          </a:p>
+          <a:p>
+            <a:pPr marL="514350" indent="-171450" rtl="0" fontAlgn="ctr">
+              <a:spcBef>
+                <a:spcPts val="0"/>
+              </a:spcBef>
+              <a:spcAft>
+                <a:spcPts val="0"/>
+              </a:spcAft>
+              <a:buFontTx/>
+              <a:buChar char="-"/>
+            </a:pPr>
+            <a:r>
+              <a:rPr lang="en-US" sz="1100" dirty="0">
+                <a:effectLst/>
+                <a:latin typeface="Calibri" panose="020F0502020204030204" pitchFamily="34" charset="0"/>
+              </a:rPr>
+              <a:t>Different types</a:t>
+            </a:r>
+          </a:p>
+          <a:p>
+            <a:pPr marL="514350" indent="-171450" rtl="0" fontAlgn="ctr">
+              <a:spcBef>
+                <a:spcPts val="0"/>
+              </a:spcBef>
+              <a:spcAft>
+                <a:spcPts val="0"/>
+              </a:spcAft>
+              <a:buFontTx/>
+              <a:buChar char="-"/>
+            </a:pPr>
+            <a:endParaRPr lang="en-US" sz="1100" dirty="0">
+              <a:effectLst/>
+              <a:latin typeface="Calibri" panose="020F0502020204030204" pitchFamily="34" charset="0"/>
+            </a:endParaRPr>
           </a:p>
         </p:txBody>
       </p:sp>
@@ -1606,7 +1632,7 @@
     </p:spTree>
     <p:extLst>
       <p:ext uri="{BB962C8B-B14F-4D97-AF65-F5344CB8AC3E}">
-        <p14:creationId xmlns:p14="http://schemas.microsoft.com/office/powerpoint/2010/main" val="3975104478"/>
+        <p14:creationId xmlns:p14="http://schemas.microsoft.com/office/powerpoint/2010/main" val="2833334092"/>
       </p:ext>
     </p:extLst>
   </p:cSld>
@@ -1690,7 +1716,7 @@
     </p:spTree>
     <p:extLst>
       <p:ext uri="{BB962C8B-B14F-4D97-AF65-F5344CB8AC3E}">
-        <p14:creationId xmlns:p14="http://schemas.microsoft.com/office/powerpoint/2010/main" val="3419481284"/>
+        <p14:creationId xmlns:p14="http://schemas.microsoft.com/office/powerpoint/2010/main" val="3975104478"/>
       </p:ext>
     </p:extLst>
   </p:cSld>
@@ -1774,7 +1800,7 @@
     </p:spTree>
     <p:extLst>
       <p:ext uri="{BB962C8B-B14F-4D97-AF65-F5344CB8AC3E}">
-        <p14:creationId xmlns:p14="http://schemas.microsoft.com/office/powerpoint/2010/main" val="278434237"/>
+        <p14:creationId xmlns:p14="http://schemas.microsoft.com/office/powerpoint/2010/main" val="3419481284"/>
       </p:ext>
     </p:extLst>
   </p:cSld>
@@ -1942,7 +1968,7 @@
     </p:spTree>
     <p:extLst>
       <p:ext uri="{BB962C8B-B14F-4D97-AF65-F5344CB8AC3E}">
-        <p14:creationId xmlns:p14="http://schemas.microsoft.com/office/powerpoint/2010/main" val="883446631"/>
+        <p14:creationId xmlns:p14="http://schemas.microsoft.com/office/powerpoint/2010/main" val="278434237"/>
       </p:ext>
     </p:extLst>
   </p:cSld>
@@ -2026,7 +2052,7 @@
     </p:spTree>
     <p:extLst>
       <p:ext uri="{BB962C8B-B14F-4D97-AF65-F5344CB8AC3E}">
-        <p14:creationId xmlns:p14="http://schemas.microsoft.com/office/powerpoint/2010/main" val="51654304"/>
+        <p14:creationId xmlns:p14="http://schemas.microsoft.com/office/powerpoint/2010/main" val="883446631"/>
       </p:ext>
     </p:extLst>
   </p:cSld>
@@ -2110,7 +2136,7 @@
     </p:spTree>
     <p:extLst>
       <p:ext uri="{BB962C8B-B14F-4D97-AF65-F5344CB8AC3E}">
-        <p14:creationId xmlns:p14="http://schemas.microsoft.com/office/powerpoint/2010/main" val="3865047705"/>
+        <p14:creationId xmlns:p14="http://schemas.microsoft.com/office/powerpoint/2010/main" val="51654304"/>
       </p:ext>
     </p:extLst>
   </p:cSld>
@@ -2194,7 +2220,7 @@
     </p:spTree>
     <p:extLst>
       <p:ext uri="{BB962C8B-B14F-4D97-AF65-F5344CB8AC3E}">
-        <p14:creationId xmlns:p14="http://schemas.microsoft.com/office/powerpoint/2010/main" val="927073547"/>
+        <p14:creationId xmlns:p14="http://schemas.microsoft.com/office/powerpoint/2010/main" val="3865047705"/>
       </p:ext>
     </p:extLst>
   </p:cSld>
@@ -2278,7 +2304,7 @@
     </p:spTree>
     <p:extLst>
       <p:ext uri="{BB962C8B-B14F-4D97-AF65-F5344CB8AC3E}">
-        <p14:creationId xmlns:p14="http://schemas.microsoft.com/office/powerpoint/2010/main" val="4060713668"/>
+        <p14:creationId xmlns:p14="http://schemas.microsoft.com/office/powerpoint/2010/main" val="927073547"/>
       </p:ext>
     </p:extLst>
   </p:cSld>
@@ -2332,23 +2358,6 @@
           <a:bodyPr/>
           <a:lstStyle/>
           <a:p>
-            <a:pPr marL="0" marR="0" lvl="0" indent="0" algn="l" defTabSz="914400" rtl="0" eaLnBrk="1" fontAlgn="auto" latinLnBrk="0" hangingPunct="1">
-              <a:lnSpc>
-                <a:spcPct val="100000"/>
-              </a:lnSpc>
-              <a:spcBef>
-                <a:spcPts val="0"/>
-              </a:spcBef>
-              <a:spcAft>
-                <a:spcPts val="0"/>
-              </a:spcAft>
-              <a:buClrTx/>
-              <a:buSzTx/>
-              <a:buFontTx/>
-              <a:buNone/>
-              <a:tabLst/>
-              <a:defRPr/>
-            </a:pPr>
             <a:endParaRPr lang="en-US" dirty="0"/>
           </a:p>
         </p:txBody>
@@ -2379,7 +2388,7 @@
     </p:spTree>
     <p:extLst>
       <p:ext uri="{BB962C8B-B14F-4D97-AF65-F5344CB8AC3E}">
-        <p14:creationId xmlns:p14="http://schemas.microsoft.com/office/powerpoint/2010/main" val="2361270079"/>
+        <p14:creationId xmlns:p14="http://schemas.microsoft.com/office/powerpoint/2010/main" val="4060713668"/>
       </p:ext>
     </p:extLst>
   </p:cSld>
@@ -2433,6 +2442,23 @@
           <a:bodyPr/>
           <a:lstStyle/>
           <a:p>
+            <a:pPr marL="0" marR="0" lvl="0" indent="0" algn="l" defTabSz="914400" rtl="0" eaLnBrk="1" fontAlgn="auto" latinLnBrk="0" hangingPunct="1">
+              <a:lnSpc>
+                <a:spcPct val="100000"/>
+              </a:lnSpc>
+              <a:spcBef>
+                <a:spcPts val="0"/>
+              </a:spcBef>
+              <a:spcAft>
+                <a:spcPts val="0"/>
+              </a:spcAft>
+              <a:buClrTx/>
+              <a:buSzTx/>
+              <a:buFontTx/>
+              <a:buNone/>
+              <a:tabLst/>
+              <a:defRPr/>
+            </a:pPr>
             <a:endParaRPr lang="en-US" dirty="0"/>
           </a:p>
         </p:txBody>
@@ -2463,7 +2489,7 @@
     </p:spTree>
     <p:extLst>
       <p:ext uri="{BB962C8B-B14F-4D97-AF65-F5344CB8AC3E}">
-        <p14:creationId xmlns:p14="http://schemas.microsoft.com/office/powerpoint/2010/main" val="1111204694"/>
+        <p14:creationId xmlns:p14="http://schemas.microsoft.com/office/powerpoint/2010/main" val="2361270079"/>
       </p:ext>
     </p:extLst>
   </p:cSld>
@@ -2547,7 +2573,7 @@
     </p:spTree>
     <p:extLst>
       <p:ext uri="{BB962C8B-B14F-4D97-AF65-F5344CB8AC3E}">
-        <p14:creationId xmlns:p14="http://schemas.microsoft.com/office/powerpoint/2010/main" val="4033242954"/>
+        <p14:creationId xmlns:p14="http://schemas.microsoft.com/office/powerpoint/2010/main" val="1111204694"/>
       </p:ext>
     </p:extLst>
   </p:cSld>
@@ -2631,7 +2657,7 @@
     </p:spTree>
     <p:extLst>
       <p:ext uri="{BB962C8B-B14F-4D97-AF65-F5344CB8AC3E}">
-        <p14:creationId xmlns:p14="http://schemas.microsoft.com/office/powerpoint/2010/main" val="2070379645"/>
+        <p14:creationId xmlns:p14="http://schemas.microsoft.com/office/powerpoint/2010/main" val="4033242954"/>
       </p:ext>
     </p:extLst>
   </p:cSld>
@@ -2715,7 +2741,7 @@
     </p:spTree>
     <p:extLst>
       <p:ext uri="{BB962C8B-B14F-4D97-AF65-F5344CB8AC3E}">
-        <p14:creationId xmlns:p14="http://schemas.microsoft.com/office/powerpoint/2010/main" val="3471668637"/>
+        <p14:creationId xmlns:p14="http://schemas.microsoft.com/office/powerpoint/2010/main" val="2070379645"/>
       </p:ext>
     </p:extLst>
   </p:cSld>
@@ -2883,7 +2909,7 @@
     </p:spTree>
     <p:extLst>
       <p:ext uri="{BB962C8B-B14F-4D97-AF65-F5344CB8AC3E}">
-        <p14:creationId xmlns:p14="http://schemas.microsoft.com/office/powerpoint/2010/main" val="1982851266"/>
+        <p14:creationId xmlns:p14="http://schemas.microsoft.com/office/powerpoint/2010/main" val="3471668637"/>
       </p:ext>
     </p:extLst>
   </p:cSld>
@@ -2967,7 +2993,7 @@
     </p:spTree>
     <p:extLst>
       <p:ext uri="{BB962C8B-B14F-4D97-AF65-F5344CB8AC3E}">
-        <p14:creationId xmlns:p14="http://schemas.microsoft.com/office/powerpoint/2010/main" val="3765256029"/>
+        <p14:creationId xmlns:p14="http://schemas.microsoft.com/office/powerpoint/2010/main" val="1982851266"/>
       </p:ext>
     </p:extLst>
   </p:cSld>
@@ -3051,7 +3077,7 @@
     </p:spTree>
     <p:extLst>
       <p:ext uri="{BB962C8B-B14F-4D97-AF65-F5344CB8AC3E}">
-        <p14:creationId xmlns:p14="http://schemas.microsoft.com/office/powerpoint/2010/main" val="1950614082"/>
+        <p14:creationId xmlns:p14="http://schemas.microsoft.com/office/powerpoint/2010/main" val="3765256029"/>
       </p:ext>
     </p:extLst>
   </p:cSld>
@@ -3135,7 +3161,7 @@
     </p:spTree>
     <p:extLst>
       <p:ext uri="{BB962C8B-B14F-4D97-AF65-F5344CB8AC3E}">
-        <p14:creationId xmlns:p14="http://schemas.microsoft.com/office/powerpoint/2010/main" val="547346302"/>
+        <p14:creationId xmlns:p14="http://schemas.microsoft.com/office/powerpoint/2010/main" val="1950614082"/>
       </p:ext>
     </p:extLst>
   </p:cSld>
@@ -3219,7 +3245,7 @@
     </p:spTree>
     <p:extLst>
       <p:ext uri="{BB962C8B-B14F-4D97-AF65-F5344CB8AC3E}">
-        <p14:creationId xmlns:p14="http://schemas.microsoft.com/office/powerpoint/2010/main" val="4092063553"/>
+        <p14:creationId xmlns:p14="http://schemas.microsoft.com/office/powerpoint/2010/main" val="547346302"/>
       </p:ext>
     </p:extLst>
   </p:cSld>
@@ -3303,7 +3329,7 @@
     </p:spTree>
     <p:extLst>
       <p:ext uri="{BB962C8B-B14F-4D97-AF65-F5344CB8AC3E}">
-        <p14:creationId xmlns:p14="http://schemas.microsoft.com/office/powerpoint/2010/main" val="3635884489"/>
+        <p14:creationId xmlns:p14="http://schemas.microsoft.com/office/powerpoint/2010/main" val="4092063553"/>
       </p:ext>
     </p:extLst>
   </p:cSld>
@@ -3387,7 +3413,7 @@
     </p:spTree>
     <p:extLst>
       <p:ext uri="{BB962C8B-B14F-4D97-AF65-F5344CB8AC3E}">
-        <p14:creationId xmlns:p14="http://schemas.microsoft.com/office/powerpoint/2010/main" val="858750197"/>
+        <p14:creationId xmlns:p14="http://schemas.microsoft.com/office/powerpoint/2010/main" val="3635884489"/>
       </p:ext>
     </p:extLst>
   </p:cSld>
@@ -3460,9 +3486,9 @@
           <a:bodyPr/>
           <a:lstStyle/>
           <a:p>
-            <a:fld id="{0A2B9863-627E-4AB1-B28C-F8D4F083B0FE}" type="slidenum">
+            <a:fld id="{369589F9-1142-4B1D-9D2D-7C4ED68C6326}" type="slidenum">
               <a:rPr lang="en-US" smtClean="0"/>
-              <a:t>48</a:t>
+              <a:t>44</a:t>
             </a:fld>
             <a:endParaRPr lang="en-US"/>
           </a:p>
@@ -3471,7 +3497,7 @@
     </p:spTree>
     <p:extLst>
       <p:ext uri="{BB962C8B-B14F-4D97-AF65-F5344CB8AC3E}">
-        <p14:creationId xmlns:p14="http://schemas.microsoft.com/office/powerpoint/2010/main" val="3660769469"/>
+        <p14:creationId xmlns:p14="http://schemas.microsoft.com/office/powerpoint/2010/main" val="858750197"/>
       </p:ext>
     </p:extLst>
   </p:cSld>
@@ -3525,10 +3551,7 @@
           <a:bodyPr/>
           <a:lstStyle/>
           <a:p>
-            <a:r>
-              <a:rPr lang="en-US" dirty="0"/>
-              <a:t>… and each cloud provider has marketplace with more products</a:t>
-            </a:r>
+            <a:endParaRPr lang="en-US" dirty="0"/>
           </a:p>
         </p:txBody>
       </p:sp>
@@ -3558,7 +3581,7 @@
     </p:spTree>
     <p:extLst>
       <p:ext uri="{BB962C8B-B14F-4D97-AF65-F5344CB8AC3E}">
-        <p14:creationId xmlns:p14="http://schemas.microsoft.com/office/powerpoint/2010/main" val="2090103845"/>
+        <p14:creationId xmlns:p14="http://schemas.microsoft.com/office/powerpoint/2010/main" val="3660769469"/>
       </p:ext>
     </p:extLst>
   </p:cSld>
@@ -3612,7 +3635,10 @@
           <a:bodyPr/>
           <a:lstStyle/>
           <a:p>
-            <a:endParaRPr lang="en-US" dirty="0"/>
+            <a:r>
+              <a:rPr lang="en-US" dirty="0"/>
+              <a:t>… and each cloud provider has marketplace with more products</a:t>
+            </a:r>
           </a:p>
         </p:txBody>
       </p:sp>
@@ -3642,7 +3668,7 @@
     </p:spTree>
     <p:extLst>
       <p:ext uri="{BB962C8B-B14F-4D97-AF65-F5344CB8AC3E}">
-        <p14:creationId xmlns:p14="http://schemas.microsoft.com/office/powerpoint/2010/main" val="2578093707"/>
+        <p14:creationId xmlns:p14="http://schemas.microsoft.com/office/powerpoint/2010/main" val="2090103845"/>
       </p:ext>
     </p:extLst>
   </p:cSld>
@@ -3799,7 +3825,7 @@
           <a:bodyPr/>
           <a:lstStyle/>
           <a:p>
-            <a:fld id="{369589F9-1142-4B1D-9D2D-7C4ED68C6326}" type="slidenum">
+            <a:fld id="{0A2B9863-627E-4AB1-B28C-F8D4F083B0FE}" type="slidenum">
               <a:rPr lang="en-US" smtClean="0"/>
               <a:t>51</a:t>
             </a:fld>
@@ -3810,7 +3836,7 @@
     </p:spTree>
     <p:extLst>
       <p:ext uri="{BB962C8B-B14F-4D97-AF65-F5344CB8AC3E}">
-        <p14:creationId xmlns:p14="http://schemas.microsoft.com/office/powerpoint/2010/main" val="3986024511"/>
+        <p14:creationId xmlns:p14="http://schemas.microsoft.com/office/powerpoint/2010/main" val="2578093707"/>
       </p:ext>
     </p:extLst>
   </p:cSld>
@@ -3864,18 +3890,6 @@
           <a:bodyPr/>
           <a:lstStyle/>
           <a:p>
-            <a:r>
-              <a:rPr lang="en-US" dirty="0"/>
-              <a:t>Event – an action or occurrence often originated asynchronously</a:t>
-            </a:r>
-          </a:p>
-          <a:p>
-            <a:r>
-              <a:rPr lang="en-US" dirty="0"/>
-              <a:t>Event log – persisted immutable sequence of events (append-only, sequential reads, often partitioned)</a:t>
-            </a:r>
-          </a:p>
-          <a:p>
             <a:endParaRPr lang="en-US" dirty="0"/>
           </a:p>
         </p:txBody>
@@ -3895,7 +3909,7 @@
           <a:bodyPr/>
           <a:lstStyle/>
           <a:p>
-            <a:fld id="{0A2B9863-627E-4AB1-B28C-F8D4F083B0FE}" type="slidenum">
+            <a:fld id="{369589F9-1142-4B1D-9D2D-7C4ED68C6326}" type="slidenum">
               <a:rPr lang="en-US" smtClean="0"/>
               <a:t>52</a:t>
             </a:fld>
@@ -3906,7 +3920,7 @@
     </p:spTree>
     <p:extLst>
       <p:ext uri="{BB962C8B-B14F-4D97-AF65-F5344CB8AC3E}">
-        <p14:creationId xmlns:p14="http://schemas.microsoft.com/office/powerpoint/2010/main" val="2759939237"/>
+        <p14:creationId xmlns:p14="http://schemas.microsoft.com/office/powerpoint/2010/main" val="3986024511"/>
       </p:ext>
     </p:extLst>
   </p:cSld>
@@ -3962,14 +3976,17 @@
           <a:p>
             <a:r>
               <a:rPr lang="en-US" dirty="0"/>
-              <a:t>Message – event or command</a:t>
-            </a:r>
-          </a:p>
-          <a:p>
-            <a:r>
-              <a:rPr lang="en-US" dirty="0"/>
-              <a:t>Message could be processed or retries separately. Message is not necessary to process sequentially.</a:t>
-            </a:r>
+              <a:t>Event – an action or occurrence often originated asynchronously</a:t>
+            </a:r>
+          </a:p>
+          <a:p>
+            <a:r>
+              <a:rPr lang="en-US" dirty="0"/>
+              <a:t>Event log – persisted immutable sequence of events (append-only, sequential reads, often partitioned)</a:t>
+            </a:r>
+          </a:p>
+          <a:p>
+            <a:endParaRPr lang="en-US" dirty="0"/>
           </a:p>
         </p:txBody>
       </p:sp>
@@ -3999,7 +4016,7 @@
     </p:spTree>
     <p:extLst>
       <p:ext uri="{BB962C8B-B14F-4D97-AF65-F5344CB8AC3E}">
-        <p14:creationId xmlns:p14="http://schemas.microsoft.com/office/powerpoint/2010/main" val="1749673436"/>
+        <p14:creationId xmlns:p14="http://schemas.microsoft.com/office/powerpoint/2010/main" val="2759939237"/>
       </p:ext>
     </p:extLst>
   </p:cSld>
@@ -4053,7 +4070,16 @@
           <a:bodyPr/>
           <a:lstStyle/>
           <a:p>
-            <a:endParaRPr lang="en-US" dirty="0"/>
+            <a:r>
+              <a:rPr lang="en-US" dirty="0"/>
+              <a:t>Message – event or command</a:t>
+            </a:r>
+          </a:p>
+          <a:p>
+            <a:r>
+              <a:rPr lang="en-US" dirty="0"/>
+              <a:t>Message could be processed or retries separately. Message is not necessary to process sequentially.</a:t>
+            </a:r>
           </a:p>
         </p:txBody>
       </p:sp>
@@ -4072,7 +4098,7 @@
           <a:bodyPr/>
           <a:lstStyle/>
           <a:p>
-            <a:fld id="{369589F9-1142-4B1D-9D2D-7C4ED68C6326}" type="slidenum">
+            <a:fld id="{0A2B9863-627E-4AB1-B28C-F8D4F083B0FE}" type="slidenum">
               <a:rPr lang="en-US" smtClean="0"/>
               <a:t>54</a:t>
             </a:fld>
@@ -4083,7 +4109,7 @@
     </p:spTree>
     <p:extLst>
       <p:ext uri="{BB962C8B-B14F-4D97-AF65-F5344CB8AC3E}">
-        <p14:creationId xmlns:p14="http://schemas.microsoft.com/office/powerpoint/2010/main" val="516866685"/>
+        <p14:creationId xmlns:p14="http://schemas.microsoft.com/office/powerpoint/2010/main" val="1749673436"/>
       </p:ext>
     </p:extLst>
   </p:cSld>
@@ -4167,7 +4193,7 @@
     </p:spTree>
     <p:extLst>
       <p:ext uri="{BB962C8B-B14F-4D97-AF65-F5344CB8AC3E}">
-        <p14:creationId xmlns:p14="http://schemas.microsoft.com/office/powerpoint/2010/main" val="1638932341"/>
+        <p14:creationId xmlns:p14="http://schemas.microsoft.com/office/powerpoint/2010/main" val="516866685"/>
       </p:ext>
     </p:extLst>
   </p:cSld>
@@ -4251,7 +4277,7 @@
     </p:spTree>
     <p:extLst>
       <p:ext uri="{BB962C8B-B14F-4D97-AF65-F5344CB8AC3E}">
-        <p14:creationId xmlns:p14="http://schemas.microsoft.com/office/powerpoint/2010/main" val="2024397714"/>
+        <p14:creationId xmlns:p14="http://schemas.microsoft.com/office/powerpoint/2010/main" val="1638932341"/>
       </p:ext>
     </p:extLst>
   </p:cSld>
@@ -4327,6 +4353,90 @@
             <a:fld id="{369589F9-1142-4B1D-9D2D-7C4ED68C6326}" type="slidenum">
               <a:rPr lang="en-US" smtClean="0"/>
               <a:t>57</a:t>
+            </a:fld>
+            <a:endParaRPr lang="en-US"/>
+          </a:p>
+        </p:txBody>
+      </p:sp>
+    </p:spTree>
+    <p:extLst>
+      <p:ext uri="{BB962C8B-B14F-4D97-AF65-F5344CB8AC3E}">
+        <p14:creationId xmlns:p14="http://schemas.microsoft.com/office/powerpoint/2010/main" val="2024397714"/>
+      </p:ext>
+    </p:extLst>
+  </p:cSld>
+  <p:clrMapOvr>
+    <a:masterClrMapping/>
+  </p:clrMapOvr>
+</p:notes>
+</file>
+
+<file path=ppt/notesSlides/notesSlide47.xml><?xml version="1.0" encoding="utf-8"?>
+<p:notes xmlns:a="http://schemas.openxmlformats.org/drawingml/2006/main" xmlns:r="http://schemas.openxmlformats.org/officeDocument/2006/relationships" xmlns:p="http://schemas.openxmlformats.org/presentationml/2006/main">
+  <p:cSld>
+    <p:spTree>
+      <p:nvGrpSpPr>
+        <p:cNvPr id="1" name=""/>
+        <p:cNvGrpSpPr/>
+        <p:nvPr/>
+      </p:nvGrpSpPr>
+      <p:grpSpPr>
+        <a:xfrm>
+          <a:off x="0" y="0"/>
+          <a:ext cx="0" cy="0"/>
+          <a:chOff x="0" y="0"/>
+          <a:chExt cx="0" cy="0"/>
+        </a:xfrm>
+      </p:grpSpPr>
+      <p:sp>
+        <p:nvSpPr>
+          <p:cNvPr id="2" name="Slide Image Placeholder 1"/>
+          <p:cNvSpPr>
+            <a:spLocks noGrp="1" noRot="1" noChangeAspect="1"/>
+          </p:cNvSpPr>
+          <p:nvPr>
+            <p:ph type="sldImg"/>
+          </p:nvPr>
+        </p:nvSpPr>
+        <p:spPr/>
+      </p:sp>
+      <p:sp>
+        <p:nvSpPr>
+          <p:cNvPr id="3" name="Notes Placeholder 2"/>
+          <p:cNvSpPr>
+            <a:spLocks noGrp="1"/>
+          </p:cNvSpPr>
+          <p:nvPr>
+            <p:ph type="body" idx="1"/>
+          </p:nvPr>
+        </p:nvSpPr>
+        <p:spPr/>
+        <p:txBody>
+          <a:bodyPr/>
+          <a:lstStyle/>
+          <a:p>
+            <a:endParaRPr lang="en-US" dirty="0"/>
+          </a:p>
+        </p:txBody>
+      </p:sp>
+      <p:sp>
+        <p:nvSpPr>
+          <p:cNvPr id="4" name="Slide Number Placeholder 3"/>
+          <p:cNvSpPr>
+            <a:spLocks noGrp="1"/>
+          </p:cNvSpPr>
+          <p:nvPr>
+            <p:ph type="sldNum" sz="quarter" idx="5"/>
+          </p:nvPr>
+        </p:nvSpPr>
+        <p:spPr/>
+        <p:txBody>
+          <a:bodyPr/>
+          <a:lstStyle/>
+          <a:p>
+            <a:fld id="{369589F9-1142-4B1D-9D2D-7C4ED68C6326}" type="slidenum">
+              <a:rPr lang="en-US" smtClean="0"/>
+              <a:t>58</a:t>
             </a:fld>
             <a:endParaRPr lang="en-US"/>
           </a:p>
@@ -5016,7 +5126,7 @@
           <a:p>
             <a:fld id="{0E13C4CA-1FE8-40BD-A7A3-1B8DF1413C47}" type="datetimeFigureOut">
               <a:rPr lang="en-US" smtClean="0"/>
-              <a:t>03-Aug-21</a:t>
+              <a:t>02-Feb-22</a:t>
             </a:fld>
             <a:endParaRPr lang="en-US"/>
           </a:p>
@@ -5214,7 +5324,7 @@
           <a:p>
             <a:fld id="{0E13C4CA-1FE8-40BD-A7A3-1B8DF1413C47}" type="datetimeFigureOut">
               <a:rPr lang="en-US" smtClean="0"/>
-              <a:t>03-Aug-21</a:t>
+              <a:t>02-Feb-22</a:t>
             </a:fld>
             <a:endParaRPr lang="en-US"/>
           </a:p>
@@ -5422,7 +5532,7 @@
           <a:p>
             <a:fld id="{0E13C4CA-1FE8-40BD-A7A3-1B8DF1413C47}" type="datetimeFigureOut">
               <a:rPr lang="en-US" smtClean="0"/>
-              <a:t>03-Aug-21</a:t>
+              <a:t>02-Feb-22</a:t>
             </a:fld>
             <a:endParaRPr lang="en-US"/>
           </a:p>
@@ -5620,7 +5730,7 @@
           <a:p>
             <a:fld id="{0E13C4CA-1FE8-40BD-A7A3-1B8DF1413C47}" type="datetimeFigureOut">
               <a:rPr lang="en-US" smtClean="0"/>
-              <a:t>03-Aug-21</a:t>
+              <a:t>02-Feb-22</a:t>
             </a:fld>
             <a:endParaRPr lang="en-US"/>
           </a:p>
@@ -5895,7 +6005,7 @@
           <a:p>
             <a:fld id="{0E13C4CA-1FE8-40BD-A7A3-1B8DF1413C47}" type="datetimeFigureOut">
               <a:rPr lang="en-US" smtClean="0"/>
-              <a:t>03-Aug-21</a:t>
+              <a:t>02-Feb-22</a:t>
             </a:fld>
             <a:endParaRPr lang="en-US"/>
           </a:p>
@@ -6160,7 +6270,7 @@
           <a:p>
             <a:fld id="{0E13C4CA-1FE8-40BD-A7A3-1B8DF1413C47}" type="datetimeFigureOut">
               <a:rPr lang="en-US" smtClean="0"/>
-              <a:t>03-Aug-21</a:t>
+              <a:t>02-Feb-22</a:t>
             </a:fld>
             <a:endParaRPr lang="en-US"/>
           </a:p>
@@ -6572,7 +6682,7 @@
           <a:p>
             <a:fld id="{0E13C4CA-1FE8-40BD-A7A3-1B8DF1413C47}" type="datetimeFigureOut">
               <a:rPr lang="en-US" smtClean="0"/>
-              <a:t>03-Aug-21</a:t>
+              <a:t>02-Feb-22</a:t>
             </a:fld>
             <a:endParaRPr lang="en-US"/>
           </a:p>
@@ -6713,7 +6823,7 @@
           <a:p>
             <a:fld id="{0E13C4CA-1FE8-40BD-A7A3-1B8DF1413C47}" type="datetimeFigureOut">
               <a:rPr lang="en-US" smtClean="0"/>
-              <a:t>03-Aug-21</a:t>
+              <a:t>02-Feb-22</a:t>
             </a:fld>
             <a:endParaRPr lang="en-US"/>
           </a:p>
@@ -6826,7 +6936,7 @@
           <a:p>
             <a:fld id="{0E13C4CA-1FE8-40BD-A7A3-1B8DF1413C47}" type="datetimeFigureOut">
               <a:rPr lang="en-US" smtClean="0"/>
-              <a:t>03-Aug-21</a:t>
+              <a:t>02-Feb-22</a:t>
             </a:fld>
             <a:endParaRPr lang="en-US"/>
           </a:p>
@@ -7137,7 +7247,7 @@
           <a:p>
             <a:fld id="{0E13C4CA-1FE8-40BD-A7A3-1B8DF1413C47}" type="datetimeFigureOut">
               <a:rPr lang="en-US" smtClean="0"/>
-              <a:t>03-Aug-21</a:t>
+              <a:t>02-Feb-22</a:t>
             </a:fld>
             <a:endParaRPr lang="en-US"/>
           </a:p>
@@ -7425,7 +7535,7 @@
           <a:p>
             <a:fld id="{0E13C4CA-1FE8-40BD-A7A3-1B8DF1413C47}" type="datetimeFigureOut">
               <a:rPr lang="en-US" smtClean="0"/>
-              <a:t>03-Aug-21</a:t>
+              <a:t>02-Feb-22</a:t>
             </a:fld>
             <a:endParaRPr lang="en-US"/>
           </a:p>
@@ -7666,7 +7776,7 @@
           <a:p>
             <a:fld id="{0E13C4CA-1FE8-40BD-A7A3-1B8DF1413C47}" type="datetimeFigureOut">
               <a:rPr lang="en-US" smtClean="0"/>
-              <a:t>03-Aug-21</a:t>
+              <a:t>02-Feb-22</a:t>
             </a:fld>
             <a:endParaRPr lang="en-US"/>
           </a:p>
@@ -8858,7 +8968,7 @@
             </a:pPr>
             <a:r>
               <a:rPr lang="en-US" dirty="0"/>
-              <a:t>How to choose a service?</a:t>
+              <a:t>How to choose compute service?</a:t>
             </a:r>
           </a:p>
           <a:p>
@@ -8884,7 +8994,7 @@
               <a:rPr lang="en-US" dirty="0">
                 <a:hlinkClick r:id="rId5"/>
               </a:rPr>
-              <a:t>GCP</a:t>
+              <a:t>GCP compute</a:t>
             </a:r>
             <a:endParaRPr lang="en-US" dirty="0"/>
           </a:p>
@@ -8999,77 +9109,61 @@
           <a:chExt cx="0" cy="0"/>
         </a:xfrm>
       </p:grpSpPr>
-      <p:sp>
-        <p:nvSpPr>
-          <p:cNvPr id="2" name="Title 1">
-            <a:extLst>
-              <a:ext uri="{FF2B5EF4-FFF2-40B4-BE49-F238E27FC236}">
-                <a16:creationId xmlns:a16="http://schemas.microsoft.com/office/drawing/2014/main" id="{9439765E-D021-4F83-B075-735F05281BF5}"/>
-              </a:ext>
-            </a:extLst>
-          </p:cNvPr>
-          <p:cNvSpPr>
-            <a:spLocks noGrp="1"/>
-          </p:cNvSpPr>
-          <p:nvPr>
-            <p:ph type="title"/>
-          </p:nvPr>
-        </p:nvSpPr>
-        <p:spPr/>
-        <p:txBody>
-          <a:bodyPr/>
-          <a:lstStyle/>
-          <a:p>
-            <a:r>
-              <a:rPr lang="en-US" dirty="0"/>
-              <a:t>Compute</a:t>
-            </a:r>
-          </a:p>
-        </p:txBody>
-      </p:sp>
-      <p:sp>
-        <p:nvSpPr>
-          <p:cNvPr id="3" name="Content Placeholder 2">
-            <a:extLst>
-              <a:ext uri="{FF2B5EF4-FFF2-40B4-BE49-F238E27FC236}">
-                <a16:creationId xmlns:a16="http://schemas.microsoft.com/office/drawing/2014/main" id="{90B61D1A-C399-44DB-9D94-6ED2D23B3306}"/>
-              </a:ext>
-            </a:extLst>
-          </p:cNvPr>
-          <p:cNvSpPr>
-            <a:spLocks noGrp="1"/>
-          </p:cNvSpPr>
+      <p:pic>
+        <p:nvPicPr>
+          <p:cNvPr id="6" name="Content Placeholder 5">
+            <a:extLst>
+              <a:ext uri="{FF2B5EF4-FFF2-40B4-BE49-F238E27FC236}">
+                <a16:creationId xmlns:a16="http://schemas.microsoft.com/office/drawing/2014/main" id="{48378A45-A5CA-4D36-AB22-34840FD73B7D}"/>
+              </a:ext>
+            </a:extLst>
+          </p:cNvPr>
+          <p:cNvPicPr>
+            <a:picLocks noGrp="1" noChangeAspect="1"/>
+          </p:cNvPicPr>
           <p:nvPr>
             <p:ph idx="1"/>
           </p:nvPr>
-        </p:nvSpPr>
-        <p:spPr>
+        </p:nvPicPr>
+        <p:blipFill>
+          <a:blip r:embed="rId3">
+            <a:extLst>
+              <a:ext uri="{28A0092B-C50C-407E-A947-70E740481C1C}">
+                <a14:useLocalDpi xmlns:a14="http://schemas.microsoft.com/office/drawing/2010/main" val="0"/>
+              </a:ext>
+              <a:ext uri="{96DAC541-7B7A-43D3-8B79-37D633B846F1}">
+                <asvg:svgBlip xmlns:asvg="http://schemas.microsoft.com/office/drawing/2016/SVG/main" r:embed="rId4"/>
+              </a:ext>
+            </a:extLst>
+          </a:blip>
+          <a:stretch>
+            <a:fillRect/>
+          </a:stretch>
+        </p:blipFill>
+        <p:spPr bwMode="auto">
           <a:xfrm>
-            <a:off x="838200" y="1825625"/>
-            <a:ext cx="10526486" cy="4351338"/>
+            <a:off x="135343" y="420511"/>
+            <a:ext cx="11921313" cy="6016978"/>
           </a:xfrm>
+          <a:prstGeom prst="rect">
+            <a:avLst/>
+          </a:prstGeom>
+          <a:noFill/>
+          <a:extLst>
+            <a:ext uri="{909E8E84-426E-40DD-AFC4-6F175D3DCCD1}">
+              <a14:hiddenFill xmlns:a14="http://schemas.microsoft.com/office/drawing/2010/main">
+                <a:solidFill>
+                  <a:srgbClr val="FFFFFF"/>
+                </a:solidFill>
+              </a14:hiddenFill>
+            </a:ext>
+          </a:extLst>
         </p:spPr>
-        <p:txBody>
-          <a:bodyPr anchor="ctr">
-            <a:normAutofit/>
-          </a:bodyPr>
-          <a:lstStyle/>
-          <a:p>
-            <a:pPr marL="0" indent="0" algn="ctr">
-              <a:buNone/>
-            </a:pPr>
-            <a:r>
-              <a:rPr lang="en-US" sz="4400" dirty="0"/>
-              <a:t>Demo</a:t>
-            </a:r>
-            <a:endParaRPr lang="en-US" dirty="0"/>
-          </a:p>
-        </p:txBody>
-      </p:sp>
+      </p:pic>
     </p:spTree>
     <p:extLst>
       <p:ext uri="{BB962C8B-B14F-4D97-AF65-F5344CB8AC3E}">
-        <p14:creationId xmlns:p14="http://schemas.microsoft.com/office/powerpoint/2010/main" val="3545264969"/>
+        <p14:creationId xmlns:p14="http://schemas.microsoft.com/office/powerpoint/2010/main" val="3407921298"/>
       </p:ext>
     </p:extLst>
   </p:cSld>
@@ -9119,7 +9213,7 @@
           <a:p>
             <a:r>
               <a:rPr lang="en-US" dirty="0"/>
-              <a:t>Compute Summary</a:t>
+              <a:t>Compute</a:t>
             </a:r>
           </a:p>
         </p:txBody>
@@ -9147,49 +9241,18 @@
           </a:xfrm>
         </p:spPr>
         <p:txBody>
-          <a:bodyPr>
+          <a:bodyPr anchor="ctr">
             <a:normAutofit/>
           </a:bodyPr>
           <a:lstStyle/>
           <a:p>
-            <a:r>
-              <a:rPr lang="en-US" b="1" dirty="0"/>
-              <a:t>Compute</a:t>
-            </a:r>
-            <a:r>
-              <a:rPr lang="en-US" dirty="0"/>
-              <a:t> is an infrastructure capable to run workload/application</a:t>
-            </a:r>
-          </a:p>
-          <a:p>
-            <a:r>
-              <a:rPr lang="en-US" dirty="0"/>
-              <a:t>Main types:</a:t>
-            </a:r>
-          </a:p>
-          <a:p>
-            <a:pPr lvl="1"/>
-            <a:r>
-              <a:rPr lang="en-US" dirty="0"/>
-              <a:t>VM</a:t>
-            </a:r>
-          </a:p>
-          <a:p>
-            <a:pPr lvl="1"/>
-            <a:r>
-              <a:rPr lang="en-US" dirty="0"/>
-              <a:t>Function</a:t>
-            </a:r>
-          </a:p>
-          <a:p>
-            <a:pPr lvl="1"/>
-            <a:r>
-              <a:rPr lang="en-US" dirty="0"/>
-              <a:t>Container</a:t>
-            </a:r>
-          </a:p>
-          <a:p>
-            <a:pPr lvl="1"/>
+            <a:pPr marL="0" indent="0" algn="ctr">
+              <a:buNone/>
+            </a:pPr>
+            <a:r>
+              <a:rPr lang="en-US" sz="4400" dirty="0"/>
+              <a:t>Demo</a:t>
+            </a:r>
             <a:endParaRPr lang="en-US" dirty="0"/>
           </a:p>
         </p:txBody>
@@ -9197,7 +9260,7 @@
     </p:spTree>
     <p:extLst>
       <p:ext uri="{BB962C8B-B14F-4D97-AF65-F5344CB8AC3E}">
-        <p14:creationId xmlns:p14="http://schemas.microsoft.com/office/powerpoint/2010/main" val="1404769459"/>
+        <p14:creationId xmlns:p14="http://schemas.microsoft.com/office/powerpoint/2010/main" val="3545264969"/>
       </p:ext>
     </p:extLst>
   </p:cSld>
@@ -9247,7 +9310,7 @@
           <a:p>
             <a:r>
               <a:rPr lang="en-US" dirty="0"/>
-              <a:t>Storage</a:t>
+              <a:t>Compute Summary</a:t>
             </a:r>
           </a:p>
         </p:txBody>
@@ -9268,25 +9331,64 @@
             <p:ph idx="1"/>
           </p:nvPr>
         </p:nvSpPr>
-        <p:spPr/>
-        <p:txBody>
-          <a:bodyPr/>
-          <a:lstStyle/>
-          <a:p>
-            <a:pPr marL="0" indent="0">
-              <a:buNone/>
-            </a:pPr>
-            <a:r>
-              <a:rPr lang="en-US" dirty="0"/>
-              <a:t>Storage is an infrastructure capable to store your data</a:t>
-            </a:r>
+        <p:spPr>
+          <a:xfrm>
+            <a:off x="838200" y="1825625"/>
+            <a:ext cx="10526486" cy="4351338"/>
+          </a:xfrm>
+        </p:spPr>
+        <p:txBody>
+          <a:bodyPr>
+            <a:normAutofit/>
+          </a:bodyPr>
+          <a:lstStyle/>
+          <a:p>
+            <a:r>
+              <a:rPr lang="en-US" b="1" dirty="0"/>
+              <a:t>Compute</a:t>
+            </a:r>
+            <a:r>
+              <a:rPr lang="en-US" dirty="0"/>
+              <a:t> is an infrastructure capable to run workload/application</a:t>
+            </a:r>
+          </a:p>
+          <a:p>
+            <a:r>
+              <a:rPr lang="en-US" dirty="0"/>
+              <a:t>Main types:</a:t>
+            </a:r>
+          </a:p>
+          <a:p>
+            <a:pPr lvl="1"/>
+            <a:r>
+              <a:rPr lang="en-US" dirty="0"/>
+              <a:t>VM</a:t>
+            </a:r>
+          </a:p>
+          <a:p>
+            <a:pPr lvl="1"/>
+            <a:r>
+              <a:rPr lang="en-US" dirty="0"/>
+              <a:t>Function</a:t>
+            </a:r>
+          </a:p>
+          <a:p>
+            <a:pPr lvl="1"/>
+            <a:r>
+              <a:rPr lang="en-US" dirty="0"/>
+              <a:t>Container</a:t>
+            </a:r>
+          </a:p>
+          <a:p>
+            <a:pPr lvl="1"/>
+            <a:endParaRPr lang="en-US" dirty="0"/>
           </a:p>
         </p:txBody>
       </p:sp>
     </p:spTree>
     <p:extLst>
       <p:ext uri="{BB962C8B-B14F-4D97-AF65-F5344CB8AC3E}">
-        <p14:creationId xmlns:p14="http://schemas.microsoft.com/office/powerpoint/2010/main" val="1444389702"/>
+        <p14:creationId xmlns:p14="http://schemas.microsoft.com/office/powerpoint/2010/main" val="1404769459"/>
       </p:ext>
     </p:extLst>
   </p:cSld>
@@ -9367,25 +9469,7 @@
             </a:pPr>
             <a:r>
               <a:rPr lang="en-US" dirty="0"/>
-              <a:t>Types of storage resources</a:t>
-            </a:r>
-          </a:p>
-          <a:p>
-            <a:r>
-              <a:rPr lang="en-US" dirty="0"/>
-              <a:t>Block</a:t>
-            </a:r>
-          </a:p>
-          <a:p>
-            <a:r>
-              <a:rPr lang="en-US" dirty="0"/>
-              <a:t>File system</a:t>
-            </a:r>
-          </a:p>
-          <a:p>
-            <a:r>
-              <a:rPr lang="en-US" dirty="0"/>
-              <a:t>Object</a:t>
+              <a:t>Storage is an infrastructure capable to store your data</a:t>
             </a:r>
           </a:p>
         </p:txBody>
@@ -9393,7 +9477,7 @@
     </p:spTree>
     <p:extLst>
       <p:ext uri="{BB962C8B-B14F-4D97-AF65-F5344CB8AC3E}">
-        <p14:creationId xmlns:p14="http://schemas.microsoft.com/office/powerpoint/2010/main" val="2506773627"/>
+        <p14:creationId xmlns:p14="http://schemas.microsoft.com/office/powerpoint/2010/main" val="1444389702"/>
       </p:ext>
     </p:extLst>
   </p:cSld>
@@ -9479,7 +9563,7 @@
             </a:pPr>
             <a:r>
               <a:rPr lang="en-US" dirty="0"/>
-              <a:t>Learning session 2 (July 01-03)</a:t>
+              <a:t>Learning session 2</a:t>
             </a:r>
           </a:p>
           <a:p>
@@ -9492,21 +9576,13 @@
             <a:pPr marL="0" indent="0">
               <a:buNone/>
             </a:pPr>
-            <a:r>
-              <a:rPr lang="en-US">
-                <a:solidFill>
-                  <a:srgbClr val="FF0000"/>
-                </a:solidFill>
-              </a:rPr>
-              <a:t>Core </a:t>
-            </a:r>
             <a:r>
               <a:rPr lang="en-US" dirty="0">
                 <a:solidFill>
                   <a:srgbClr val="FF0000"/>
                 </a:solidFill>
               </a:rPr>
-              <a:t>Services</a:t>
+              <a:t>Core Services</a:t>
             </a:r>
             <a:endParaRPr lang="en-US" dirty="0"/>
           </a:p>
@@ -9526,6 +9602,113 @@
 </file>
 
 <file path=ppt/slides/slide20.xml><?xml version="1.0" encoding="utf-8"?>
+<p:sld xmlns:a="http://schemas.openxmlformats.org/drawingml/2006/main" xmlns:r="http://schemas.openxmlformats.org/officeDocument/2006/relationships" xmlns:p="http://schemas.openxmlformats.org/presentationml/2006/main">
+  <p:cSld>
+    <p:spTree>
+      <p:nvGrpSpPr>
+        <p:cNvPr id="1" name=""/>
+        <p:cNvGrpSpPr/>
+        <p:nvPr/>
+      </p:nvGrpSpPr>
+      <p:grpSpPr>
+        <a:xfrm>
+          <a:off x="0" y="0"/>
+          <a:ext cx="0" cy="0"/>
+          <a:chOff x="0" y="0"/>
+          <a:chExt cx="0" cy="0"/>
+        </a:xfrm>
+      </p:grpSpPr>
+      <p:sp>
+        <p:nvSpPr>
+          <p:cNvPr id="2" name="Title 1">
+            <a:extLst>
+              <a:ext uri="{FF2B5EF4-FFF2-40B4-BE49-F238E27FC236}">
+                <a16:creationId xmlns:a16="http://schemas.microsoft.com/office/drawing/2014/main" id="{9439765E-D021-4F83-B075-735F05281BF5}"/>
+              </a:ext>
+            </a:extLst>
+          </p:cNvPr>
+          <p:cNvSpPr>
+            <a:spLocks noGrp="1"/>
+          </p:cNvSpPr>
+          <p:nvPr>
+            <p:ph type="title"/>
+          </p:nvPr>
+        </p:nvSpPr>
+        <p:spPr/>
+        <p:txBody>
+          <a:bodyPr/>
+          <a:lstStyle/>
+          <a:p>
+            <a:r>
+              <a:rPr lang="en-US" dirty="0"/>
+              <a:t>Storage</a:t>
+            </a:r>
+          </a:p>
+        </p:txBody>
+      </p:sp>
+      <p:sp>
+        <p:nvSpPr>
+          <p:cNvPr id="3" name="Content Placeholder 2">
+            <a:extLst>
+              <a:ext uri="{FF2B5EF4-FFF2-40B4-BE49-F238E27FC236}">
+                <a16:creationId xmlns:a16="http://schemas.microsoft.com/office/drawing/2014/main" id="{90B61D1A-C399-44DB-9D94-6ED2D23B3306}"/>
+              </a:ext>
+            </a:extLst>
+          </p:cNvPr>
+          <p:cNvSpPr>
+            <a:spLocks noGrp="1"/>
+          </p:cNvSpPr>
+          <p:nvPr>
+            <p:ph idx="1"/>
+          </p:nvPr>
+        </p:nvSpPr>
+        <p:spPr/>
+        <p:txBody>
+          <a:bodyPr/>
+          <a:lstStyle/>
+          <a:p>
+            <a:pPr marL="0" indent="0">
+              <a:buNone/>
+            </a:pPr>
+            <a:r>
+              <a:rPr lang="en-US" dirty="0"/>
+              <a:t>Types of storage resources</a:t>
+            </a:r>
+          </a:p>
+          <a:p>
+            <a:r>
+              <a:rPr lang="en-US" dirty="0"/>
+              <a:t>Block</a:t>
+            </a:r>
+          </a:p>
+          <a:p>
+            <a:r>
+              <a:rPr lang="en-US" dirty="0"/>
+              <a:t>File system</a:t>
+            </a:r>
+          </a:p>
+          <a:p>
+            <a:r>
+              <a:rPr lang="en-US" dirty="0"/>
+              <a:t>Object</a:t>
+            </a:r>
+          </a:p>
+        </p:txBody>
+      </p:sp>
+    </p:spTree>
+    <p:extLst>
+      <p:ext uri="{BB962C8B-B14F-4D97-AF65-F5344CB8AC3E}">
+        <p14:creationId xmlns:p14="http://schemas.microsoft.com/office/powerpoint/2010/main" val="2506773627"/>
+      </p:ext>
+    </p:extLst>
+  </p:cSld>
+  <p:clrMapOvr>
+    <a:masterClrMapping/>
+  </p:clrMapOvr>
+</p:sld>
+</file>
+
+<file path=ppt/slides/slide21.xml><?xml version="1.0" encoding="utf-8"?>
 <p:sld xmlns:a="http://schemas.openxmlformats.org/drawingml/2006/main" xmlns:r="http://schemas.openxmlformats.org/officeDocument/2006/relationships" xmlns:p="http://schemas.openxmlformats.org/presentationml/2006/main">
   <p:cSld>
     <p:spTree>
@@ -9665,7 +9848,7 @@
 </p:sld>
 </file>
 
-<file path=ppt/slides/slide21.xml><?xml version="1.0" encoding="utf-8"?>
+<file path=ppt/slides/slide22.xml><?xml version="1.0" encoding="utf-8"?>
 <p:sld xmlns:a="http://schemas.openxmlformats.org/drawingml/2006/main" xmlns:r="http://schemas.openxmlformats.org/officeDocument/2006/relationships" xmlns:p="http://schemas.openxmlformats.org/presentationml/2006/main">
   <p:cSld>
     <p:spTree>
@@ -9854,7 +10037,7 @@
 </p:sld>
 </file>
 
-<file path=ppt/slides/slide22.xml><?xml version="1.0" encoding="utf-8"?>
+<file path=ppt/slides/slide23.xml><?xml version="1.0" encoding="utf-8"?>
 <p:sld xmlns:a="http://schemas.openxmlformats.org/drawingml/2006/main" xmlns:r="http://schemas.openxmlformats.org/officeDocument/2006/relationships" xmlns:p="http://schemas.openxmlformats.org/presentationml/2006/main">
   <p:cSld>
     <p:spTree>
@@ -10032,193 +10215,6 @@
     <p:extLst>
       <p:ext uri="{BB962C8B-B14F-4D97-AF65-F5344CB8AC3E}">
         <p14:creationId xmlns:p14="http://schemas.microsoft.com/office/powerpoint/2010/main" val="1856358747"/>
-      </p:ext>
-    </p:extLst>
-  </p:cSld>
-  <p:clrMapOvr>
-    <a:masterClrMapping/>
-  </p:clrMapOvr>
-</p:sld>
-</file>
-
-<file path=ppt/slides/slide23.xml><?xml version="1.0" encoding="utf-8"?>
-<p:sld xmlns:a="http://schemas.openxmlformats.org/drawingml/2006/main" xmlns:r="http://schemas.openxmlformats.org/officeDocument/2006/relationships" xmlns:p="http://schemas.openxmlformats.org/presentationml/2006/main">
-  <p:cSld>
-    <p:spTree>
-      <p:nvGrpSpPr>
-        <p:cNvPr id="1" name=""/>
-        <p:cNvGrpSpPr/>
-        <p:nvPr/>
-      </p:nvGrpSpPr>
-      <p:grpSpPr>
-        <a:xfrm>
-          <a:off x="0" y="0"/>
-          <a:ext cx="0" cy="0"/>
-          <a:chOff x="0" y="0"/>
-          <a:chExt cx="0" cy="0"/>
-        </a:xfrm>
-      </p:grpSpPr>
-      <p:sp>
-        <p:nvSpPr>
-          <p:cNvPr id="2" name="Title 1">
-            <a:extLst>
-              <a:ext uri="{FF2B5EF4-FFF2-40B4-BE49-F238E27FC236}">
-                <a16:creationId xmlns:a16="http://schemas.microsoft.com/office/drawing/2014/main" id="{9439765E-D021-4F83-B075-735F05281BF5}"/>
-              </a:ext>
-            </a:extLst>
-          </p:cNvPr>
-          <p:cNvSpPr>
-            <a:spLocks noGrp="1"/>
-          </p:cNvSpPr>
-          <p:nvPr>
-            <p:ph type="title"/>
-          </p:nvPr>
-        </p:nvSpPr>
-        <p:spPr/>
-        <p:txBody>
-          <a:bodyPr/>
-          <a:lstStyle/>
-          <a:p>
-            <a:r>
-              <a:rPr lang="en-US" dirty="0"/>
-              <a:t>Storage</a:t>
-            </a:r>
-          </a:p>
-        </p:txBody>
-      </p:sp>
-      <p:sp>
-        <p:nvSpPr>
-          <p:cNvPr id="3" name="Content Placeholder 2">
-            <a:extLst>
-              <a:ext uri="{FF2B5EF4-FFF2-40B4-BE49-F238E27FC236}">
-                <a16:creationId xmlns:a16="http://schemas.microsoft.com/office/drawing/2014/main" id="{90B61D1A-C399-44DB-9D94-6ED2D23B3306}"/>
-              </a:ext>
-            </a:extLst>
-          </p:cNvPr>
-          <p:cNvSpPr>
-            <a:spLocks noGrp="1"/>
-          </p:cNvSpPr>
-          <p:nvPr>
-            <p:ph idx="1"/>
-          </p:nvPr>
-        </p:nvSpPr>
-        <p:spPr/>
-        <p:txBody>
-          <a:bodyPr/>
-          <a:lstStyle/>
-          <a:p>
-            <a:pPr marL="0" indent="0">
-              <a:buNone/>
-            </a:pPr>
-            <a:r>
-              <a:rPr lang="en-US" dirty="0"/>
-              <a:t>AWS offerings:</a:t>
-            </a:r>
-            <a:endParaRPr lang="en-US" dirty="0">
-              <a:solidFill>
-                <a:schemeClr val="accent2"/>
-              </a:solidFill>
-            </a:endParaRPr>
-          </a:p>
-          <a:p>
-            <a:r>
-              <a:rPr lang="en-US" dirty="0"/>
-              <a:t>Block Storage: </a:t>
-            </a:r>
-            <a:r>
-              <a:rPr lang="en-US" dirty="0">
-                <a:solidFill>
-                  <a:schemeClr val="accent2"/>
-                </a:solidFill>
-              </a:rPr>
-              <a:t>EBS</a:t>
-            </a:r>
-            <a:r>
-              <a:rPr lang="en-US" dirty="0"/>
-              <a:t> (Elastic Block Storage)</a:t>
-            </a:r>
-          </a:p>
-          <a:p>
-            <a:r>
-              <a:rPr lang="en-US" dirty="0"/>
-              <a:t>File System: </a:t>
-            </a:r>
-            <a:r>
-              <a:rPr lang="en-US" dirty="0">
-                <a:solidFill>
-                  <a:schemeClr val="accent2"/>
-                </a:solidFill>
-              </a:rPr>
-              <a:t>EFS</a:t>
-            </a:r>
-            <a:r>
-              <a:rPr lang="en-US" dirty="0"/>
-              <a:t> (Elastic File System)</a:t>
-            </a:r>
-          </a:p>
-          <a:p>
-            <a:r>
-              <a:rPr lang="en-US" dirty="0"/>
-              <a:t>Object Storage: </a:t>
-            </a:r>
-            <a:r>
-              <a:rPr lang="en-US" dirty="0">
-                <a:solidFill>
-                  <a:schemeClr val="accent2"/>
-                </a:solidFill>
-              </a:rPr>
-              <a:t>S3</a:t>
-            </a:r>
-            <a:r>
-              <a:rPr lang="en-US" dirty="0"/>
-              <a:t> (Simple Storage Service) with multiple replication types and access tiers (</a:t>
-            </a:r>
-            <a:r>
-              <a:rPr lang="en-US" dirty="0">
-                <a:hlinkClick r:id="rId3"/>
-              </a:rPr>
-              <a:t>Storage Classes</a:t>
-            </a:r>
-            <a:r>
-              <a:rPr lang="en-US" dirty="0"/>
-              <a:t>) including </a:t>
-            </a:r>
-            <a:r>
-              <a:rPr lang="en-US" dirty="0">
-                <a:solidFill>
-                  <a:schemeClr val="accent2"/>
-                </a:solidFill>
-              </a:rPr>
-              <a:t>Glacier</a:t>
-            </a:r>
-            <a:endParaRPr lang="en-US" dirty="0"/>
-          </a:p>
-          <a:p>
-            <a:endParaRPr lang="en-US" dirty="0"/>
-          </a:p>
-          <a:p>
-            <a:pPr marL="0" indent="0">
-              <a:buNone/>
-            </a:pPr>
-            <a:r>
-              <a:rPr lang="en-US" dirty="0"/>
-              <a:t>Bonus: </a:t>
-            </a:r>
-            <a:r>
-              <a:rPr lang="en-US" dirty="0">
-                <a:solidFill>
-                  <a:schemeClr val="accent2"/>
-                </a:solidFill>
-              </a:rPr>
-              <a:t>Snow Family</a:t>
-            </a:r>
-          </a:p>
-        </p:txBody>
-      </p:sp>
-    </p:spTree>
-    <p:extLst>
-      <p:ext uri="{BB962C8B-B14F-4D97-AF65-F5344CB8AC3E}">
-        <p14:creationId xmlns:p14="http://schemas.microsoft.com/office/powerpoint/2010/main" val="1512513731"/>
       </p:ext>
     </p:extLst>
   </p:cSld>
@@ -10299,8 +10295,13 @@
             </a:pPr>
             <a:r>
               <a:rPr lang="en-US" dirty="0"/>
-              <a:t>Azure offerings:</a:t>
-            </a:r>
+              <a:t>AWS offerings:</a:t>
+            </a:r>
+            <a:endParaRPr lang="en-US" dirty="0">
+              <a:solidFill>
+                <a:schemeClr val="accent2"/>
+              </a:solidFill>
+            </a:endParaRPr>
           </a:p>
           <a:p>
             <a:r>
@@ -10310,12 +10311,15 @@
             <a:r>
               <a:rPr lang="en-US" dirty="0">
                 <a:solidFill>
-                  <a:schemeClr val="accent1"/>
+                  <a:schemeClr val="accent2"/>
                 </a:solidFill>
               </a:rPr>
-              <a:t>Azure Disk</a:t>
-            </a:r>
-            <a:endParaRPr lang="en-US" dirty="0"/>
+              <a:t>EBS</a:t>
+            </a:r>
+            <a:r>
+              <a:rPr lang="en-US" dirty="0"/>
+              <a:t> (Elastic Block Storage)</a:t>
+            </a:r>
           </a:p>
           <a:p>
             <a:r>
@@ -10325,95 +10329,71 @@
             <a:r>
               <a:rPr lang="en-US" dirty="0">
                 <a:solidFill>
-                  <a:schemeClr val="accent1"/>
+                  <a:schemeClr val="accent2"/>
                 </a:solidFill>
               </a:rPr>
-              <a:t>Azure File </a:t>
-            </a:r>
-            <a:r>
-              <a:rPr lang="en-US" dirty="0"/>
-              <a:t>or </a:t>
+              <a:t>EFS</a:t>
+            </a:r>
+            <a:r>
+              <a:rPr lang="en-US" dirty="0"/>
+              <a:t> (Elastic File System)</a:t>
+            </a:r>
+          </a:p>
+          <a:p>
+            <a:r>
+              <a:rPr lang="en-US" dirty="0"/>
+              <a:t>Object Storage: </a:t>
             </a:r>
             <a:r>
               <a:rPr lang="en-US" dirty="0">
                 <a:solidFill>
-                  <a:schemeClr val="accent1"/>
+                  <a:schemeClr val="accent2"/>
                 </a:solidFill>
               </a:rPr>
-              <a:t>One Drive</a:t>
-            </a:r>
-          </a:p>
-          <a:p>
-            <a:r>
-              <a:rPr lang="en-US" dirty="0"/>
-              <a:t>Object Storage: </a:t>
+              <a:t>S3</a:t>
+            </a:r>
+            <a:r>
+              <a:rPr lang="en-US" dirty="0"/>
+              <a:t> (Simple Storage Service) with multiple replication types and access tiers (</a:t>
+            </a:r>
+            <a:r>
+              <a:rPr lang="en-US" dirty="0">
+                <a:hlinkClick r:id="rId3"/>
+              </a:rPr>
+              <a:t>Storage Classes</a:t>
+            </a:r>
+            <a:r>
+              <a:rPr lang="en-US" dirty="0"/>
+              <a:t>) including </a:t>
             </a:r>
             <a:r>
               <a:rPr lang="en-US" dirty="0">
                 <a:solidFill>
-                  <a:schemeClr val="accent1"/>
+                  <a:schemeClr val="accent2"/>
                 </a:solidFill>
               </a:rPr>
-              <a:t>Storage Account</a:t>
-            </a:r>
-            <a:r>
-              <a:rPr lang="en-US" dirty="0"/>
-              <a:t>, including </a:t>
+              <a:t>Glacier</a:t>
+            </a:r>
+            <a:endParaRPr lang="en-US" dirty="0"/>
+          </a:p>
+          <a:p>
+            <a:endParaRPr lang="en-US" dirty="0"/>
+          </a:p>
+          <a:p>
+            <a:pPr marL="0" indent="0">
+              <a:buNone/>
+            </a:pPr>
+            <a:r>
+              <a:rPr lang="en-US" dirty="0"/>
+              <a:t>Bonus: </a:t>
             </a:r>
             <a:r>
               <a:rPr lang="en-US" dirty="0">
                 <a:solidFill>
-                  <a:schemeClr val="accent1"/>
+                  <a:schemeClr val="accent2"/>
                 </a:solidFill>
               </a:rPr>
-              <a:t>Blob</a:t>
-            </a:r>
-            <a:r>
-              <a:rPr lang="en-US" dirty="0"/>
-              <a:t>, </a:t>
-            </a:r>
-            <a:r>
-              <a:rPr lang="en-US" dirty="0">
-                <a:solidFill>
-                  <a:schemeClr val="accent1"/>
-                </a:solidFill>
-              </a:rPr>
-              <a:t>Queue</a:t>
-            </a:r>
-            <a:r>
-              <a:rPr lang="en-US" dirty="0"/>
-              <a:t>, </a:t>
-            </a:r>
-            <a:r>
-              <a:rPr lang="en-US" dirty="0">
-                <a:solidFill>
-                  <a:schemeClr val="accent1"/>
-                </a:solidFill>
-              </a:rPr>
-              <a:t>Table</a:t>
-            </a:r>
-            <a:r>
-              <a:rPr lang="en-US" dirty="0"/>
-              <a:t>, </a:t>
-            </a:r>
-            <a:r>
-              <a:rPr lang="en-US" dirty="0">
-                <a:solidFill>
-                  <a:schemeClr val="accent1"/>
-                </a:solidFill>
-              </a:rPr>
-              <a:t>File</a:t>
-            </a:r>
-            <a:r>
-              <a:rPr lang="en-US" dirty="0"/>
-              <a:t> (File System)</a:t>
-            </a:r>
-          </a:p>
-          <a:p>
-            <a:pPr lvl="1"/>
-            <a:r>
-              <a:rPr lang="en-US" dirty="0"/>
-              <a:t>Has multiple access tiers and replication modes</a:t>
+              <a:t>Snow Family</a:t>
             </a:r>
           </a:p>
         </p:txBody>
@@ -10421,7 +10401,7 @@
     </p:spTree>
     <p:extLst>
       <p:ext uri="{BB962C8B-B14F-4D97-AF65-F5344CB8AC3E}">
-        <p14:creationId xmlns:p14="http://schemas.microsoft.com/office/powerpoint/2010/main" val="423626730"/>
+        <p14:creationId xmlns:p14="http://schemas.microsoft.com/office/powerpoint/2010/main" val="1512513731"/>
       </p:ext>
     </p:extLst>
   </p:cSld>
@@ -10502,7 +10482,7 @@
             </a:pPr>
             <a:r>
               <a:rPr lang="en-US" dirty="0"/>
-              <a:t>GCP offerings:</a:t>
+              <a:t>Azure offerings:</a:t>
             </a:r>
           </a:p>
           <a:p>
@@ -10513,11 +10493,12 @@
             <a:r>
               <a:rPr lang="en-US" dirty="0">
                 <a:solidFill>
-                  <a:schemeClr val="accent5"/>
+                  <a:schemeClr val="accent1"/>
                 </a:solidFill>
               </a:rPr>
-              <a:t>Persistent Disk</a:t>
-            </a:r>
+              <a:t>Azure Disk</a:t>
+            </a:r>
+            <a:endParaRPr lang="en-US" dirty="0"/>
           </a:p>
           <a:p>
             <a:r>
@@ -10525,73 +10506,105 @@
               <a:t>File System: </a:t>
             </a:r>
             <a:r>
-              <a:rPr lang="en-US" dirty="0" err="1">
+              <a:rPr lang="en-US" dirty="0">
                 <a:solidFill>
-                  <a:schemeClr val="accent5"/>
+                  <a:schemeClr val="accent1"/>
                 </a:solidFill>
               </a:rPr>
-              <a:t>Filestore</a:t>
+              <a:t>Azure File </a:t>
+            </a:r>
+            <a:r>
+              <a:rPr lang="en-US" dirty="0"/>
+              <a:t>or </a:t>
             </a:r>
             <a:r>
               <a:rPr lang="en-US" dirty="0">
                 <a:solidFill>
-                  <a:schemeClr val="accent5"/>
+                  <a:schemeClr val="accent1"/>
                 </a:solidFill>
               </a:rPr>
-              <a:t> </a:t>
-            </a:r>
-            <a:r>
-              <a:rPr lang="en-US" dirty="0"/>
-              <a:t>or </a:t>
+              <a:t>One Drive</a:t>
+            </a:r>
+          </a:p>
+          <a:p>
+            <a:r>
+              <a:rPr lang="en-US" dirty="0"/>
+              <a:t>Object Storage: </a:t>
             </a:r>
             <a:r>
               <a:rPr lang="en-US" dirty="0">
                 <a:solidFill>
-                  <a:schemeClr val="accent5"/>
+                  <a:schemeClr val="accent1"/>
                 </a:solidFill>
               </a:rPr>
-              <a:t>Google Drive</a:t>
-            </a:r>
-          </a:p>
-          <a:p>
-            <a:r>
-              <a:rPr lang="en-US" dirty="0"/>
-              <a:t>Object Storage: </a:t>
+              <a:t>Storage Account</a:t>
+            </a:r>
+            <a:r>
+              <a:rPr lang="en-US" dirty="0"/>
+              <a:t>, including </a:t>
             </a:r>
             <a:r>
               <a:rPr lang="en-US" dirty="0">
                 <a:solidFill>
-                  <a:schemeClr val="accent5"/>
+                  <a:schemeClr val="accent1"/>
                 </a:solidFill>
               </a:rPr>
-              <a:t>Cloud Storage</a:t>
-            </a:r>
-            <a:r>
-              <a:rPr lang="en-US" dirty="0"/>
-              <a:t> with multiple access tiers (</a:t>
+              <a:t>Blob</a:t>
+            </a:r>
+            <a:r>
+              <a:rPr lang="en-US" dirty="0"/>
+              <a:t>, </a:t>
             </a:r>
             <a:r>
               <a:rPr lang="en-US" dirty="0">
-                <a:hlinkClick r:id="rId3"/>
+                <a:solidFill>
+                  <a:schemeClr val="accent1"/>
+                </a:solidFill>
               </a:rPr>
-              <a:t>Storage Classes</a:t>
-            </a:r>
-            <a:r>
-              <a:rPr lang="en-US" dirty="0"/>
-              <a:t>) and redundancy options</a:t>
-            </a:r>
-            <a:endParaRPr lang="en-US" dirty="0">
-              <a:solidFill>
-                <a:schemeClr val="accent5"/>
-              </a:solidFill>
-            </a:endParaRPr>
+              <a:t>Queue</a:t>
+            </a:r>
+            <a:r>
+              <a:rPr lang="en-US" dirty="0"/>
+              <a:t>, </a:t>
+            </a:r>
+            <a:r>
+              <a:rPr lang="en-US" dirty="0">
+                <a:solidFill>
+                  <a:schemeClr val="accent1"/>
+                </a:solidFill>
+              </a:rPr>
+              <a:t>Table</a:t>
+            </a:r>
+            <a:r>
+              <a:rPr lang="en-US" dirty="0"/>
+              <a:t>, </a:t>
+            </a:r>
+            <a:r>
+              <a:rPr lang="en-US" dirty="0">
+                <a:solidFill>
+                  <a:schemeClr val="accent1"/>
+                </a:solidFill>
+              </a:rPr>
+              <a:t>File Share</a:t>
+            </a:r>
+            <a:r>
+              <a:rPr lang="en-US" dirty="0"/>
+              <a:t> (File System)</a:t>
+            </a:r>
+          </a:p>
+          <a:p>
+            <a:pPr lvl="1"/>
+            <a:r>
+              <a:rPr lang="en-US" dirty="0"/>
+              <a:t>Has multiple access tiers and replication modes</a:t>
+            </a:r>
           </a:p>
         </p:txBody>
       </p:sp>
     </p:spTree>
     <p:extLst>
       <p:ext uri="{BB962C8B-B14F-4D97-AF65-F5344CB8AC3E}">
-        <p14:creationId xmlns:p14="http://schemas.microsoft.com/office/powerpoint/2010/main" val="1404086174"/>
+        <p14:creationId xmlns:p14="http://schemas.microsoft.com/office/powerpoint/2010/main" val="423626730"/>
       </p:ext>
     </p:extLst>
   </p:cSld>
@@ -10672,39 +10685,96 @@
             </a:pPr>
             <a:r>
               <a:rPr lang="en-US" dirty="0"/>
-              <a:t>How to choose:</a:t>
-            </a:r>
-          </a:p>
-          <a:p>
-            <a:r>
-              <a:rPr lang="en-US" dirty="0"/>
-              <a:t>Who uses the storage</a:t>
-            </a:r>
-          </a:p>
-          <a:p>
-            <a:r>
-              <a:rPr lang="en-US" dirty="0"/>
-              <a:t>Usage patterns and performance: access frequency, size of data, size of files</a:t>
-            </a:r>
-          </a:p>
-          <a:p>
-            <a:r>
-              <a:rPr lang="en-US" dirty="0"/>
-              <a:t>Pricing</a:t>
-            </a:r>
-          </a:p>
-          <a:p>
-            <a:r>
-              <a:rPr lang="en-US" dirty="0"/>
-              <a:t>Access control</a:t>
-            </a:r>
+              <a:t>GCP offerings:</a:t>
+            </a:r>
+          </a:p>
+          <a:p>
+            <a:r>
+              <a:rPr lang="en-US" dirty="0"/>
+              <a:t>Block Storage: </a:t>
+            </a:r>
+            <a:r>
+              <a:rPr lang="en-US" dirty="0">
+                <a:solidFill>
+                  <a:schemeClr val="accent5"/>
+                </a:solidFill>
+              </a:rPr>
+              <a:t>Persistent Disk</a:t>
+            </a:r>
+          </a:p>
+          <a:p>
+            <a:r>
+              <a:rPr lang="en-US" dirty="0"/>
+              <a:t>File System: </a:t>
+            </a:r>
+            <a:r>
+              <a:rPr lang="en-US" dirty="0" err="1">
+                <a:solidFill>
+                  <a:schemeClr val="accent5"/>
+                </a:solidFill>
+              </a:rPr>
+              <a:t>Filestore</a:t>
+            </a:r>
+            <a:r>
+              <a:rPr lang="en-US" dirty="0">
+                <a:solidFill>
+                  <a:schemeClr val="accent5"/>
+                </a:solidFill>
+              </a:rPr>
+              <a:t> </a:t>
+            </a:r>
+            <a:r>
+              <a:rPr lang="en-US" dirty="0"/>
+              <a:t>or </a:t>
+            </a:r>
+            <a:r>
+              <a:rPr lang="en-US" dirty="0">
+                <a:solidFill>
+                  <a:schemeClr val="accent5"/>
+                </a:solidFill>
+              </a:rPr>
+              <a:t>Google Drive</a:t>
+            </a:r>
+          </a:p>
+          <a:p>
+            <a:r>
+              <a:rPr lang="en-US" dirty="0"/>
+              <a:t>Object Storage: </a:t>
+            </a:r>
+            <a:r>
+              <a:rPr lang="en-US" dirty="0">
+                <a:solidFill>
+                  <a:schemeClr val="accent5"/>
+                </a:solidFill>
+              </a:rPr>
+              <a:t>Cloud Storage</a:t>
+            </a:r>
+            <a:r>
+              <a:rPr lang="en-US" dirty="0"/>
+              <a:t> with multiple access tiers (</a:t>
+            </a:r>
+            <a:r>
+              <a:rPr lang="en-US" dirty="0">
+                <a:hlinkClick r:id="rId3"/>
+              </a:rPr>
+              <a:t>Storage Classes</a:t>
+            </a:r>
+            <a:r>
+              <a:rPr lang="en-US" dirty="0"/>
+              <a:t>) and redundancy options</a:t>
+            </a:r>
+            <a:endParaRPr lang="en-US" dirty="0">
+              <a:solidFill>
+                <a:schemeClr val="accent5"/>
+              </a:solidFill>
+            </a:endParaRPr>
           </a:p>
         </p:txBody>
       </p:sp>
     </p:spTree>
     <p:extLst>
       <p:ext uri="{BB962C8B-B14F-4D97-AF65-F5344CB8AC3E}">
-        <p14:creationId xmlns:p14="http://schemas.microsoft.com/office/powerpoint/2010/main" val="309429446"/>
+        <p14:creationId xmlns:p14="http://schemas.microsoft.com/office/powerpoint/2010/main" val="1404086174"/>
       </p:ext>
     </p:extLst>
   </p:cSld>
@@ -10777,24 +10847,47 @@
         </p:nvSpPr>
         <p:spPr/>
         <p:txBody>
-          <a:bodyPr anchor="ctr"/>
-          <a:lstStyle/>
-          <a:p>
-            <a:pPr marL="0" indent="0" algn="ctr">
+          <a:bodyPr/>
+          <a:lstStyle/>
+          <a:p>
+            <a:pPr marL="0" indent="0">
               <a:buNone/>
             </a:pPr>
             <a:r>
-              <a:rPr lang="en-US" sz="4400" dirty="0"/>
-              <a:t>Demo</a:t>
-            </a:r>
-            <a:endParaRPr lang="en-US" dirty="0"/>
+              <a:rPr lang="en-US" dirty="0"/>
+              <a:t>How to choose:</a:t>
+            </a:r>
+          </a:p>
+          <a:p>
+            <a:r>
+              <a:rPr lang="en-US" dirty="0"/>
+              <a:t>Who uses the storage</a:t>
+            </a:r>
+          </a:p>
+          <a:p>
+            <a:r>
+              <a:rPr lang="en-US" dirty="0"/>
+              <a:t>Usage patterns and performance: access frequency, size of data, size of files</a:t>
+            </a:r>
+          </a:p>
+          <a:p>
+            <a:r>
+              <a:rPr lang="en-US" dirty="0"/>
+              <a:t>Pricing</a:t>
+            </a:r>
+          </a:p>
+          <a:p>
+            <a:r>
+              <a:rPr lang="en-US" dirty="0"/>
+              <a:t>Access control</a:t>
+            </a:r>
           </a:p>
         </p:txBody>
       </p:sp>
     </p:spTree>
     <p:extLst>
       <p:ext uri="{BB962C8B-B14F-4D97-AF65-F5344CB8AC3E}">
-        <p14:creationId xmlns:p14="http://schemas.microsoft.com/office/powerpoint/2010/main" val="449986182"/>
+        <p14:creationId xmlns:p14="http://schemas.microsoft.com/office/powerpoint/2010/main" val="309429446"/>
       </p:ext>
     </p:extLst>
   </p:cSld>
@@ -10844,6 +10937,96 @@
           <a:p>
             <a:r>
               <a:rPr lang="en-US" dirty="0"/>
+              <a:t>Storage</a:t>
+            </a:r>
+          </a:p>
+        </p:txBody>
+      </p:sp>
+      <p:sp>
+        <p:nvSpPr>
+          <p:cNvPr id="3" name="Content Placeholder 2">
+            <a:extLst>
+              <a:ext uri="{FF2B5EF4-FFF2-40B4-BE49-F238E27FC236}">
+                <a16:creationId xmlns:a16="http://schemas.microsoft.com/office/drawing/2014/main" id="{90B61D1A-C399-44DB-9D94-6ED2D23B3306}"/>
+              </a:ext>
+            </a:extLst>
+          </p:cNvPr>
+          <p:cNvSpPr>
+            <a:spLocks noGrp="1"/>
+          </p:cNvSpPr>
+          <p:nvPr>
+            <p:ph idx="1"/>
+          </p:nvPr>
+        </p:nvSpPr>
+        <p:spPr/>
+        <p:txBody>
+          <a:bodyPr anchor="ctr"/>
+          <a:lstStyle/>
+          <a:p>
+            <a:pPr marL="0" indent="0" algn="ctr">
+              <a:buNone/>
+            </a:pPr>
+            <a:r>
+              <a:rPr lang="en-US" sz="4400" dirty="0"/>
+              <a:t>Demo</a:t>
+            </a:r>
+            <a:endParaRPr lang="en-US" dirty="0"/>
+          </a:p>
+        </p:txBody>
+      </p:sp>
+    </p:spTree>
+    <p:extLst>
+      <p:ext uri="{BB962C8B-B14F-4D97-AF65-F5344CB8AC3E}">
+        <p14:creationId xmlns:p14="http://schemas.microsoft.com/office/powerpoint/2010/main" val="449986182"/>
+      </p:ext>
+    </p:extLst>
+  </p:cSld>
+  <p:clrMapOvr>
+    <a:masterClrMapping/>
+  </p:clrMapOvr>
+</p:sld>
+</file>
+
+<file path=ppt/slides/slide29.xml><?xml version="1.0" encoding="utf-8"?>
+<p:sld xmlns:a="http://schemas.openxmlformats.org/drawingml/2006/main" xmlns:r="http://schemas.openxmlformats.org/officeDocument/2006/relationships" xmlns:p="http://schemas.openxmlformats.org/presentationml/2006/main">
+  <p:cSld>
+    <p:spTree>
+      <p:nvGrpSpPr>
+        <p:cNvPr id="1" name=""/>
+        <p:cNvGrpSpPr/>
+        <p:nvPr/>
+      </p:nvGrpSpPr>
+      <p:grpSpPr>
+        <a:xfrm>
+          <a:off x="0" y="0"/>
+          <a:ext cx="0" cy="0"/>
+          <a:chOff x="0" y="0"/>
+          <a:chExt cx="0" cy="0"/>
+        </a:xfrm>
+      </p:grpSpPr>
+      <p:sp>
+        <p:nvSpPr>
+          <p:cNvPr id="2" name="Title 1">
+            <a:extLst>
+              <a:ext uri="{FF2B5EF4-FFF2-40B4-BE49-F238E27FC236}">
+                <a16:creationId xmlns:a16="http://schemas.microsoft.com/office/drawing/2014/main" id="{9439765E-D021-4F83-B075-735F05281BF5}"/>
+              </a:ext>
+            </a:extLst>
+          </p:cNvPr>
+          <p:cNvSpPr>
+            <a:spLocks noGrp="1"/>
+          </p:cNvSpPr>
+          <p:nvPr>
+            <p:ph type="title"/>
+          </p:nvPr>
+        </p:nvSpPr>
+        <p:spPr/>
+        <p:txBody>
+          <a:bodyPr/>
+          <a:lstStyle/>
+          <a:p>
+            <a:r>
+              <a:rPr lang="en-US" dirty="0"/>
               <a:t>Storage Summary</a:t>
             </a:r>
           </a:p>
@@ -10946,125 +11129,6 @@
 </p:sld>
 </file>
 
-<file path=ppt/slides/slide29.xml><?xml version="1.0" encoding="utf-8"?>
-<p:sld xmlns:a="http://schemas.openxmlformats.org/drawingml/2006/main" xmlns:r="http://schemas.openxmlformats.org/officeDocument/2006/relationships" xmlns:p="http://schemas.openxmlformats.org/presentationml/2006/main">
-  <p:cSld>
-    <p:spTree>
-      <p:nvGrpSpPr>
-        <p:cNvPr id="1" name=""/>
-        <p:cNvGrpSpPr/>
-        <p:nvPr/>
-      </p:nvGrpSpPr>
-      <p:grpSpPr>
-        <a:xfrm>
-          <a:off x="0" y="0"/>
-          <a:ext cx="0" cy="0"/>
-          <a:chOff x="0" y="0"/>
-          <a:chExt cx="0" cy="0"/>
-        </a:xfrm>
-      </p:grpSpPr>
-      <p:sp>
-        <p:nvSpPr>
-          <p:cNvPr id="2" name="Title 1">
-            <a:extLst>
-              <a:ext uri="{FF2B5EF4-FFF2-40B4-BE49-F238E27FC236}">
-                <a16:creationId xmlns:a16="http://schemas.microsoft.com/office/drawing/2014/main" id="{9439765E-D021-4F83-B075-735F05281BF5}"/>
-              </a:ext>
-            </a:extLst>
-          </p:cNvPr>
-          <p:cNvSpPr>
-            <a:spLocks noGrp="1"/>
-          </p:cNvSpPr>
-          <p:nvPr>
-            <p:ph type="title"/>
-          </p:nvPr>
-        </p:nvSpPr>
-        <p:spPr/>
-        <p:txBody>
-          <a:bodyPr/>
-          <a:lstStyle/>
-          <a:p>
-            <a:r>
-              <a:rPr lang="en-US" dirty="0"/>
-              <a:t>Storage</a:t>
-            </a:r>
-          </a:p>
-        </p:txBody>
-      </p:sp>
-      <p:sp>
-        <p:nvSpPr>
-          <p:cNvPr id="3" name="Content Placeholder 2">
-            <a:extLst>
-              <a:ext uri="{FF2B5EF4-FFF2-40B4-BE49-F238E27FC236}">
-                <a16:creationId xmlns:a16="http://schemas.microsoft.com/office/drawing/2014/main" id="{90B61D1A-C399-44DB-9D94-6ED2D23B3306}"/>
-              </a:ext>
-            </a:extLst>
-          </p:cNvPr>
-          <p:cNvSpPr>
-            <a:spLocks noGrp="1"/>
-          </p:cNvSpPr>
-          <p:nvPr>
-            <p:ph idx="1"/>
-          </p:nvPr>
-        </p:nvSpPr>
-        <p:spPr/>
-        <p:txBody>
-          <a:bodyPr/>
-          <a:lstStyle/>
-          <a:p>
-            <a:pPr marL="0" indent="0">
-              <a:buNone/>
-            </a:pPr>
-            <a:r>
-              <a:rPr lang="en-US" dirty="0"/>
-              <a:t>Examples</a:t>
-            </a:r>
-          </a:p>
-          <a:p>
-            <a:r>
-              <a:rPr lang="en-US" dirty="0"/>
-              <a:t>VM disk</a:t>
-            </a:r>
-          </a:p>
-          <a:p>
-            <a:r>
-              <a:rPr lang="en-US" dirty="0"/>
-              <a:t>DB Backup</a:t>
-            </a:r>
-          </a:p>
-          <a:p>
-            <a:r>
-              <a:rPr lang="en-US" dirty="0"/>
-              <a:t>A bunch of json files</a:t>
-            </a:r>
-          </a:p>
-          <a:p>
-            <a:r>
-              <a:rPr lang="en-US" dirty="0"/>
-              <a:t>Data Lake</a:t>
-            </a:r>
-          </a:p>
-          <a:p>
-            <a:r>
-              <a:rPr lang="en-US" dirty="0"/>
-              <a:t>Share files within a team</a:t>
-            </a:r>
-          </a:p>
-        </p:txBody>
-      </p:sp>
-    </p:spTree>
-    <p:extLst>
-      <p:ext uri="{BB962C8B-B14F-4D97-AF65-F5344CB8AC3E}">
-        <p14:creationId xmlns:p14="http://schemas.microsoft.com/office/powerpoint/2010/main" val="2581877526"/>
-      </p:ext>
-    </p:extLst>
-  </p:cSld>
-  <p:clrMapOvr>
-    <a:masterClrMapping/>
-  </p:clrMapOvr>
-</p:sld>
-</file>
-
 <file path=ppt/slides/slide3.xml><?xml version="1.0" encoding="utf-8"?>
 <p:sld xmlns:a="http://schemas.openxmlformats.org/drawingml/2006/main" xmlns:r="http://schemas.openxmlformats.org/officeDocument/2006/relationships" xmlns:p="http://schemas.openxmlformats.org/presentationml/2006/main">
   <p:cSld>
@@ -11179,6 +11243,125 @@
 </file>
 
 <file path=ppt/slides/slide30.xml><?xml version="1.0" encoding="utf-8"?>
+<p:sld xmlns:a="http://schemas.openxmlformats.org/drawingml/2006/main" xmlns:r="http://schemas.openxmlformats.org/officeDocument/2006/relationships" xmlns:p="http://schemas.openxmlformats.org/presentationml/2006/main">
+  <p:cSld>
+    <p:spTree>
+      <p:nvGrpSpPr>
+        <p:cNvPr id="1" name=""/>
+        <p:cNvGrpSpPr/>
+        <p:nvPr/>
+      </p:nvGrpSpPr>
+      <p:grpSpPr>
+        <a:xfrm>
+          <a:off x="0" y="0"/>
+          <a:ext cx="0" cy="0"/>
+          <a:chOff x="0" y="0"/>
+          <a:chExt cx="0" cy="0"/>
+        </a:xfrm>
+      </p:grpSpPr>
+      <p:sp>
+        <p:nvSpPr>
+          <p:cNvPr id="2" name="Title 1">
+            <a:extLst>
+              <a:ext uri="{FF2B5EF4-FFF2-40B4-BE49-F238E27FC236}">
+                <a16:creationId xmlns:a16="http://schemas.microsoft.com/office/drawing/2014/main" id="{9439765E-D021-4F83-B075-735F05281BF5}"/>
+              </a:ext>
+            </a:extLst>
+          </p:cNvPr>
+          <p:cNvSpPr>
+            <a:spLocks noGrp="1"/>
+          </p:cNvSpPr>
+          <p:nvPr>
+            <p:ph type="title"/>
+          </p:nvPr>
+        </p:nvSpPr>
+        <p:spPr/>
+        <p:txBody>
+          <a:bodyPr/>
+          <a:lstStyle/>
+          <a:p>
+            <a:r>
+              <a:rPr lang="en-US" dirty="0"/>
+              <a:t>Storage</a:t>
+            </a:r>
+          </a:p>
+        </p:txBody>
+      </p:sp>
+      <p:sp>
+        <p:nvSpPr>
+          <p:cNvPr id="3" name="Content Placeholder 2">
+            <a:extLst>
+              <a:ext uri="{FF2B5EF4-FFF2-40B4-BE49-F238E27FC236}">
+                <a16:creationId xmlns:a16="http://schemas.microsoft.com/office/drawing/2014/main" id="{90B61D1A-C399-44DB-9D94-6ED2D23B3306}"/>
+              </a:ext>
+            </a:extLst>
+          </p:cNvPr>
+          <p:cNvSpPr>
+            <a:spLocks noGrp="1"/>
+          </p:cNvSpPr>
+          <p:nvPr>
+            <p:ph idx="1"/>
+          </p:nvPr>
+        </p:nvSpPr>
+        <p:spPr/>
+        <p:txBody>
+          <a:bodyPr/>
+          <a:lstStyle/>
+          <a:p>
+            <a:pPr marL="0" indent="0">
+              <a:buNone/>
+            </a:pPr>
+            <a:r>
+              <a:rPr lang="en-US" dirty="0"/>
+              <a:t>Examples</a:t>
+            </a:r>
+          </a:p>
+          <a:p>
+            <a:r>
+              <a:rPr lang="en-US" dirty="0"/>
+              <a:t>VM disk</a:t>
+            </a:r>
+          </a:p>
+          <a:p>
+            <a:r>
+              <a:rPr lang="en-US" dirty="0"/>
+              <a:t>DB Backup</a:t>
+            </a:r>
+          </a:p>
+          <a:p>
+            <a:r>
+              <a:rPr lang="en-US" dirty="0"/>
+              <a:t>A bunch of json files</a:t>
+            </a:r>
+          </a:p>
+          <a:p>
+            <a:r>
+              <a:rPr lang="en-US" dirty="0"/>
+              <a:t>Data Lake</a:t>
+            </a:r>
+          </a:p>
+          <a:p>
+            <a:r>
+              <a:rPr lang="en-US" dirty="0"/>
+              <a:t>Share files within a team</a:t>
+            </a:r>
+          </a:p>
+        </p:txBody>
+      </p:sp>
+    </p:spTree>
+    <p:extLst>
+      <p:ext uri="{BB962C8B-B14F-4D97-AF65-F5344CB8AC3E}">
+        <p14:creationId xmlns:p14="http://schemas.microsoft.com/office/powerpoint/2010/main" val="2581877526"/>
+      </p:ext>
+    </p:extLst>
+  </p:cSld>
+  <p:clrMapOvr>
+    <a:masterClrMapping/>
+  </p:clrMapOvr>
+</p:sld>
+</file>
+
+<file path=ppt/slides/slide31.xml><?xml version="1.0" encoding="utf-8"?>
 <p:sld xmlns:a="http://schemas.openxmlformats.org/drawingml/2006/main" xmlns:r="http://schemas.openxmlformats.org/officeDocument/2006/relationships" xmlns:p="http://schemas.openxmlformats.org/presentationml/2006/main">
   <p:cSld>
     <p:spTree>
@@ -11404,123 +11587,6 @@
 </p:sld>
 </file>
 
-<file path=ppt/slides/slide31.xml><?xml version="1.0" encoding="utf-8"?>
-<p:sld xmlns:a="http://schemas.openxmlformats.org/drawingml/2006/main" xmlns:r="http://schemas.openxmlformats.org/officeDocument/2006/relationships" xmlns:p="http://schemas.openxmlformats.org/presentationml/2006/main">
-  <p:cSld>
-    <p:spTree>
-      <p:nvGrpSpPr>
-        <p:cNvPr id="1" name=""/>
-        <p:cNvGrpSpPr/>
-        <p:nvPr/>
-      </p:nvGrpSpPr>
-      <p:grpSpPr>
-        <a:xfrm>
-          <a:off x="0" y="0"/>
-          <a:ext cx="0" cy="0"/>
-          <a:chOff x="0" y="0"/>
-          <a:chExt cx="0" cy="0"/>
-        </a:xfrm>
-      </p:grpSpPr>
-      <p:sp>
-        <p:nvSpPr>
-          <p:cNvPr id="2" name="Title 1">
-            <a:extLst>
-              <a:ext uri="{FF2B5EF4-FFF2-40B4-BE49-F238E27FC236}">
-                <a16:creationId xmlns:a16="http://schemas.microsoft.com/office/drawing/2014/main" id="{E04131E7-91ED-4C32-9ADB-EADE1AE84D6C}"/>
-              </a:ext>
-            </a:extLst>
-          </p:cNvPr>
-          <p:cNvSpPr>
-            <a:spLocks noGrp="1"/>
-          </p:cNvSpPr>
-          <p:nvPr>
-            <p:ph type="title"/>
-          </p:nvPr>
-        </p:nvSpPr>
-        <p:spPr/>
-        <p:txBody>
-          <a:bodyPr/>
-          <a:lstStyle/>
-          <a:p>
-            <a:r>
-              <a:rPr lang="en-US" dirty="0"/>
-              <a:t>Network</a:t>
-            </a:r>
-          </a:p>
-        </p:txBody>
-      </p:sp>
-      <p:sp>
-        <p:nvSpPr>
-          <p:cNvPr id="3" name="Content Placeholder 2">
-            <a:extLst>
-              <a:ext uri="{FF2B5EF4-FFF2-40B4-BE49-F238E27FC236}">
-                <a16:creationId xmlns:a16="http://schemas.microsoft.com/office/drawing/2014/main" id="{5D8B3750-010F-46E9-8CFC-7C148BA0AACB}"/>
-              </a:ext>
-            </a:extLst>
-          </p:cNvPr>
-          <p:cNvSpPr>
-            <a:spLocks noGrp="1"/>
-          </p:cNvSpPr>
-          <p:nvPr>
-            <p:ph idx="1"/>
-          </p:nvPr>
-        </p:nvSpPr>
-        <p:spPr/>
-        <p:txBody>
-          <a:bodyPr/>
-          <a:lstStyle/>
-          <a:p>
-            <a:r>
-              <a:rPr lang="en-US" dirty="0"/>
-              <a:t>Cloud is not really a network, but it provides networking services</a:t>
-            </a:r>
-          </a:p>
-          <a:p>
-            <a:r>
-              <a:rPr lang="en-US" dirty="0"/>
-              <a:t>Networking services – are the ones that solve your </a:t>
-            </a:r>
-            <a:r>
-              <a:rPr lang="en-US" b="1" dirty="0"/>
-              <a:t>connectivity</a:t>
-            </a:r>
-            <a:r>
-              <a:rPr lang="en-US" dirty="0"/>
-              <a:t> and </a:t>
-            </a:r>
-            <a:r>
-              <a:rPr lang="en-US" b="1" dirty="0"/>
-              <a:t>isolation</a:t>
-            </a:r>
-            <a:r>
-              <a:rPr lang="en-US" dirty="0"/>
-              <a:t> problems</a:t>
-            </a:r>
-          </a:p>
-          <a:p>
-            <a:r>
-              <a:rPr lang="en-US" dirty="0">
-                <a:hlinkClick r:id="rId3"/>
-              </a:rPr>
-              <a:t>Software-defined network</a:t>
-            </a:r>
-            <a:endParaRPr lang="en-US" dirty="0"/>
-          </a:p>
-        </p:txBody>
-      </p:sp>
-    </p:spTree>
-    <p:extLst>
-      <p:ext uri="{BB962C8B-B14F-4D97-AF65-F5344CB8AC3E}">
-        <p14:creationId xmlns:p14="http://schemas.microsoft.com/office/powerpoint/2010/main" val="921921431"/>
-      </p:ext>
-    </p:extLst>
-  </p:cSld>
-  <p:clrMapOvr>
-    <a:masterClrMapping/>
-  </p:clrMapOvr>
-</p:sld>
-</file>
-
 <file path=ppt/slides/slide32.xml><?xml version="1.0" encoding="utf-8"?>
 <p:sld xmlns:a="http://schemas.openxmlformats.org/drawingml/2006/main" xmlns:r="http://schemas.openxmlformats.org/officeDocument/2006/relationships" xmlns:p="http://schemas.openxmlformats.org/presentationml/2006/main">
   <p:cSld>
@@ -11587,6 +11653,123 @@
           <a:bodyPr/>
           <a:lstStyle/>
           <a:p>
+            <a:r>
+              <a:rPr lang="en-US" dirty="0"/>
+              <a:t>Cloud is not really a network, but it provides networking services</a:t>
+            </a:r>
+          </a:p>
+          <a:p>
+            <a:r>
+              <a:rPr lang="en-US" dirty="0"/>
+              <a:t>Networking services – are the ones that solve your </a:t>
+            </a:r>
+            <a:r>
+              <a:rPr lang="en-US" b="1" dirty="0"/>
+              <a:t>connectivity</a:t>
+            </a:r>
+            <a:r>
+              <a:rPr lang="en-US" dirty="0"/>
+              <a:t> and </a:t>
+            </a:r>
+            <a:r>
+              <a:rPr lang="en-US" b="1" dirty="0"/>
+              <a:t>isolation</a:t>
+            </a:r>
+            <a:r>
+              <a:rPr lang="en-US" dirty="0"/>
+              <a:t> problems</a:t>
+            </a:r>
+          </a:p>
+          <a:p>
+            <a:r>
+              <a:rPr lang="en-US" dirty="0">
+                <a:hlinkClick r:id="rId3"/>
+              </a:rPr>
+              <a:t>Software-defined network</a:t>
+            </a:r>
+            <a:endParaRPr lang="en-US" dirty="0"/>
+          </a:p>
+        </p:txBody>
+      </p:sp>
+    </p:spTree>
+    <p:extLst>
+      <p:ext uri="{BB962C8B-B14F-4D97-AF65-F5344CB8AC3E}">
+        <p14:creationId xmlns:p14="http://schemas.microsoft.com/office/powerpoint/2010/main" val="921921431"/>
+      </p:ext>
+    </p:extLst>
+  </p:cSld>
+  <p:clrMapOvr>
+    <a:masterClrMapping/>
+  </p:clrMapOvr>
+</p:sld>
+</file>
+
+<file path=ppt/slides/slide33.xml><?xml version="1.0" encoding="utf-8"?>
+<p:sld xmlns:a="http://schemas.openxmlformats.org/drawingml/2006/main" xmlns:r="http://schemas.openxmlformats.org/officeDocument/2006/relationships" xmlns:p="http://schemas.openxmlformats.org/presentationml/2006/main">
+  <p:cSld>
+    <p:spTree>
+      <p:nvGrpSpPr>
+        <p:cNvPr id="1" name=""/>
+        <p:cNvGrpSpPr/>
+        <p:nvPr/>
+      </p:nvGrpSpPr>
+      <p:grpSpPr>
+        <a:xfrm>
+          <a:off x="0" y="0"/>
+          <a:ext cx="0" cy="0"/>
+          <a:chOff x="0" y="0"/>
+          <a:chExt cx="0" cy="0"/>
+        </a:xfrm>
+      </p:grpSpPr>
+      <p:sp>
+        <p:nvSpPr>
+          <p:cNvPr id="2" name="Title 1">
+            <a:extLst>
+              <a:ext uri="{FF2B5EF4-FFF2-40B4-BE49-F238E27FC236}">
+                <a16:creationId xmlns:a16="http://schemas.microsoft.com/office/drawing/2014/main" id="{E04131E7-91ED-4C32-9ADB-EADE1AE84D6C}"/>
+              </a:ext>
+            </a:extLst>
+          </p:cNvPr>
+          <p:cNvSpPr>
+            <a:spLocks noGrp="1"/>
+          </p:cNvSpPr>
+          <p:nvPr>
+            <p:ph type="title"/>
+          </p:nvPr>
+        </p:nvSpPr>
+        <p:spPr/>
+        <p:txBody>
+          <a:bodyPr/>
+          <a:lstStyle/>
+          <a:p>
+            <a:r>
+              <a:rPr lang="en-US" dirty="0"/>
+              <a:t>Network</a:t>
+            </a:r>
+          </a:p>
+        </p:txBody>
+      </p:sp>
+      <p:sp>
+        <p:nvSpPr>
+          <p:cNvPr id="3" name="Content Placeholder 2">
+            <a:extLst>
+              <a:ext uri="{FF2B5EF4-FFF2-40B4-BE49-F238E27FC236}">
+                <a16:creationId xmlns:a16="http://schemas.microsoft.com/office/drawing/2014/main" id="{5D8B3750-010F-46E9-8CFC-7C148BA0AACB}"/>
+              </a:ext>
+            </a:extLst>
+          </p:cNvPr>
+          <p:cNvSpPr>
+            <a:spLocks noGrp="1"/>
+          </p:cNvSpPr>
+          <p:nvPr>
+            <p:ph idx="1"/>
+          </p:nvPr>
+        </p:nvSpPr>
+        <p:spPr/>
+        <p:txBody>
+          <a:bodyPr/>
+          <a:lstStyle/>
+          <a:p>
             <a:pPr marL="0" indent="0">
               <a:buNone/>
             </a:pPr>
@@ -11662,7 +11845,7 @@
 </p:sld>
 </file>
 
-<file path=ppt/slides/slide33.xml><?xml version="1.0" encoding="utf-8"?>
+<file path=ppt/slides/slide34.xml><?xml version="1.0" encoding="utf-8"?>
 <p:sld xmlns:a="http://schemas.openxmlformats.org/drawingml/2006/main" xmlns:r="http://schemas.openxmlformats.org/officeDocument/2006/relationships" xmlns:p="http://schemas.openxmlformats.org/presentationml/2006/main">
   <p:cSld>
     <p:spTree>
@@ -12358,7 +12541,7 @@
 </p:sld>
 </file>
 
-<file path=ppt/slides/slide34.xml><?xml version="1.0" encoding="utf-8"?>
+<file path=ppt/slides/slide35.xml><?xml version="1.0" encoding="utf-8"?>
 <p:sld xmlns:a="http://schemas.openxmlformats.org/drawingml/2006/main" xmlns:r="http://schemas.openxmlformats.org/officeDocument/2006/relationships" xmlns:p="http://schemas.openxmlformats.org/presentationml/2006/main">
   <p:cSld>
     <p:spTree>
@@ -12665,168 +12848,6 @@
 </p:sld>
 </file>
 
-<file path=ppt/slides/slide35.xml><?xml version="1.0" encoding="utf-8"?>
-<p:sld xmlns:a="http://schemas.openxmlformats.org/drawingml/2006/main" xmlns:r="http://schemas.openxmlformats.org/officeDocument/2006/relationships" xmlns:p="http://schemas.openxmlformats.org/presentationml/2006/main">
-  <p:cSld>
-    <p:spTree>
-      <p:nvGrpSpPr>
-        <p:cNvPr id="1" name=""/>
-        <p:cNvGrpSpPr/>
-        <p:nvPr/>
-      </p:nvGrpSpPr>
-      <p:grpSpPr>
-        <a:xfrm>
-          <a:off x="0" y="0"/>
-          <a:ext cx="0" cy="0"/>
-          <a:chOff x="0" y="0"/>
-          <a:chExt cx="0" cy="0"/>
-        </a:xfrm>
-      </p:grpSpPr>
-      <p:sp>
-        <p:nvSpPr>
-          <p:cNvPr id="2" name="Title 1">
-            <a:extLst>
-              <a:ext uri="{FF2B5EF4-FFF2-40B4-BE49-F238E27FC236}">
-                <a16:creationId xmlns:a16="http://schemas.microsoft.com/office/drawing/2014/main" id="{E04131E7-91ED-4C32-9ADB-EADE1AE84D6C}"/>
-              </a:ext>
-            </a:extLst>
-          </p:cNvPr>
-          <p:cNvSpPr>
-            <a:spLocks noGrp="1"/>
-          </p:cNvSpPr>
-          <p:nvPr>
-            <p:ph type="title"/>
-          </p:nvPr>
-        </p:nvSpPr>
-        <p:spPr/>
-        <p:txBody>
-          <a:bodyPr/>
-          <a:lstStyle/>
-          <a:p>
-            <a:r>
-              <a:rPr lang="en-US" dirty="0"/>
-              <a:t>Network</a:t>
-            </a:r>
-          </a:p>
-        </p:txBody>
-      </p:sp>
-      <p:sp>
-        <p:nvSpPr>
-          <p:cNvPr id="5" name="Content Placeholder 2">
-            <a:extLst>
-              <a:ext uri="{FF2B5EF4-FFF2-40B4-BE49-F238E27FC236}">
-                <a16:creationId xmlns:a16="http://schemas.microsoft.com/office/drawing/2014/main" id="{95547316-8965-488B-9E55-2C823AC7264E}"/>
-              </a:ext>
-            </a:extLst>
-          </p:cNvPr>
-          <p:cNvSpPr>
-            <a:spLocks noGrp="1"/>
-          </p:cNvSpPr>
-          <p:nvPr>
-            <p:ph idx="1"/>
-          </p:nvPr>
-        </p:nvSpPr>
-        <p:spPr>
-          <a:xfrm>
-            <a:off x="838200" y="1396550"/>
-            <a:ext cx="10515600" cy="4351338"/>
-          </a:xfrm>
-        </p:spPr>
-        <p:txBody>
-          <a:bodyPr/>
-          <a:lstStyle/>
-          <a:p>
-            <a:endParaRPr lang="en-US" dirty="0"/>
-          </a:p>
-          <a:p>
-            <a:endParaRPr lang="en-US" dirty="0"/>
-          </a:p>
-        </p:txBody>
-      </p:sp>
-      <p:pic>
-        <p:nvPicPr>
-          <p:cNvPr id="6" name="Picture 5" descr="Diagram&#10;&#10;Description automatically generated">
-            <a:extLst>
-              <a:ext uri="{FF2B5EF4-FFF2-40B4-BE49-F238E27FC236}">
-                <a16:creationId xmlns:a16="http://schemas.microsoft.com/office/drawing/2014/main" id="{5640AC75-1620-44B1-BD0A-C660EED2C328}"/>
-              </a:ext>
-            </a:extLst>
-          </p:cNvPr>
-          <p:cNvPicPr>
-            <a:picLocks noChangeAspect="1"/>
-          </p:cNvPicPr>
-          <p:nvPr/>
-        </p:nvPicPr>
-        <p:blipFill>
-          <a:blip r:embed="rId3">
-            <a:extLst>
-              <a:ext uri="{28A0092B-C50C-407E-A947-70E740481C1C}">
-                <a14:useLocalDpi xmlns:a14="http://schemas.microsoft.com/office/drawing/2010/main" val="0"/>
-              </a:ext>
-            </a:extLst>
-          </a:blip>
-          <a:stretch>
-            <a:fillRect/>
-          </a:stretch>
-        </p:blipFill>
-        <p:spPr>
-          <a:xfrm>
-            <a:off x="838200" y="1214252"/>
-            <a:ext cx="10515600" cy="5278623"/>
-          </a:xfrm>
-          <a:prstGeom prst="rect">
-            <a:avLst/>
-          </a:prstGeom>
-        </p:spPr>
-      </p:pic>
-      <p:sp>
-        <p:nvSpPr>
-          <p:cNvPr id="7" name="TextBox 6">
-            <a:extLst>
-              <a:ext uri="{FF2B5EF4-FFF2-40B4-BE49-F238E27FC236}">
-                <a16:creationId xmlns:a16="http://schemas.microsoft.com/office/drawing/2014/main" id="{4D56C40B-AD03-4CBE-BCD3-1DBEE40342E1}"/>
-              </a:ext>
-            </a:extLst>
-          </p:cNvPr>
-          <p:cNvSpPr txBox="1"/>
-          <p:nvPr/>
-        </p:nvSpPr>
-        <p:spPr>
-          <a:xfrm>
-            <a:off x="4033092" y="6492875"/>
-            <a:ext cx="8308554" cy="276999"/>
-          </a:xfrm>
-          <a:prstGeom prst="rect">
-            <a:avLst/>
-          </a:prstGeom>
-          <a:noFill/>
-        </p:spPr>
-        <p:txBody>
-          <a:bodyPr wrap="square">
-            <a:spAutoFit/>
-          </a:bodyPr>
-          <a:lstStyle/>
-          <a:p>
-            <a:r>
-              <a:rPr lang="en-US" sz="1200" dirty="0"/>
-              <a:t>Image credit: https://en.wikipedia.org/wiki/Network_address_translation#/media/File:Network_Address_Translation_(file2).jpg</a:t>
-            </a:r>
-          </a:p>
-        </p:txBody>
-      </p:sp>
-    </p:spTree>
-    <p:extLst>
-      <p:ext uri="{BB962C8B-B14F-4D97-AF65-F5344CB8AC3E}">
-        <p14:creationId xmlns:p14="http://schemas.microsoft.com/office/powerpoint/2010/main" val="3409907307"/>
-      </p:ext>
-    </p:extLst>
-  </p:cSld>
-  <p:clrMapOvr>
-    <a:masterClrMapping/>
-  </p:clrMapOvr>
-</p:sld>
-</file>
-
 <file path=ppt/slides/slide36.xml><?xml version="1.0" encoding="utf-8"?>
 <p:sld xmlns:a="http://schemas.openxmlformats.org/drawingml/2006/main" xmlns:r="http://schemas.openxmlformats.org/officeDocument/2006/relationships" xmlns:p="http://schemas.openxmlformats.org/presentationml/2006/main">
   <p:cSld>
@@ -12874,10 +12895,10 @@
       </p:sp>
       <p:sp>
         <p:nvSpPr>
-          <p:cNvPr id="3" name="Content Placeholder 2">
-            <a:extLst>
-              <a:ext uri="{FF2B5EF4-FFF2-40B4-BE49-F238E27FC236}">
-                <a16:creationId xmlns:a16="http://schemas.microsoft.com/office/drawing/2014/main" id="{5D8B3750-010F-46E9-8CFC-7C148BA0AACB}"/>
+          <p:cNvPr id="5" name="Content Placeholder 2">
+            <a:extLst>
+              <a:ext uri="{FF2B5EF4-FFF2-40B4-BE49-F238E27FC236}">
+                <a16:creationId xmlns:a16="http://schemas.microsoft.com/office/drawing/2014/main" id="{95547316-8965-488B-9E55-2C823AC7264E}"/>
               </a:ext>
             </a:extLst>
           </p:cNvPr>
@@ -12888,140 +12909,98 @@
             <p:ph idx="1"/>
           </p:nvPr>
         </p:nvSpPr>
-        <p:spPr/>
-        <p:txBody>
-          <a:bodyPr>
-            <a:normAutofit/>
+        <p:spPr>
+          <a:xfrm>
+            <a:off x="838200" y="1396550"/>
+            <a:ext cx="10515600" cy="4351338"/>
+          </a:xfrm>
+        </p:spPr>
+        <p:txBody>
+          <a:bodyPr/>
+          <a:lstStyle/>
+          <a:p>
+            <a:endParaRPr lang="en-US" dirty="0"/>
+          </a:p>
+          <a:p>
+            <a:endParaRPr lang="en-US" dirty="0"/>
+          </a:p>
+        </p:txBody>
+      </p:sp>
+      <p:pic>
+        <p:nvPicPr>
+          <p:cNvPr id="6" name="Picture 5" descr="Diagram&#10;&#10;Description automatically generated">
+            <a:extLst>
+              <a:ext uri="{FF2B5EF4-FFF2-40B4-BE49-F238E27FC236}">
+                <a16:creationId xmlns:a16="http://schemas.microsoft.com/office/drawing/2014/main" id="{5640AC75-1620-44B1-BD0A-C660EED2C328}"/>
+              </a:ext>
+            </a:extLst>
+          </p:cNvPr>
+          <p:cNvPicPr>
+            <a:picLocks noChangeAspect="1"/>
+          </p:cNvPicPr>
+          <p:nvPr/>
+        </p:nvPicPr>
+        <p:blipFill>
+          <a:blip r:embed="rId3">
+            <a:extLst>
+              <a:ext uri="{28A0092B-C50C-407E-A947-70E740481C1C}">
+                <a14:useLocalDpi xmlns:a14="http://schemas.microsoft.com/office/drawing/2010/main" val="0"/>
+              </a:ext>
+            </a:extLst>
+          </a:blip>
+          <a:stretch>
+            <a:fillRect/>
+          </a:stretch>
+        </p:blipFill>
+        <p:spPr>
+          <a:xfrm>
+            <a:off x="838200" y="1214252"/>
+            <a:ext cx="10515600" cy="5278623"/>
+          </a:xfrm>
+          <a:prstGeom prst="rect">
+            <a:avLst/>
+          </a:prstGeom>
+        </p:spPr>
+      </p:pic>
+      <p:sp>
+        <p:nvSpPr>
+          <p:cNvPr id="7" name="TextBox 6">
+            <a:extLst>
+              <a:ext uri="{FF2B5EF4-FFF2-40B4-BE49-F238E27FC236}">
+                <a16:creationId xmlns:a16="http://schemas.microsoft.com/office/drawing/2014/main" id="{4D56C40B-AD03-4CBE-BCD3-1DBEE40342E1}"/>
+              </a:ext>
+            </a:extLst>
+          </p:cNvPr>
+          <p:cNvSpPr txBox="1"/>
+          <p:nvPr/>
+        </p:nvSpPr>
+        <p:spPr>
+          <a:xfrm>
+            <a:off x="4033092" y="6492875"/>
+            <a:ext cx="8308554" cy="276999"/>
+          </a:xfrm>
+          <a:prstGeom prst="rect">
+            <a:avLst/>
+          </a:prstGeom>
+          <a:noFill/>
+        </p:spPr>
+        <p:txBody>
+          <a:bodyPr wrap="square">
+            <a:spAutoFit/>
           </a:bodyPr>
           <a:lstStyle/>
           <a:p>
-            <a:pPr marL="0" indent="0">
-              <a:buNone/>
-            </a:pPr>
-            <a:r>
-              <a:rPr lang="en-US" dirty="0"/>
-              <a:t>Virtual Network</a:t>
-            </a:r>
-          </a:p>
-          <a:p>
-            <a:r>
-              <a:rPr lang="en-US" dirty="0"/>
-              <a:t>Like traditional network but in cloud and dedicated only for you</a:t>
-            </a:r>
-          </a:p>
-          <a:p>
-            <a:r>
-              <a:rPr lang="en-US" dirty="0"/>
-              <a:t>Has </a:t>
-            </a:r>
-            <a:r>
-              <a:rPr lang="en-US" b="1" dirty="0"/>
-              <a:t>address space</a:t>
-            </a:r>
-            <a:r>
-              <a:rPr lang="en-US" dirty="0"/>
-              <a:t> specified as </a:t>
-            </a:r>
-            <a:r>
-              <a:rPr lang="en-US" dirty="0">
-                <a:hlinkClick r:id="rId3"/>
-              </a:rPr>
-              <a:t>CIDR</a:t>
-            </a:r>
-            <a:r>
-              <a:rPr lang="en-US" dirty="0"/>
-              <a:t> block</a:t>
-            </a:r>
-          </a:p>
-          <a:p>
-            <a:r>
-              <a:rPr lang="en-US" dirty="0"/>
-              <a:t>Has 1..N </a:t>
-            </a:r>
-            <a:r>
-              <a:rPr lang="en-US" b="1" dirty="0"/>
-              <a:t>subnets</a:t>
-            </a:r>
-            <a:r>
-              <a:rPr lang="en-US" dirty="0"/>
-              <a:t> (CIDR)</a:t>
-            </a:r>
-          </a:p>
-          <a:p>
-            <a:r>
-              <a:rPr lang="en-US" dirty="0"/>
-              <a:t>Can have Route table, security rules/groups, public/private endpoints</a:t>
-            </a:r>
-          </a:p>
-          <a:p>
-            <a:r>
-              <a:rPr lang="en-US" dirty="0"/>
-              <a:t>Could be </a:t>
-            </a:r>
-            <a:r>
-              <a:rPr lang="en-US" b="1" dirty="0"/>
-              <a:t>peered</a:t>
-            </a:r>
-            <a:r>
-              <a:rPr lang="en-US" dirty="0"/>
-              <a:t> with other Virtual and on-premise networks</a:t>
-            </a:r>
-          </a:p>
-          <a:p>
-            <a:endParaRPr lang="en-US" dirty="0"/>
-          </a:p>
-          <a:p>
-            <a:pPr marL="0" indent="0">
-              <a:buNone/>
-            </a:pPr>
-            <a:r>
-              <a:rPr lang="en-US" dirty="0">
-                <a:solidFill>
-                  <a:schemeClr val="accent1"/>
-                </a:solidFill>
-              </a:rPr>
-              <a:t>Virtual Network </a:t>
-            </a:r>
-            <a:r>
-              <a:rPr lang="en-US" dirty="0"/>
-              <a:t>/ </a:t>
-            </a:r>
-            <a:r>
-              <a:rPr lang="en-US" dirty="0">
-                <a:solidFill>
-                  <a:schemeClr val="accent2"/>
-                </a:solidFill>
-              </a:rPr>
-              <a:t>Virtual Private Cloud (VPC)</a:t>
-            </a:r>
-            <a:r>
-              <a:rPr lang="en-US" dirty="0"/>
-              <a:t> / </a:t>
-            </a:r>
-            <a:r>
-              <a:rPr lang="en-US" dirty="0">
-                <a:solidFill>
-                  <a:schemeClr val="accent5"/>
-                </a:solidFill>
-              </a:rPr>
-              <a:t>Virtual Private Cloud</a:t>
-            </a:r>
-          </a:p>
-          <a:p>
-            <a:pPr marL="0" indent="0">
-              <a:buNone/>
-            </a:pPr>
-            <a:endParaRPr lang="en-US" dirty="0"/>
-          </a:p>
-          <a:p>
-            <a:endParaRPr lang="en-US" dirty="0"/>
+            <a:r>
+              <a:rPr lang="en-US" sz="1200" dirty="0"/>
+              <a:t>Image credit: https://en.wikipedia.org/wiki/Network_address_translation#/media/File:Network_Address_Translation_(file2).jpg</a:t>
+            </a:r>
           </a:p>
         </p:txBody>
       </p:sp>
     </p:spTree>
     <p:extLst>
       <p:ext uri="{BB962C8B-B14F-4D97-AF65-F5344CB8AC3E}">
-        <p14:creationId xmlns:p14="http://schemas.microsoft.com/office/powerpoint/2010/main" val="759835562"/>
+        <p14:creationId xmlns:p14="http://schemas.microsoft.com/office/powerpoint/2010/main" val="3409907307"/>
       </p:ext>
     </p:extLst>
   </p:cSld>
@@ -13104,35 +13083,72 @@
             </a:pPr>
             <a:r>
               <a:rPr lang="en-US" dirty="0"/>
-              <a:t>Load Balancer (LB)</a:t>
-            </a:r>
-          </a:p>
-          <a:p>
-            <a:r>
-              <a:rPr lang="en-US" dirty="0"/>
-              <a:t>distributes network traffic</a:t>
-            </a:r>
-          </a:p>
-          <a:p>
-            <a:r>
-              <a:rPr lang="en-US" dirty="0"/>
-              <a:t>could be exposed publicly or private-only</a:t>
-            </a:r>
-          </a:p>
-          <a:p>
-            <a:r>
-              <a:rPr lang="en-US" dirty="0"/>
-              <a:t>custom rules, auto-scaling, health-checks, and others</a:t>
-            </a:r>
-          </a:p>
-          <a:p>
-            <a:r>
-              <a:rPr lang="en-US" dirty="0"/>
-              <a:t>integrates with other cloud-services</a:t>
-            </a:r>
-          </a:p>
-          <a:p>
-            <a:endParaRPr lang="en-US" dirty="0"/>
+              <a:t>Virtual Network</a:t>
+            </a:r>
+          </a:p>
+          <a:p>
+            <a:r>
+              <a:rPr lang="en-US" dirty="0"/>
+              <a:t>Like traditional network but in cloud and dedicated only for you</a:t>
+            </a:r>
+          </a:p>
+          <a:p>
+            <a:r>
+              <a:rPr lang="en-US" dirty="0"/>
+              <a:t>Has </a:t>
+            </a:r>
+            <a:r>
+              <a:rPr lang="en-US" b="1" dirty="0"/>
+              <a:t>address space</a:t>
+            </a:r>
+            <a:r>
+              <a:rPr lang="en-US" dirty="0"/>
+              <a:t> specified as </a:t>
+            </a:r>
+            <a:r>
+              <a:rPr lang="en-US" dirty="0">
+                <a:hlinkClick r:id="rId3"/>
+              </a:rPr>
+              <a:t>CIDR</a:t>
+            </a:r>
+            <a:r>
+              <a:rPr lang="en-US" dirty="0"/>
+              <a:t> block</a:t>
+            </a:r>
+          </a:p>
+          <a:p>
+            <a:r>
+              <a:rPr lang="en-US" dirty="0"/>
+              <a:t>Has 1..N </a:t>
+            </a:r>
+            <a:r>
+              <a:rPr lang="en-US" b="1" dirty="0"/>
+              <a:t>subnets</a:t>
+            </a:r>
+            <a:r>
+              <a:rPr lang="en-US" dirty="0"/>
+              <a:t> (CIDR)</a:t>
+            </a:r>
+          </a:p>
+          <a:p>
+            <a:r>
+              <a:rPr lang="en-US" dirty="0"/>
+              <a:t>Can have Route table, security rules/groups, public/private endpoints</a:t>
+            </a:r>
+          </a:p>
+          <a:p>
+            <a:r>
+              <a:rPr lang="en-US" dirty="0"/>
+              <a:t>Could be </a:t>
+            </a:r>
+            <a:r>
+              <a:rPr lang="en-US" b="1" dirty="0"/>
+              <a:t>peered</a:t>
+            </a:r>
+            <a:r>
+              <a:rPr lang="en-US" dirty="0"/>
+              <a:t> with other Virtual and on-premise networks</a:t>
+            </a:r>
           </a:p>
           <a:p>
             <a:endParaRPr lang="en-US" dirty="0"/>
@@ -13147,7 +13163,7 @@
                   <a:schemeClr val="accent1"/>
                 </a:solidFill>
               </a:rPr>
-              <a:t>Load Balancer </a:t>
+              <a:t>Virtual Network </a:t>
             </a:r>
             <a:r>
               <a:rPr lang="en-US" dirty="0"/>
@@ -13159,7 +13175,7 @@
                   <a:schemeClr val="accent2"/>
                 </a:solidFill>
               </a:rPr>
-              <a:t>Elastic Load Balancer (ELB)</a:t>
+              <a:t>Virtual Private Cloud (VPC)</a:t>
             </a:r>
             <a:r>
               <a:rPr lang="en-US" dirty="0"/>
@@ -13171,7 +13187,7 @@
                   <a:schemeClr val="accent5"/>
                 </a:solidFill>
               </a:rPr>
-              <a:t>Cloud Load Balancer</a:t>
+              <a:t>Virtual Private Cloud</a:t>
             </a:r>
           </a:p>
           <a:p>
@@ -13188,7 +13204,7 @@
     </p:spTree>
     <p:extLst>
       <p:ext uri="{BB962C8B-B14F-4D97-AF65-F5344CB8AC3E}">
-        <p14:creationId xmlns:p14="http://schemas.microsoft.com/office/powerpoint/2010/main" val="1934231904"/>
+        <p14:creationId xmlns:p14="http://schemas.microsoft.com/office/powerpoint/2010/main" val="759835562"/>
       </p:ext>
     </p:extLst>
   </p:cSld>
@@ -13271,33 +13287,32 @@
             </a:pPr>
             <a:r>
               <a:rPr lang="en-US" dirty="0"/>
-              <a:t>Domain Name System (DNS)</a:t>
-            </a:r>
-          </a:p>
-          <a:p>
-            <a:r>
-              <a:rPr lang="en-US" i="1" dirty="0"/>
-              <a:t>translates</a:t>
-            </a:r>
-            <a:r>
-              <a:rPr lang="en-US" dirty="0"/>
-              <a:t> names to IP addresses</a:t>
-            </a:r>
-          </a:p>
-          <a:p>
-            <a:r>
-              <a:rPr lang="en-US" dirty="0"/>
-              <a:t>can work with cloud-internal resources …</a:t>
-            </a:r>
-          </a:p>
-          <a:p>
-            <a:r>
-              <a:rPr lang="en-US" dirty="0"/>
-              <a:t>… or with public domain-registrars</a:t>
-            </a:r>
-          </a:p>
-          <a:p>
-            <a:endParaRPr lang="en-US" dirty="0"/>
+              <a:t>Load Balancer (LB)</a:t>
+            </a:r>
+          </a:p>
+          <a:p>
+            <a:r>
+              <a:rPr lang="en-US" dirty="0"/>
+              <a:t>distributes network traffic</a:t>
+            </a:r>
+          </a:p>
+          <a:p>
+            <a:r>
+              <a:rPr lang="en-US" dirty="0"/>
+              <a:t>could be exposed publicly or private-only</a:t>
+            </a:r>
+          </a:p>
+          <a:p>
+            <a:r>
+              <a:rPr lang="en-US" dirty="0"/>
+              <a:t>custom rules, auto-scaling, health-checks, and others</a:t>
+            </a:r>
+          </a:p>
+          <a:p>
+            <a:r>
+              <a:rPr lang="en-US" dirty="0"/>
+              <a:t>integrates with other cloud-services</a:t>
+            </a:r>
           </a:p>
           <a:p>
             <a:endParaRPr lang="en-US" dirty="0"/>
@@ -13315,7 +13330,7 @@
                   <a:schemeClr val="accent1"/>
                 </a:solidFill>
               </a:rPr>
-              <a:t>Azure DNS </a:t>
+              <a:t>Load Balancer </a:t>
             </a:r>
             <a:r>
               <a:rPr lang="en-US" dirty="0"/>
@@ -13327,7 +13342,7 @@
                   <a:schemeClr val="accent2"/>
                 </a:solidFill>
               </a:rPr>
-              <a:t>Route 53</a:t>
+              <a:t>Elastic Load Balancer (ELB)</a:t>
             </a:r>
             <a:r>
               <a:rPr lang="en-US" dirty="0"/>
@@ -13339,7 +13354,7 @@
                   <a:schemeClr val="accent5"/>
                 </a:solidFill>
               </a:rPr>
-              <a:t>Cloud DNS</a:t>
+              <a:t>Cloud Load Balancer</a:t>
             </a:r>
           </a:p>
           <a:p>
@@ -13356,7 +13371,7 @@
     </p:spTree>
     <p:extLst>
       <p:ext uri="{BB962C8B-B14F-4D97-AF65-F5344CB8AC3E}">
-        <p14:creationId xmlns:p14="http://schemas.microsoft.com/office/powerpoint/2010/main" val="4045822828"/>
+        <p14:creationId xmlns:p14="http://schemas.microsoft.com/office/powerpoint/2010/main" val="1934231904"/>
       </p:ext>
     </p:extLst>
   </p:cSld>
@@ -13438,154 +13453,93 @@
               <a:buNone/>
             </a:pPr>
             <a:r>
-              <a:rPr lang="en-US"/>
-              <a:t>Content Delivery Network (CDN)</a:t>
-            </a:r>
-          </a:p>
-          <a:p>
-            <a:r>
-              <a:rPr lang="en-US"/>
-              <a:t>Caches files on edge locations</a:t>
-            </a:r>
-          </a:p>
-          <a:p>
-            <a:endParaRPr lang="en-US"/>
-          </a:p>
-          <a:p>
-            <a:endParaRPr lang="en-US"/>
-          </a:p>
-          <a:p>
-            <a:endParaRPr lang="en-US"/>
-          </a:p>
-          <a:p>
-            <a:endParaRPr lang="en-US"/>
-          </a:p>
-          <a:p>
-            <a:endParaRPr lang="en-US"/>
+              <a:rPr lang="en-US" dirty="0"/>
+              <a:t>Domain Name System (DNS)</a:t>
+            </a:r>
+          </a:p>
+          <a:p>
+            <a:r>
+              <a:rPr lang="en-US" i="1" dirty="0"/>
+              <a:t>translates</a:t>
+            </a:r>
+            <a:r>
+              <a:rPr lang="en-US" dirty="0"/>
+              <a:t> names to IP addresses</a:t>
+            </a:r>
+          </a:p>
+          <a:p>
+            <a:r>
+              <a:rPr lang="en-US" dirty="0"/>
+              <a:t>can work with cloud-internal resources …</a:t>
+            </a:r>
+          </a:p>
+          <a:p>
+            <a:r>
+              <a:rPr lang="en-US" dirty="0"/>
+              <a:t>… or with public domain-registrars</a:t>
+            </a:r>
+          </a:p>
+          <a:p>
+            <a:endParaRPr lang="en-US" dirty="0"/>
+          </a:p>
+          <a:p>
+            <a:endParaRPr lang="en-US" dirty="0"/>
+          </a:p>
+          <a:p>
+            <a:endParaRPr lang="en-US" dirty="0"/>
           </a:p>
           <a:p>
             <a:pPr marL="0" indent="0">
               <a:buNone/>
             </a:pPr>
             <a:r>
-              <a:rPr lang="en-US">
+              <a:rPr lang="en-US" dirty="0">
                 <a:solidFill>
                   <a:schemeClr val="accent1"/>
                 </a:solidFill>
               </a:rPr>
-              <a:t>Azure CDN </a:t>
-            </a:r>
-            <a:r>
-              <a:rPr lang="en-US"/>
+              <a:t>Azure DNS </a:t>
+            </a:r>
+            <a:r>
+              <a:rPr lang="en-US" dirty="0"/>
               <a:t>/ </a:t>
             </a:r>
             <a:r>
-              <a:rPr lang="en-US">
+              <a:rPr lang="en-US" dirty="0">
                 <a:solidFill>
                   <a:schemeClr val="accent2"/>
                 </a:solidFill>
               </a:rPr>
-              <a:t>CloudFront</a:t>
-            </a:r>
-            <a:r>
-              <a:rPr lang="en-US"/>
+              <a:t>Route 53</a:t>
+            </a:r>
+            <a:r>
+              <a:rPr lang="en-US" dirty="0"/>
               <a:t> / </a:t>
             </a:r>
             <a:r>
-              <a:rPr lang="en-US">
+              <a:rPr lang="en-US" dirty="0">
                 <a:solidFill>
                   <a:schemeClr val="accent5"/>
                 </a:solidFill>
               </a:rPr>
-              <a:t>Cloud CDN</a:t>
+              <a:t>Cloud DNS</a:t>
             </a:r>
           </a:p>
           <a:p>
             <a:pPr marL="0" indent="0">
               <a:buNone/>
             </a:pPr>
-            <a:endParaRPr lang="en-US"/>
-          </a:p>
-          <a:p>
             <a:endParaRPr lang="en-US" dirty="0"/>
           </a:p>
-        </p:txBody>
-      </p:sp>
-      <p:pic>
-        <p:nvPicPr>
-          <p:cNvPr id="5" name="Picture 4" descr="Diagram&#10;&#10;Description automatically generated">
-            <a:extLst>
-              <a:ext uri="{FF2B5EF4-FFF2-40B4-BE49-F238E27FC236}">
-                <a16:creationId xmlns:a16="http://schemas.microsoft.com/office/drawing/2014/main" id="{8A6C75A5-8C06-4CDC-B51F-765D032601F4}"/>
-              </a:ext>
-            </a:extLst>
-          </p:cNvPr>
-          <p:cNvPicPr>
-            <a:picLocks noChangeAspect="1"/>
-          </p:cNvPicPr>
-          <p:nvPr/>
-        </p:nvPicPr>
-        <p:blipFill>
-          <a:blip r:embed="rId3">
-            <a:extLst>
-              <a:ext uri="{28A0092B-C50C-407E-A947-70E740481C1C}">
-                <a14:useLocalDpi xmlns:a14="http://schemas.microsoft.com/office/drawing/2010/main" val="0"/>
-              </a:ext>
-            </a:extLst>
-          </a:blip>
-          <a:stretch>
-            <a:fillRect/>
-          </a:stretch>
-        </p:blipFill>
-        <p:spPr>
-          <a:xfrm>
-            <a:off x="5734884" y="1674564"/>
-            <a:ext cx="6184668" cy="3508871"/>
-          </a:xfrm>
-          <a:prstGeom prst="rect">
-            <a:avLst/>
-          </a:prstGeom>
-        </p:spPr>
-      </p:pic>
-      <p:sp>
-        <p:nvSpPr>
-          <p:cNvPr id="6" name="TextBox 5">
-            <a:extLst>
-              <a:ext uri="{FF2B5EF4-FFF2-40B4-BE49-F238E27FC236}">
-                <a16:creationId xmlns:a16="http://schemas.microsoft.com/office/drawing/2014/main" id="{28CFEEB7-F99F-4F01-8964-5E004E8507E4}"/>
-              </a:ext>
-            </a:extLst>
-          </p:cNvPr>
-          <p:cNvSpPr txBox="1"/>
-          <p:nvPr/>
-        </p:nvSpPr>
-        <p:spPr>
-          <a:xfrm>
-            <a:off x="8870634" y="6311900"/>
-            <a:ext cx="3048918" cy="307777"/>
-          </a:xfrm>
-          <a:prstGeom prst="rect">
-            <a:avLst/>
-          </a:prstGeom>
-          <a:noFill/>
-        </p:spPr>
-        <p:txBody>
-          <a:bodyPr wrap="square">
-            <a:spAutoFit/>
-          </a:bodyPr>
-          <a:lstStyle/>
-          <a:p>
-            <a:r>
-              <a:rPr lang="en-US" sz="1400" dirty="0"/>
-              <a:t>Image Credit https://awsnewbies.com/</a:t>
-            </a:r>
+          <a:p>
+            <a:endParaRPr lang="en-US" dirty="0"/>
           </a:p>
         </p:txBody>
       </p:sp>
     </p:spTree>
     <p:extLst>
       <p:ext uri="{BB962C8B-B14F-4D97-AF65-F5344CB8AC3E}">
-        <p14:creationId xmlns:p14="http://schemas.microsoft.com/office/powerpoint/2010/main" val="314226315"/>
+        <p14:creationId xmlns:p14="http://schemas.microsoft.com/office/powerpoint/2010/main" val="4045822828"/>
       </p:ext>
     </p:extLst>
   </p:cSld>
@@ -13777,45 +13731,154 @@
               <a:buNone/>
             </a:pPr>
             <a:r>
-              <a:rPr lang="en-US" dirty="0"/>
-              <a:t>And a LOT of others, for example </a:t>
-            </a:r>
-            <a:r>
-              <a:rPr lang="en-US" dirty="0">
+              <a:rPr lang="en-US"/>
+              <a:t>Content Delivery Network (CDN)</a:t>
+            </a:r>
+          </a:p>
+          <a:p>
+            <a:r>
+              <a:rPr lang="en-US"/>
+              <a:t>Caches files on edge locations</a:t>
+            </a:r>
+          </a:p>
+          <a:p>
+            <a:endParaRPr lang="en-US"/>
+          </a:p>
+          <a:p>
+            <a:endParaRPr lang="en-US"/>
+          </a:p>
+          <a:p>
+            <a:endParaRPr lang="en-US"/>
+          </a:p>
+          <a:p>
+            <a:endParaRPr lang="en-US"/>
+          </a:p>
+          <a:p>
+            <a:endParaRPr lang="en-US"/>
+          </a:p>
+          <a:p>
+            <a:pPr marL="0" indent="0">
+              <a:buNone/>
+            </a:pPr>
+            <a:r>
+              <a:rPr lang="en-US">
+                <a:solidFill>
+                  <a:schemeClr val="accent1"/>
+                </a:solidFill>
+              </a:rPr>
+              <a:t>Azure CDN </a:t>
+            </a:r>
+            <a:r>
+              <a:rPr lang="en-US"/>
+              <a:t>/ </a:t>
+            </a:r>
+            <a:r>
+              <a:rPr lang="en-US">
                 <a:solidFill>
                   <a:schemeClr val="accent2"/>
                 </a:solidFill>
               </a:rPr>
-              <a:t>AWS Ground Station</a:t>
-            </a:r>
-            <a:r>
-              <a:rPr lang="en-US" dirty="0"/>
-              <a:t> or </a:t>
-            </a:r>
-            <a:r>
-              <a:rPr lang="en-US" dirty="0">
+              <a:t>CloudFront</a:t>
+            </a:r>
+            <a:r>
+              <a:rPr lang="en-US"/>
+              <a:t> / </a:t>
+            </a:r>
+            <a:r>
+              <a:rPr lang="en-US">
                 <a:solidFill>
-                  <a:schemeClr val="accent1"/>
+                  <a:schemeClr val="accent5"/>
                 </a:solidFill>
               </a:rPr>
-              <a:t>Azure Orbital</a:t>
+              <a:t>Cloud CDN</a:t>
             </a:r>
           </a:p>
           <a:p>
             <a:pPr marL="0" indent="0">
               <a:buNone/>
             </a:pPr>
+            <a:endParaRPr lang="en-US"/>
+          </a:p>
+          <a:p>
             <a:endParaRPr lang="en-US" dirty="0"/>
           </a:p>
-          <a:p>
-            <a:endParaRPr lang="en-US" dirty="0"/>
+        </p:txBody>
+      </p:sp>
+      <p:pic>
+        <p:nvPicPr>
+          <p:cNvPr id="5" name="Picture 4" descr="Diagram&#10;&#10;Description automatically generated">
+            <a:extLst>
+              <a:ext uri="{FF2B5EF4-FFF2-40B4-BE49-F238E27FC236}">
+                <a16:creationId xmlns:a16="http://schemas.microsoft.com/office/drawing/2014/main" id="{8A6C75A5-8C06-4CDC-B51F-765D032601F4}"/>
+              </a:ext>
+            </a:extLst>
+          </p:cNvPr>
+          <p:cNvPicPr>
+            <a:picLocks noChangeAspect="1"/>
+          </p:cNvPicPr>
+          <p:nvPr/>
+        </p:nvPicPr>
+        <p:blipFill>
+          <a:blip r:embed="rId3">
+            <a:extLst>
+              <a:ext uri="{28A0092B-C50C-407E-A947-70E740481C1C}">
+                <a14:useLocalDpi xmlns:a14="http://schemas.microsoft.com/office/drawing/2010/main" val="0"/>
+              </a:ext>
+            </a:extLst>
+          </a:blip>
+          <a:stretch>
+            <a:fillRect/>
+          </a:stretch>
+        </p:blipFill>
+        <p:spPr>
+          <a:xfrm>
+            <a:off x="5734884" y="1674564"/>
+            <a:ext cx="6184668" cy="3508871"/>
+          </a:xfrm>
+          <a:prstGeom prst="rect">
+            <a:avLst/>
+          </a:prstGeom>
+        </p:spPr>
+      </p:pic>
+      <p:sp>
+        <p:nvSpPr>
+          <p:cNvPr id="6" name="TextBox 5">
+            <a:extLst>
+              <a:ext uri="{FF2B5EF4-FFF2-40B4-BE49-F238E27FC236}">
+                <a16:creationId xmlns:a16="http://schemas.microsoft.com/office/drawing/2014/main" id="{28CFEEB7-F99F-4F01-8964-5E004E8507E4}"/>
+              </a:ext>
+            </a:extLst>
+          </p:cNvPr>
+          <p:cNvSpPr txBox="1"/>
+          <p:nvPr/>
+        </p:nvSpPr>
+        <p:spPr>
+          <a:xfrm>
+            <a:off x="8870634" y="6311900"/>
+            <a:ext cx="3048918" cy="307777"/>
+          </a:xfrm>
+          <a:prstGeom prst="rect">
+            <a:avLst/>
+          </a:prstGeom>
+          <a:noFill/>
+        </p:spPr>
+        <p:txBody>
+          <a:bodyPr wrap="square">
+            <a:spAutoFit/>
+          </a:bodyPr>
+          <a:lstStyle/>
+          <a:p>
+            <a:r>
+              <a:rPr lang="en-US" sz="1400" dirty="0"/>
+              <a:t>Image Credit https://awsnewbies.com/</a:t>
+            </a:r>
           </a:p>
         </p:txBody>
       </p:sp>
     </p:spTree>
     <p:extLst>
       <p:ext uri="{BB962C8B-B14F-4D97-AF65-F5344CB8AC3E}">
-        <p14:creationId xmlns:p14="http://schemas.microsoft.com/office/powerpoint/2010/main" val="1040304386"/>
+        <p14:creationId xmlns:p14="http://schemas.microsoft.com/office/powerpoint/2010/main" val="314226315"/>
       </p:ext>
     </p:extLst>
   </p:cSld>
@@ -13870,74 +13933,72 @@
           </a:p>
         </p:txBody>
       </p:sp>
-      <p:pic>
-        <p:nvPicPr>
-          <p:cNvPr id="6" name="Content Placeholder 5">
-            <a:extLst>
-              <a:ext uri="{FF2B5EF4-FFF2-40B4-BE49-F238E27FC236}">
-                <a16:creationId xmlns:a16="http://schemas.microsoft.com/office/drawing/2014/main" id="{B3465D69-0D60-4312-A777-67A57A9CD157}"/>
-              </a:ext>
-            </a:extLst>
-          </p:cNvPr>
-          <p:cNvPicPr>
-            <a:picLocks noGrp="1" noChangeAspect="1"/>
-          </p:cNvPicPr>
+      <p:sp>
+        <p:nvSpPr>
+          <p:cNvPr id="3" name="Content Placeholder 2">
+            <a:extLst>
+              <a:ext uri="{FF2B5EF4-FFF2-40B4-BE49-F238E27FC236}">
+                <a16:creationId xmlns:a16="http://schemas.microsoft.com/office/drawing/2014/main" id="{5D8B3750-010F-46E9-8CFC-7C148BA0AACB}"/>
+              </a:ext>
+            </a:extLst>
+          </p:cNvPr>
+          <p:cNvSpPr>
+            <a:spLocks noGrp="1"/>
+          </p:cNvSpPr>
           <p:nvPr>
             <p:ph idx="1"/>
           </p:nvPr>
-        </p:nvPicPr>
-        <p:blipFill>
-          <a:blip r:embed="rId3"/>
-          <a:stretch>
-            <a:fillRect/>
-          </a:stretch>
-        </p:blipFill>
-        <p:spPr>
-          <a:xfrm>
-            <a:off x="1421176" y="1277957"/>
-            <a:ext cx="9456392" cy="5385878"/>
-          </a:xfrm>
-        </p:spPr>
-      </p:pic>
-      <p:sp>
-        <p:nvSpPr>
-          <p:cNvPr id="5" name="TextBox 4">
-            <a:extLst>
-              <a:ext uri="{FF2B5EF4-FFF2-40B4-BE49-F238E27FC236}">
-                <a16:creationId xmlns:a16="http://schemas.microsoft.com/office/drawing/2014/main" id="{11EE663F-F754-4AD1-91C1-A5F4550813D3}"/>
-              </a:ext>
-            </a:extLst>
-          </p:cNvPr>
-          <p:cNvSpPr txBox="1"/>
-          <p:nvPr/>
-        </p:nvSpPr>
-        <p:spPr>
-          <a:xfrm>
-            <a:off x="5347771" y="6492875"/>
-            <a:ext cx="6844229" cy="307777"/>
-          </a:xfrm>
-          <a:prstGeom prst="rect">
-            <a:avLst/>
-          </a:prstGeom>
-          <a:noFill/>
-        </p:spPr>
-        <p:txBody>
-          <a:bodyPr wrap="square">
-            <a:spAutoFit/>
+        </p:nvSpPr>
+        <p:spPr/>
+        <p:txBody>
+          <a:bodyPr>
+            <a:normAutofit/>
           </a:bodyPr>
           <a:lstStyle/>
           <a:p>
-            <a:r>
-              <a:rPr lang="en-US" sz="1400" dirty="0"/>
-              <a:t>Image credit: https://docs.aws.amazon.com/vpc/latest/userguide/example-vpc-share.html</a:t>
-            </a:r>
+            <a:pPr marL="0" indent="0">
+              <a:buNone/>
+            </a:pPr>
+            <a:r>
+              <a:rPr lang="en-US" dirty="0"/>
+              <a:t>And a LOT of others, for example </a:t>
+            </a:r>
+            <a:r>
+              <a:rPr lang="en-US" dirty="0">
+                <a:solidFill>
+                  <a:schemeClr val="accent2"/>
+                </a:solidFill>
+              </a:rPr>
+              <a:t>AWS Ground Station</a:t>
+            </a:r>
+            <a:r>
+              <a:rPr lang="en-US" dirty="0"/>
+              <a:t> or </a:t>
+            </a:r>
+            <a:r>
+              <a:rPr lang="en-US" dirty="0">
+                <a:solidFill>
+                  <a:schemeClr val="accent1"/>
+                </a:solidFill>
+              </a:rPr>
+              <a:t>Azure Orbital</a:t>
+            </a:r>
+          </a:p>
+          <a:p>
+            <a:pPr marL="0" indent="0">
+              <a:buNone/>
+            </a:pPr>
+            <a:endParaRPr lang="en-US" dirty="0"/>
+          </a:p>
+          <a:p>
+            <a:endParaRPr lang="en-US" dirty="0"/>
           </a:p>
         </p:txBody>
       </p:sp>
     </p:spTree>
     <p:extLst>
       <p:ext uri="{BB962C8B-B14F-4D97-AF65-F5344CB8AC3E}">
-        <p14:creationId xmlns:p14="http://schemas.microsoft.com/office/powerpoint/2010/main" val="2040908571"/>
+        <p14:creationId xmlns:p14="http://schemas.microsoft.com/office/powerpoint/2010/main" val="1040304386"/>
       </p:ext>
     </p:extLst>
   </p:cSld>
@@ -13994,6 +14055,128 @@
       </p:sp>
       <p:pic>
         <p:nvPicPr>
+          <p:cNvPr id="6" name="Content Placeholder 5">
+            <a:extLst>
+              <a:ext uri="{FF2B5EF4-FFF2-40B4-BE49-F238E27FC236}">
+                <a16:creationId xmlns:a16="http://schemas.microsoft.com/office/drawing/2014/main" id="{B3465D69-0D60-4312-A777-67A57A9CD157}"/>
+              </a:ext>
+            </a:extLst>
+          </p:cNvPr>
+          <p:cNvPicPr>
+            <a:picLocks noGrp="1" noChangeAspect="1"/>
+          </p:cNvPicPr>
+          <p:nvPr>
+            <p:ph idx="1"/>
+          </p:nvPr>
+        </p:nvPicPr>
+        <p:blipFill>
+          <a:blip r:embed="rId3"/>
+          <a:stretch>
+            <a:fillRect/>
+          </a:stretch>
+        </p:blipFill>
+        <p:spPr>
+          <a:xfrm>
+            <a:off x="1421176" y="1277957"/>
+            <a:ext cx="9456392" cy="5385878"/>
+          </a:xfrm>
+        </p:spPr>
+      </p:pic>
+      <p:sp>
+        <p:nvSpPr>
+          <p:cNvPr id="5" name="TextBox 4">
+            <a:extLst>
+              <a:ext uri="{FF2B5EF4-FFF2-40B4-BE49-F238E27FC236}">
+                <a16:creationId xmlns:a16="http://schemas.microsoft.com/office/drawing/2014/main" id="{11EE663F-F754-4AD1-91C1-A5F4550813D3}"/>
+              </a:ext>
+            </a:extLst>
+          </p:cNvPr>
+          <p:cNvSpPr txBox="1"/>
+          <p:nvPr/>
+        </p:nvSpPr>
+        <p:spPr>
+          <a:xfrm>
+            <a:off x="5347771" y="6492875"/>
+            <a:ext cx="6844229" cy="307777"/>
+          </a:xfrm>
+          <a:prstGeom prst="rect">
+            <a:avLst/>
+          </a:prstGeom>
+          <a:noFill/>
+        </p:spPr>
+        <p:txBody>
+          <a:bodyPr wrap="square">
+            <a:spAutoFit/>
+          </a:bodyPr>
+          <a:lstStyle/>
+          <a:p>
+            <a:r>
+              <a:rPr lang="en-US" sz="1400" dirty="0"/>
+              <a:t>Image credit: https://docs.aws.amazon.com/vpc/latest/userguide/example-vpc-share.html</a:t>
+            </a:r>
+          </a:p>
+        </p:txBody>
+      </p:sp>
+    </p:spTree>
+    <p:extLst>
+      <p:ext uri="{BB962C8B-B14F-4D97-AF65-F5344CB8AC3E}">
+        <p14:creationId xmlns:p14="http://schemas.microsoft.com/office/powerpoint/2010/main" val="2040908571"/>
+      </p:ext>
+    </p:extLst>
+  </p:cSld>
+  <p:clrMapOvr>
+    <a:masterClrMapping/>
+  </p:clrMapOvr>
+</p:sld>
+</file>
+
+<file path=ppt/slides/slide43.xml><?xml version="1.0" encoding="utf-8"?>
+<p:sld xmlns:a="http://schemas.openxmlformats.org/drawingml/2006/main" xmlns:r="http://schemas.openxmlformats.org/officeDocument/2006/relationships" xmlns:p="http://schemas.openxmlformats.org/presentationml/2006/main">
+  <p:cSld>
+    <p:spTree>
+      <p:nvGrpSpPr>
+        <p:cNvPr id="1" name=""/>
+        <p:cNvGrpSpPr/>
+        <p:nvPr/>
+      </p:nvGrpSpPr>
+      <p:grpSpPr>
+        <a:xfrm>
+          <a:off x="0" y="0"/>
+          <a:ext cx="0" cy="0"/>
+          <a:chOff x="0" y="0"/>
+          <a:chExt cx="0" cy="0"/>
+        </a:xfrm>
+      </p:grpSpPr>
+      <p:sp>
+        <p:nvSpPr>
+          <p:cNvPr id="2" name="Title 1">
+            <a:extLst>
+              <a:ext uri="{FF2B5EF4-FFF2-40B4-BE49-F238E27FC236}">
+                <a16:creationId xmlns:a16="http://schemas.microsoft.com/office/drawing/2014/main" id="{E04131E7-91ED-4C32-9ADB-EADE1AE84D6C}"/>
+              </a:ext>
+            </a:extLst>
+          </p:cNvPr>
+          <p:cNvSpPr>
+            <a:spLocks noGrp="1"/>
+          </p:cNvSpPr>
+          <p:nvPr>
+            <p:ph type="title"/>
+          </p:nvPr>
+        </p:nvSpPr>
+        <p:spPr/>
+        <p:txBody>
+          <a:bodyPr/>
+          <a:lstStyle/>
+          <a:p>
+            <a:r>
+              <a:rPr lang="en-US" dirty="0"/>
+              <a:t>Network</a:t>
+            </a:r>
+          </a:p>
+        </p:txBody>
+      </p:sp>
+      <p:pic>
+        <p:nvPicPr>
           <p:cNvPr id="2050" name="Picture 2" descr="0">
             <a:extLst>
               <a:ext uri="{FF2B5EF4-FFF2-40B4-BE49-F238E27FC236}">
@@ -14089,165 +14272,6 @@
 </p:sld>
 </file>
 
-<file path=ppt/slides/slide43.xml><?xml version="1.0" encoding="utf-8"?>
-<p:sld xmlns:a="http://schemas.openxmlformats.org/drawingml/2006/main" xmlns:r="http://schemas.openxmlformats.org/officeDocument/2006/relationships" xmlns:p="http://schemas.openxmlformats.org/presentationml/2006/main">
-  <p:cSld>
-    <p:spTree>
-      <p:nvGrpSpPr>
-        <p:cNvPr id="1" name=""/>
-        <p:cNvGrpSpPr/>
-        <p:nvPr/>
-      </p:nvGrpSpPr>
-      <p:grpSpPr>
-        <a:xfrm>
-          <a:off x="0" y="0"/>
-          <a:ext cx="0" cy="0"/>
-          <a:chOff x="0" y="0"/>
-          <a:chExt cx="0" cy="0"/>
-        </a:xfrm>
-      </p:grpSpPr>
-      <p:sp>
-        <p:nvSpPr>
-          <p:cNvPr id="2" name="Title 1">
-            <a:extLst>
-              <a:ext uri="{FF2B5EF4-FFF2-40B4-BE49-F238E27FC236}">
-                <a16:creationId xmlns:a16="http://schemas.microsoft.com/office/drawing/2014/main" id="{E04131E7-91ED-4C32-9ADB-EADE1AE84D6C}"/>
-              </a:ext>
-            </a:extLst>
-          </p:cNvPr>
-          <p:cNvSpPr>
-            <a:spLocks noGrp="1"/>
-          </p:cNvSpPr>
-          <p:nvPr>
-            <p:ph type="title"/>
-          </p:nvPr>
-        </p:nvSpPr>
-        <p:spPr/>
-        <p:txBody>
-          <a:bodyPr/>
-          <a:lstStyle/>
-          <a:p>
-            <a:r>
-              <a:rPr lang="en-US" dirty="0"/>
-              <a:t>Network Summary</a:t>
-            </a:r>
-          </a:p>
-        </p:txBody>
-      </p:sp>
-      <p:sp>
-        <p:nvSpPr>
-          <p:cNvPr id="3" name="Content Placeholder 2">
-            <a:extLst>
-              <a:ext uri="{FF2B5EF4-FFF2-40B4-BE49-F238E27FC236}">
-                <a16:creationId xmlns:a16="http://schemas.microsoft.com/office/drawing/2014/main" id="{5D8B3750-010F-46E9-8CFC-7C148BA0AACB}"/>
-              </a:ext>
-            </a:extLst>
-          </p:cNvPr>
-          <p:cNvSpPr>
-            <a:spLocks noGrp="1"/>
-          </p:cNvSpPr>
-          <p:nvPr>
-            <p:ph idx="1"/>
-          </p:nvPr>
-        </p:nvSpPr>
-        <p:spPr/>
-        <p:txBody>
-          <a:bodyPr>
-            <a:normAutofit/>
-          </a:bodyPr>
-          <a:lstStyle/>
-          <a:p>
-            <a:r>
-              <a:rPr lang="en-US" dirty="0"/>
-              <a:t>Networking services solve your </a:t>
-            </a:r>
-            <a:r>
-              <a:rPr lang="en-US" b="1" dirty="0"/>
-              <a:t>connectivity</a:t>
-            </a:r>
-            <a:r>
-              <a:rPr lang="en-US" dirty="0"/>
-              <a:t> and </a:t>
-            </a:r>
-            <a:r>
-              <a:rPr lang="en-US" b="1" dirty="0"/>
-              <a:t>isolation</a:t>
-            </a:r>
-            <a:r>
-              <a:rPr lang="en-US" dirty="0"/>
-              <a:t> problems</a:t>
-            </a:r>
-          </a:p>
-          <a:p>
-            <a:r>
-              <a:rPr lang="en-US" dirty="0"/>
-              <a:t>Virtual Networks</a:t>
-            </a:r>
-          </a:p>
-          <a:p>
-            <a:pPr lvl="1"/>
-            <a:r>
-              <a:rPr lang="en-US" dirty="0"/>
-              <a:t>CIDR notation for address space</a:t>
-            </a:r>
-          </a:p>
-          <a:p>
-            <a:pPr lvl="1"/>
-            <a:r>
-              <a:rPr lang="en-US" dirty="0"/>
-              <a:t>Split on subnets</a:t>
-            </a:r>
-          </a:p>
-          <a:p>
-            <a:pPr lvl="1"/>
-            <a:r>
-              <a:rPr lang="en-US" dirty="0"/>
-              <a:t>NAT</a:t>
-            </a:r>
-          </a:p>
-          <a:p>
-            <a:pPr lvl="1"/>
-            <a:r>
-              <a:rPr lang="en-US" dirty="0"/>
-              <a:t>security rules/groups</a:t>
-            </a:r>
-          </a:p>
-          <a:p>
-            <a:r>
-              <a:rPr lang="en-US" dirty="0"/>
-              <a:t>Load Balancer</a:t>
-            </a:r>
-          </a:p>
-          <a:p>
-            <a:r>
-              <a:rPr lang="en-US" dirty="0"/>
-              <a:t>DNS</a:t>
-            </a:r>
-          </a:p>
-          <a:p>
-            <a:r>
-              <a:rPr lang="en-US" dirty="0"/>
-              <a:t>CDN</a:t>
-            </a:r>
-          </a:p>
-          <a:p>
-            <a:endParaRPr lang="en-US" dirty="0"/>
-          </a:p>
-        </p:txBody>
-      </p:sp>
-    </p:spTree>
-    <p:extLst>
-      <p:ext uri="{BB962C8B-B14F-4D97-AF65-F5344CB8AC3E}">
-        <p14:creationId xmlns:p14="http://schemas.microsoft.com/office/powerpoint/2010/main" val="341048238"/>
-      </p:ext>
-    </p:extLst>
-  </p:cSld>
-  <p:clrMapOvr>
-    <a:masterClrMapping/>
-  </p:clrMapOvr>
-</p:sld>
-</file>
-
 <file path=ppt/slides/slide44.xml><?xml version="1.0" encoding="utf-8"?>
 <p:sld xmlns:a="http://schemas.openxmlformats.org/drawingml/2006/main" xmlns:r="http://schemas.openxmlformats.org/officeDocument/2006/relationships" xmlns:p="http://schemas.openxmlformats.org/presentationml/2006/main">
   <p:cSld>
@@ -14270,7 +14294,7 @@
           <p:cNvPr id="2" name="Title 1">
             <a:extLst>
               <a:ext uri="{FF2B5EF4-FFF2-40B4-BE49-F238E27FC236}">
-                <a16:creationId xmlns:a16="http://schemas.microsoft.com/office/drawing/2014/main" id="{9439765E-D021-4F83-B075-735F05281BF5}"/>
+                <a16:creationId xmlns:a16="http://schemas.microsoft.com/office/drawing/2014/main" id="{E04131E7-91ED-4C32-9ADB-EADE1AE84D6C}"/>
               </a:ext>
             </a:extLst>
           </p:cNvPr>
@@ -14288,7 +14312,7 @@
           <a:p>
             <a:r>
               <a:rPr lang="en-US" dirty="0"/>
-              <a:t>Databases</a:t>
+              <a:t>Network Summary</a:t>
             </a:r>
           </a:p>
         </p:txBody>
@@ -14298,7 +14322,7 @@
           <p:cNvPr id="3" name="Content Placeholder 2">
             <a:extLst>
               <a:ext uri="{FF2B5EF4-FFF2-40B4-BE49-F238E27FC236}">
-                <a16:creationId xmlns:a16="http://schemas.microsoft.com/office/drawing/2014/main" id="{90B61D1A-C399-44DB-9D94-6ED2D23B3306}"/>
+                <a16:creationId xmlns:a16="http://schemas.microsoft.com/office/drawing/2014/main" id="{5D8B3750-010F-46E9-8CFC-7C148BA0AACB}"/>
               </a:ext>
             </a:extLst>
           </p:cNvPr>
@@ -14316,32 +14340,88 @@
           </a:bodyPr>
           <a:lstStyle/>
           <a:p>
-            <a:pPr marL="0" indent="0">
-              <a:buNone/>
-            </a:pPr>
-            <a:r>
-              <a:rPr lang="en-US" dirty="0"/>
-              <a:t>Cloud Database is …</a:t>
-            </a:r>
-          </a:p>
-          <a:p>
-            <a:r>
-              <a:rPr lang="en-US" dirty="0"/>
-              <a:t>Place where you store and query data</a:t>
-            </a:r>
-          </a:p>
-          <a:p>
-            <a:r>
-              <a:rPr lang="en-US" dirty="0"/>
-              <a:t>Managed by cloud provider</a:t>
-            </a:r>
+            <a:r>
+              <a:rPr lang="en-US" dirty="0"/>
+              <a:t>Networking services solve your </a:t>
+            </a:r>
+            <a:r>
+              <a:rPr lang="en-US" b="1" dirty="0"/>
+              <a:t>connectivity</a:t>
+            </a:r>
+            <a:r>
+              <a:rPr lang="en-US" dirty="0"/>
+              <a:t> and </a:t>
+            </a:r>
+            <a:r>
+              <a:rPr lang="en-US" b="1" dirty="0"/>
+              <a:t>isolation</a:t>
+            </a:r>
+            <a:r>
+              <a:rPr lang="en-US" dirty="0"/>
+              <a:t> problems</a:t>
+            </a:r>
+          </a:p>
+          <a:p>
+            <a:r>
+              <a:rPr lang="en-US" dirty="0"/>
+              <a:t>Virtual Networks</a:t>
+            </a:r>
+          </a:p>
+          <a:p>
+            <a:pPr lvl="1"/>
+            <a:r>
+              <a:rPr lang="en-US" dirty="0"/>
+              <a:t>CIDR notation for address space</a:t>
+            </a:r>
+          </a:p>
+          <a:p>
+            <a:pPr lvl="1"/>
+            <a:r>
+              <a:rPr lang="en-US" dirty="0"/>
+              <a:t>Split on subnets</a:t>
+            </a:r>
+          </a:p>
+          <a:p>
+            <a:pPr lvl="1"/>
+            <a:r>
+              <a:rPr lang="en-US" dirty="0"/>
+              <a:t>NAT</a:t>
+            </a:r>
+          </a:p>
+          <a:p>
+            <a:pPr lvl="1"/>
+            <a:r>
+              <a:rPr lang="en-US" dirty="0"/>
+              <a:t>security rules/groups</a:t>
+            </a:r>
+          </a:p>
+          <a:p>
+            <a:r>
+              <a:rPr lang="en-US" dirty="0"/>
+              <a:t>Load Balancer</a:t>
+            </a:r>
+          </a:p>
+          <a:p>
+            <a:r>
+              <a:rPr lang="en-US" dirty="0"/>
+              <a:t>DNS</a:t>
+            </a:r>
+          </a:p>
+          <a:p>
+            <a:r>
+              <a:rPr lang="en-US" dirty="0"/>
+              <a:t>CDN</a:t>
+            </a:r>
+          </a:p>
+          <a:p>
+            <a:endParaRPr lang="en-US" dirty="0"/>
           </a:p>
         </p:txBody>
       </p:sp>
     </p:spTree>
     <p:extLst>
       <p:ext uri="{BB962C8B-B14F-4D97-AF65-F5344CB8AC3E}">
-        <p14:creationId xmlns:p14="http://schemas.microsoft.com/office/powerpoint/2010/main" val="1573819783"/>
+        <p14:creationId xmlns:p14="http://schemas.microsoft.com/office/powerpoint/2010/main" val="341048238"/>
       </p:ext>
     </p:extLst>
   </p:cSld>
@@ -14424,138 +14504,27 @@
             </a:pPr>
             <a:r>
               <a:rPr lang="en-US" dirty="0"/>
-              <a:t>Cloud providers </a:t>
-            </a:r>
-          </a:p>
-          <a:p>
-            <a:r>
-              <a:rPr lang="en-US" dirty="0"/>
-              <a:t>might propose a custom database (</a:t>
-            </a:r>
-            <a:r>
-              <a:rPr lang="en-US" dirty="0" err="1">
-                <a:solidFill>
-                  <a:schemeClr val="accent1"/>
-                </a:solidFill>
-              </a:rPr>
-              <a:t>CosmosDB</a:t>
-            </a:r>
-            <a:r>
-              <a:rPr lang="en-US" dirty="0"/>
-              <a:t>, </a:t>
-            </a:r>
-            <a:r>
-              <a:rPr lang="en-US" dirty="0">
-                <a:solidFill>
-                  <a:schemeClr val="accent2"/>
-                </a:solidFill>
-              </a:rPr>
-              <a:t>Aurora</a:t>
-            </a:r>
-            <a:r>
-              <a:rPr lang="en-US" dirty="0"/>
-              <a:t>, </a:t>
-            </a:r>
-            <a:r>
-              <a:rPr lang="en-US" dirty="0">
-                <a:solidFill>
-                  <a:schemeClr val="accent2"/>
-                </a:solidFill>
-              </a:rPr>
-              <a:t>DynamoDB</a:t>
-            </a:r>
-            <a:r>
-              <a:rPr lang="en-US" dirty="0"/>
-              <a:t>, </a:t>
-            </a:r>
-            <a:r>
-              <a:rPr lang="en-US" dirty="0" err="1">
-                <a:solidFill>
-                  <a:schemeClr val="accent5"/>
-                </a:solidFill>
-              </a:rPr>
-              <a:t>BigTable</a:t>
-            </a:r>
-            <a:r>
-              <a:rPr lang="en-US" dirty="0"/>
-              <a:t>, </a:t>
-            </a:r>
-            <a:r>
-              <a:rPr lang="en-US" dirty="0">
-                <a:solidFill>
-                  <a:schemeClr val="accent5"/>
-                </a:solidFill>
-              </a:rPr>
-              <a:t>Spanner</a:t>
-            </a:r>
-            <a:r>
-              <a:rPr lang="en-US" dirty="0"/>
-              <a:t>)</a:t>
-            </a:r>
-          </a:p>
-          <a:p>
-            <a:r>
-              <a:rPr lang="en-US" dirty="0"/>
-              <a:t>have product, which is compatible with popular solutions: </a:t>
-            </a:r>
-            <a:r>
-              <a:rPr lang="en-US" dirty="0" err="1"/>
-              <a:t>psql</a:t>
-            </a:r>
-            <a:r>
-              <a:rPr lang="en-US" dirty="0"/>
-              <a:t>, </a:t>
-            </a:r>
-            <a:r>
-              <a:rPr lang="en-US" dirty="0" err="1"/>
-              <a:t>mysql</a:t>
-            </a:r>
-            <a:r>
-              <a:rPr lang="en-US" dirty="0"/>
-              <a:t>, mongo, </a:t>
-            </a:r>
-            <a:r>
-              <a:rPr lang="en-US" dirty="0" err="1"/>
-              <a:t>cassandra</a:t>
-            </a:r>
-            <a:r>
-              <a:rPr lang="en-US" dirty="0"/>
-              <a:t>, </a:t>
-            </a:r>
-            <a:r>
-              <a:rPr lang="en-US" dirty="0" err="1"/>
-              <a:t>redis</a:t>
-            </a:r>
-            <a:r>
-              <a:rPr lang="en-US" dirty="0"/>
-              <a:t>, </a:t>
-            </a:r>
-            <a:r>
-              <a:rPr lang="en-US" dirty="0" err="1"/>
-              <a:t>etc</a:t>
-            </a:r>
-            <a:endParaRPr lang="en-US" dirty="0"/>
-          </a:p>
-          <a:p>
-            <a:pPr lvl="1"/>
-            <a:r>
-              <a:rPr lang="en-US" b="1" dirty="0"/>
-              <a:t>Compatible does not mean actual product behind</a:t>
-            </a:r>
-            <a:r>
-              <a:rPr lang="en-US" dirty="0"/>
-              <a:t>. Thus, read the docs</a:t>
-            </a:r>
-          </a:p>
-          <a:p>
-            <a:endParaRPr lang="en-US" dirty="0"/>
+              <a:t>Cloud Database is …</a:t>
+            </a:r>
+          </a:p>
+          <a:p>
+            <a:r>
+              <a:rPr lang="en-US" dirty="0"/>
+              <a:t>Place where you store and query data</a:t>
+            </a:r>
+          </a:p>
+          <a:p>
+            <a:r>
+              <a:rPr lang="en-US" dirty="0"/>
+              <a:t>Managed by cloud provider</a:t>
+            </a:r>
           </a:p>
         </p:txBody>
       </p:sp>
     </p:spTree>
     <p:extLst>
       <p:ext uri="{BB962C8B-B14F-4D97-AF65-F5344CB8AC3E}">
-        <p14:creationId xmlns:p14="http://schemas.microsoft.com/office/powerpoint/2010/main" val="1026891583"/>
+        <p14:creationId xmlns:p14="http://schemas.microsoft.com/office/powerpoint/2010/main" val="1573819783"/>
       </p:ext>
     </p:extLst>
   </p:cSld>
@@ -14628,7 +14597,9 @@
         </p:nvSpPr>
         <p:spPr/>
         <p:txBody>
-          <a:bodyPr/>
+          <a:bodyPr>
+            <a:normAutofit/>
+          </a:bodyPr>
           <a:lstStyle/>
           <a:p>
             <a:pPr marL="0" indent="0">
@@ -14636,33 +14607,138 @@
             </a:pPr>
             <a:r>
               <a:rPr lang="en-US" dirty="0"/>
-              <a:t>Cloud Database groups</a:t>
-            </a:r>
-          </a:p>
-          <a:p>
-            <a:r>
-              <a:rPr lang="en-US" dirty="0"/>
-              <a:t>Relational</a:t>
-            </a:r>
-          </a:p>
-          <a:p>
-            <a:r>
-              <a:rPr lang="en-US" dirty="0"/>
-              <a:t>Non-relational</a:t>
-            </a:r>
-          </a:p>
-          <a:p>
-            <a:r>
-              <a:rPr lang="en-US" dirty="0"/>
-              <a:t>In-memory</a:t>
-            </a:r>
+              <a:t>Cloud providers </a:t>
+            </a:r>
+          </a:p>
+          <a:p>
+            <a:r>
+              <a:rPr lang="en-US" dirty="0"/>
+              <a:t>might propose a custom database (</a:t>
+            </a:r>
+            <a:r>
+              <a:rPr lang="en-US" dirty="0" err="1">
+                <a:solidFill>
+                  <a:schemeClr val="accent1"/>
+                </a:solidFill>
+              </a:rPr>
+              <a:t>CosmosDB</a:t>
+            </a:r>
+            <a:r>
+              <a:rPr lang="en-US" dirty="0"/>
+              <a:t>, </a:t>
+            </a:r>
+            <a:r>
+              <a:rPr lang="en-US" dirty="0">
+                <a:solidFill>
+                  <a:schemeClr val="accent2"/>
+                </a:solidFill>
+              </a:rPr>
+              <a:t>Aurora</a:t>
+            </a:r>
+            <a:r>
+              <a:rPr lang="en-US" dirty="0"/>
+              <a:t>, </a:t>
+            </a:r>
+            <a:r>
+              <a:rPr lang="en-US" dirty="0">
+                <a:solidFill>
+                  <a:schemeClr val="accent2"/>
+                </a:solidFill>
+              </a:rPr>
+              <a:t>DynamoDB</a:t>
+            </a:r>
+            <a:r>
+              <a:rPr lang="en-US" dirty="0"/>
+              <a:t>, </a:t>
+            </a:r>
+            <a:r>
+              <a:rPr lang="en-US" dirty="0" err="1">
+                <a:solidFill>
+                  <a:schemeClr val="accent5"/>
+                </a:solidFill>
+              </a:rPr>
+              <a:t>BigTable</a:t>
+            </a:r>
+            <a:r>
+              <a:rPr lang="en-US" dirty="0"/>
+              <a:t>, </a:t>
+            </a:r>
+            <a:r>
+              <a:rPr lang="en-US" dirty="0">
+                <a:solidFill>
+                  <a:schemeClr val="accent5"/>
+                </a:solidFill>
+              </a:rPr>
+              <a:t>Spanner</a:t>
+            </a:r>
+            <a:r>
+              <a:rPr lang="en-US" dirty="0"/>
+              <a:t>)</a:t>
+            </a:r>
+          </a:p>
+          <a:p>
+            <a:r>
+              <a:rPr lang="en-US" dirty="0"/>
+              <a:t>have product, which is compatible with popular solutions: </a:t>
+            </a:r>
+            <a:r>
+              <a:rPr lang="en-US" dirty="0" err="1"/>
+              <a:t>psql</a:t>
+            </a:r>
+            <a:r>
+              <a:rPr lang="en-US" dirty="0"/>
+              <a:t>, </a:t>
+            </a:r>
+            <a:r>
+              <a:rPr lang="en-US" dirty="0" err="1"/>
+              <a:t>mysql</a:t>
+            </a:r>
+            <a:r>
+              <a:rPr lang="en-US" dirty="0"/>
+              <a:t>, mongo, </a:t>
+            </a:r>
+            <a:r>
+              <a:rPr lang="en-US" dirty="0" err="1"/>
+              <a:t>cassandra</a:t>
+            </a:r>
+            <a:r>
+              <a:rPr lang="en-US" dirty="0"/>
+              <a:t>, </a:t>
+            </a:r>
+            <a:r>
+              <a:rPr lang="en-US" dirty="0" err="1"/>
+              <a:t>redis</a:t>
+            </a:r>
+            <a:r>
+              <a:rPr lang="en-US" dirty="0"/>
+              <a:t>, </a:t>
+            </a:r>
+            <a:r>
+              <a:rPr lang="en-US" dirty="0" err="1"/>
+              <a:t>etc</a:t>
+            </a:r>
+            <a:endParaRPr lang="en-US" dirty="0"/>
+          </a:p>
+          <a:p>
+            <a:pPr lvl="1"/>
+            <a:r>
+              <a:rPr lang="en-US" b="1" dirty="0"/>
+              <a:t>Compatible does not mean actual product behind</a:t>
+            </a:r>
+            <a:r>
+              <a:rPr lang="en-US" dirty="0"/>
+              <a:t>. Thus, read the docs</a:t>
+            </a:r>
+          </a:p>
+          <a:p>
+            <a:endParaRPr lang="en-US" dirty="0"/>
           </a:p>
         </p:txBody>
       </p:sp>
     </p:spTree>
     <p:extLst>
       <p:ext uri="{BB962C8B-B14F-4D97-AF65-F5344CB8AC3E}">
-        <p14:creationId xmlns:p14="http://schemas.microsoft.com/office/powerpoint/2010/main" val="474537291"/>
+        <p14:creationId xmlns:p14="http://schemas.microsoft.com/office/powerpoint/2010/main" val="1026891583"/>
       </p:ext>
     </p:extLst>
   </p:cSld>
@@ -14733,12 +14809,7 @@
             <p:ph idx="1"/>
           </p:nvPr>
         </p:nvSpPr>
-        <p:spPr>
-          <a:xfrm>
-            <a:off x="838199" y="1825625"/>
-            <a:ext cx="10631905" cy="4351338"/>
-          </a:xfrm>
-        </p:spPr>
+        <p:spPr/>
         <p:txBody>
           <a:bodyPr/>
           <a:lstStyle/>
@@ -14748,170 +14819,33 @@
             </a:pPr>
             <a:r>
               <a:rPr lang="en-US" dirty="0"/>
-              <a:t>Relational DBs in cloud</a:t>
-            </a:r>
-          </a:p>
-          <a:p>
-            <a:r>
-              <a:rPr lang="en-US" dirty="0"/>
-              <a:t>Azure:</a:t>
-            </a:r>
-          </a:p>
-          <a:p>
-            <a:pPr lvl="1"/>
-            <a:r>
-              <a:rPr lang="en-US" sz="2000" dirty="0"/>
-              <a:t> </a:t>
-            </a:r>
-            <a:r>
-              <a:rPr lang="en-US" sz="2000" dirty="0">
-                <a:solidFill>
-                  <a:schemeClr val="accent1"/>
-                </a:solidFill>
-              </a:rPr>
-              <a:t>Azure SQL</a:t>
-            </a:r>
-            <a:r>
-              <a:rPr lang="en-US" sz="2000" dirty="0"/>
-              <a:t> (MS SQL)</a:t>
-            </a:r>
-          </a:p>
-          <a:p>
-            <a:pPr lvl="1"/>
-            <a:r>
-              <a:rPr lang="en-US" sz="2000" dirty="0"/>
-              <a:t> </a:t>
-            </a:r>
-            <a:r>
-              <a:rPr lang="en-US" sz="2000" dirty="0">
-                <a:solidFill>
-                  <a:schemeClr val="accent1"/>
-                </a:solidFill>
-              </a:rPr>
-              <a:t>Azure Database for MariaDB/MySQL/PostgreSQL</a:t>
-            </a:r>
-          </a:p>
-          <a:p>
-            <a:r>
-              <a:rPr lang="en-US" dirty="0"/>
-              <a:t>AWS:</a:t>
-            </a:r>
-          </a:p>
-          <a:p>
-            <a:pPr lvl="1"/>
-            <a:r>
-              <a:rPr lang="en-US" sz="2000" dirty="0"/>
-              <a:t> </a:t>
-            </a:r>
-            <a:r>
-              <a:rPr lang="en-US" sz="2000" dirty="0">
-                <a:solidFill>
-                  <a:schemeClr val="accent2"/>
-                </a:solidFill>
-              </a:rPr>
-              <a:t>Aurora</a:t>
-            </a:r>
-          </a:p>
-          <a:p>
-            <a:pPr lvl="1"/>
-            <a:r>
-              <a:rPr lang="en-US" sz="2000" dirty="0"/>
-              <a:t> </a:t>
-            </a:r>
-            <a:r>
-              <a:rPr lang="en-US" sz="2000" dirty="0">
-                <a:solidFill>
-                  <a:schemeClr val="accent2"/>
-                </a:solidFill>
-              </a:rPr>
-              <a:t>Relational Database Service [RDS]</a:t>
-            </a:r>
-            <a:r>
-              <a:rPr lang="en-US" sz="2000" dirty="0"/>
-              <a:t> (Aurora, </a:t>
-            </a:r>
-            <a:r>
-              <a:rPr lang="en-US" sz="2000" dirty="0" err="1"/>
-              <a:t>psql</a:t>
-            </a:r>
-            <a:r>
-              <a:rPr lang="en-US" sz="2000" dirty="0"/>
-              <a:t>, </a:t>
-            </a:r>
-            <a:r>
-              <a:rPr lang="en-US" sz="2000" dirty="0" err="1"/>
-              <a:t>mysql</a:t>
-            </a:r>
-            <a:r>
-              <a:rPr lang="en-US" sz="2000" dirty="0"/>
-              <a:t>, </a:t>
-            </a:r>
-            <a:r>
-              <a:rPr lang="en-US" sz="2000" dirty="0" err="1"/>
-              <a:t>mariadb</a:t>
-            </a:r>
-            <a:r>
-              <a:rPr lang="en-US" sz="2000" dirty="0"/>
-              <a:t>, oracle, </a:t>
-            </a:r>
-            <a:r>
-              <a:rPr lang="en-US" sz="2000" dirty="0" err="1"/>
-              <a:t>mssql</a:t>
-            </a:r>
-            <a:r>
-              <a:rPr lang="en-US" sz="2000" dirty="0"/>
-              <a:t>)</a:t>
-            </a:r>
-          </a:p>
-          <a:p>
-            <a:r>
-              <a:rPr lang="en-US" dirty="0"/>
-              <a:t>GCP:</a:t>
-            </a:r>
-            <a:endParaRPr lang="en-US" sz="2000" dirty="0"/>
-          </a:p>
-          <a:p>
-            <a:pPr lvl="1"/>
-            <a:r>
-              <a:rPr lang="en-US" sz="2000" dirty="0"/>
-              <a:t> </a:t>
-            </a:r>
-            <a:r>
-              <a:rPr lang="en-US" sz="2000" dirty="0">
-                <a:solidFill>
-                  <a:schemeClr val="accent5"/>
-                </a:solidFill>
-              </a:rPr>
-              <a:t>Cloud Spanner</a:t>
-            </a:r>
-            <a:endParaRPr lang="en-US" sz="2000" dirty="0"/>
-          </a:p>
-          <a:p>
-            <a:pPr lvl="1"/>
-            <a:r>
-              <a:rPr lang="en-US" sz="2000" dirty="0"/>
-              <a:t> </a:t>
-            </a:r>
-            <a:r>
-              <a:rPr lang="en-US" sz="2000" dirty="0">
-                <a:solidFill>
-                  <a:schemeClr val="accent5"/>
-                </a:solidFill>
-              </a:rPr>
-              <a:t>Cloud SQL</a:t>
-            </a:r>
-            <a:r>
-              <a:rPr lang="en-US" sz="2000" dirty="0"/>
-              <a:t> (MySQL, PostgreSQL, and SQL Server)</a:t>
-            </a:r>
-            <a:endParaRPr lang="en-US" dirty="0"/>
+              <a:t>Cloud Database groups</a:t>
+            </a:r>
+          </a:p>
+          <a:p>
+            <a:r>
+              <a:rPr lang="en-US" dirty="0"/>
+              <a:t>Relational</a:t>
+            </a:r>
+          </a:p>
+          <a:p>
+            <a:r>
+              <a:rPr lang="en-US" dirty="0"/>
+              <a:t>Non-relational</a:t>
+            </a:r>
+          </a:p>
+          <a:p>
+            <a:r>
+              <a:rPr lang="en-US" dirty="0"/>
+              <a:t>In-memory</a:t>
+            </a:r>
           </a:p>
         </p:txBody>
       </p:sp>
     </p:spTree>
     <p:extLst>
       <p:ext uri="{BB962C8B-B14F-4D97-AF65-F5344CB8AC3E}">
-        <p14:creationId xmlns:p14="http://schemas.microsoft.com/office/powerpoint/2010/main" val="2661176308"/>
+        <p14:creationId xmlns:p14="http://schemas.microsoft.com/office/powerpoint/2010/main" val="474537291"/>
       </p:ext>
     </p:extLst>
   </p:cSld>
@@ -14997,48 +14931,13 @@
             </a:pPr>
             <a:r>
               <a:rPr lang="en-US" dirty="0"/>
-              <a:t>Non-relational DBs in cloud</a:t>
+              <a:t>Relational DBs in cloud</a:t>
             </a:r>
           </a:p>
           <a:p>
             <a:r>
               <a:rPr lang="en-US" dirty="0"/>
               <a:t>Azure:</a:t>
-            </a:r>
-          </a:p>
-          <a:p>
-            <a:pPr lvl="1"/>
-            <a:r>
-              <a:rPr lang="en-US" sz="2000" dirty="0"/>
-              <a:t> </a:t>
-            </a:r>
-            <a:r>
-              <a:rPr lang="en-US" sz="2000" dirty="0" err="1">
-                <a:solidFill>
-                  <a:schemeClr val="accent1"/>
-                </a:solidFill>
-              </a:rPr>
-              <a:t>CosmosDB</a:t>
-            </a:r>
-            <a:r>
-              <a:rPr lang="en-US" sz="2000" dirty="0"/>
-              <a:t> (with different APIs: mongo, </a:t>
-            </a:r>
-            <a:r>
-              <a:rPr lang="en-US" sz="2000" dirty="0" err="1"/>
-              <a:t>cassandra</a:t>
-            </a:r>
-            <a:r>
-              <a:rPr lang="en-US" sz="2000" dirty="0"/>
-              <a:t>, </a:t>
-            </a:r>
-            <a:r>
-              <a:rPr lang="en-US" sz="2000" dirty="0" err="1"/>
-              <a:t>sql</a:t>
-            </a:r>
-            <a:r>
-              <a:rPr lang="en-US" sz="2000" dirty="0"/>
-              <a:t>, gremlin)</a:t>
             </a:r>
           </a:p>
           <a:p>
@@ -15053,7 +14952,26 @@
                   <a:schemeClr val="accent1"/>
                 </a:solidFill>
               </a:rPr>
-              <a:t>Storage Account Table</a:t>
+              <a:t>Azure SQL</a:t>
+            </a:r>
+            <a:r>
+              <a:rPr lang="en-US" sz="2000" dirty="0"/>
+              <a:t> (MS SQL)</a:t>
+            </a:r>
+          </a:p>
+          <a:p>
+            <a:pPr lvl="1"/>
+            <a:r>
+              <a:rPr lang="en-US" sz="2000" dirty="0"/>
+              <a:t> </a:t>
+            </a:r>
+            <a:r>
+              <a:rPr lang="en-US" sz="2000" dirty="0">
+                <a:solidFill>
+                  <a:schemeClr val="accent1"/>
+                </a:solidFill>
+              </a:rPr>
+              <a:t>Azure Database for MariaDB/MySQL/PostgreSQL</a:t>
             </a:r>
           </a:p>
           <a:p>
@@ -15074,7 +14992,7 @@
                   <a:schemeClr val="accent2"/>
                 </a:solidFill>
               </a:rPr>
-              <a:t>DynamoDB</a:t>
+              <a:t>Aurora</a:t>
             </a:r>
           </a:p>
           <a:p>
@@ -15082,38 +15000,6 @@
             <a:r>
               <a:rPr lang="en-US" sz="2000" dirty="0"/>
               <a:t> </a:t>
-            </a:r>
-            <a:r>
-              <a:rPr lang="en-US" sz="2000" dirty="0" err="1">
-                <a:solidFill>
-                  <a:schemeClr val="accent2"/>
-                </a:solidFill>
-              </a:rPr>
-              <a:t>DocumentDB</a:t>
-            </a:r>
-            <a:r>
-              <a:rPr lang="en-US" sz="2000" dirty="0"/>
-              <a:t> (mongo), </a:t>
-            </a:r>
-            <a:r>
-              <a:rPr lang="en-US" sz="2000" dirty="0" err="1">
-                <a:solidFill>
-                  <a:schemeClr val="accent2"/>
-                </a:solidFill>
-              </a:rPr>
-              <a:t>Keyspaces</a:t>
-            </a:r>
-            <a:r>
-              <a:rPr lang="en-US" sz="2000" dirty="0"/>
-              <a:t> (</a:t>
-            </a:r>
-            <a:r>
-              <a:rPr lang="en-US" sz="2000" dirty="0" err="1"/>
-              <a:t>cassandra</a:t>
-            </a:r>
-            <a:r>
-              <a:rPr lang="en-US" sz="2000" dirty="0"/>
-              <a:t>), </a:t>
             </a:r>
             <a:r>
               <a:rPr lang="en-US" sz="2000" dirty="0">
@@ -15121,11 +15007,43 @@
                   <a:schemeClr val="accent2"/>
                 </a:solidFill>
               </a:rPr>
-              <a:t>Neptune</a:t>
+              <a:t>Relational Database Service [RDS]</a:t>
             </a:r>
             <a:r>
               <a:rPr lang="en-US" sz="2000" dirty="0"/>
-              <a:t> (graph)</a:t>
+              <a:t> (Aurora, </a:t>
+            </a:r>
+            <a:r>
+              <a:rPr lang="en-US" sz="2000" dirty="0" err="1"/>
+              <a:t>psql</a:t>
+            </a:r>
+            <a:r>
+              <a:rPr lang="en-US" sz="2000" dirty="0"/>
+              <a:t>, </a:t>
+            </a:r>
+            <a:r>
+              <a:rPr lang="en-US" sz="2000" dirty="0" err="1"/>
+              <a:t>mysql</a:t>
+            </a:r>
+            <a:r>
+              <a:rPr lang="en-US" sz="2000" dirty="0"/>
+              <a:t>, </a:t>
+            </a:r>
+            <a:r>
+              <a:rPr lang="en-US" sz="2000" dirty="0" err="1"/>
+              <a:t>mariadb</a:t>
+            </a:r>
+            <a:r>
+              <a:rPr lang="en-US" sz="2000" dirty="0"/>
+              <a:t>, oracle, </a:t>
+            </a:r>
+            <a:r>
+              <a:rPr lang="en-US" sz="2000" dirty="0" err="1"/>
+              <a:t>mssql</a:t>
+            </a:r>
+            <a:r>
+              <a:rPr lang="en-US" sz="2000" dirty="0"/>
+              <a:t>)</a:t>
             </a:r>
           </a:p>
           <a:p>
@@ -15147,34 +15065,15 @@
                   <a:schemeClr val="accent5"/>
                 </a:solidFill>
               </a:rPr>
-              <a:t>Cloud </a:t>
-            </a:r>
-            <a:r>
-              <a:rPr lang="en-US" sz="2000" dirty="0" err="1">
-                <a:solidFill>
-                  <a:schemeClr val="accent5"/>
-                </a:solidFill>
-              </a:rPr>
-              <a:t>BigTable</a:t>
-            </a:r>
-            <a:r>
-              <a:rPr lang="en-US" sz="2000" dirty="0"/>
-              <a:t> (more data)</a:t>
-            </a:r>
+              <a:t>Cloud Spanner</a:t>
+            </a:r>
+            <a:endParaRPr lang="en-US" sz="2000" dirty="0"/>
           </a:p>
           <a:p>
             <a:pPr lvl="1"/>
             <a:r>
               <a:rPr lang="en-US" sz="2000" dirty="0"/>
               <a:t> </a:t>
-            </a:r>
-            <a:r>
-              <a:rPr lang="en-US" sz="2000" dirty="0" err="1">
-                <a:solidFill>
-                  <a:schemeClr val="accent5"/>
-                </a:solidFill>
-              </a:rPr>
-              <a:t>Firestore</a:t>
             </a:r>
             <a:r>
               <a:rPr lang="en-US" sz="2000" dirty="0">
@@ -15182,11 +15081,11 @@
                   <a:schemeClr val="accent5"/>
                 </a:solidFill>
               </a:rPr>
-              <a:t> </a:t>
+              <a:t>Cloud SQL</a:t>
             </a:r>
             <a:r>
               <a:rPr lang="en-US" sz="2000" dirty="0"/>
-              <a:t>(less data)</a:t>
+              <a:t> (MySQL, PostgreSQL, and SQL Server)</a:t>
             </a:r>
             <a:endParaRPr lang="en-US" dirty="0"/>
           </a:p>
@@ -15195,7 +15094,7 @@
     </p:spTree>
     <p:extLst>
       <p:ext uri="{BB962C8B-B14F-4D97-AF65-F5344CB8AC3E}">
-        <p14:creationId xmlns:p14="http://schemas.microsoft.com/office/powerpoint/2010/main" val="7674412"/>
+        <p14:creationId xmlns:p14="http://schemas.microsoft.com/office/powerpoint/2010/main" val="2661176308"/>
       </p:ext>
     </p:extLst>
   </p:cSld>
@@ -15281,13 +15180,48 @@
             </a:pPr>
             <a:r>
               <a:rPr lang="en-US" dirty="0"/>
-              <a:t>In-memory DBs in cloud</a:t>
+              <a:t>Non-relational DBs in cloud</a:t>
             </a:r>
           </a:p>
           <a:p>
             <a:r>
               <a:rPr lang="en-US" dirty="0"/>
               <a:t>Azure:</a:t>
+            </a:r>
+          </a:p>
+          <a:p>
+            <a:pPr lvl="1"/>
+            <a:r>
+              <a:rPr lang="en-US" sz="2000" dirty="0"/>
+              <a:t> </a:t>
+            </a:r>
+            <a:r>
+              <a:rPr lang="en-US" sz="2000" dirty="0" err="1">
+                <a:solidFill>
+                  <a:schemeClr val="accent1"/>
+                </a:solidFill>
+              </a:rPr>
+              <a:t>CosmosDB</a:t>
+            </a:r>
+            <a:r>
+              <a:rPr lang="en-US" sz="2000" dirty="0"/>
+              <a:t> (with different APIs: mongo, </a:t>
+            </a:r>
+            <a:r>
+              <a:rPr lang="en-US" sz="2000" dirty="0" err="1"/>
+              <a:t>cassandra</a:t>
+            </a:r>
+            <a:r>
+              <a:rPr lang="en-US" sz="2000" dirty="0"/>
+              <a:t>, </a:t>
+            </a:r>
+            <a:r>
+              <a:rPr lang="en-US" sz="2000" dirty="0" err="1"/>
+              <a:t>sql</a:t>
+            </a:r>
+            <a:r>
+              <a:rPr lang="en-US" sz="2000" dirty="0"/>
+              <a:t>, gremlin)</a:t>
             </a:r>
           </a:p>
           <a:p>
@@ -15302,16 +15236,8 @@
                   <a:schemeClr val="accent1"/>
                 </a:solidFill>
               </a:rPr>
-              <a:t>Azure Cache for Redis</a:t>
-            </a:r>
-          </a:p>
-          <a:p>
-            <a:pPr lvl="1"/>
-            <a:endParaRPr lang="en-US" sz="2000" dirty="0">
-              <a:solidFill>
-                <a:schemeClr val="accent1"/>
-              </a:solidFill>
-            </a:endParaRPr>
+              <a:t>Storage Account Table</a:t>
+            </a:r>
           </a:p>
           <a:p>
             <a:r>
@@ -15331,7 +15257,14 @@
                   <a:schemeClr val="accent2"/>
                 </a:solidFill>
               </a:rPr>
-              <a:t>Amazon </a:t>
+              <a:t>DynamoDB</a:t>
+            </a:r>
+          </a:p>
+          <a:p>
+            <a:pPr lvl="1"/>
+            <a:r>
+              <a:rPr lang="en-US" sz="2000" dirty="0"/>
+              <a:t> </a:t>
             </a:r>
             <a:r>
               <a:rPr lang="en-US" sz="2000" dirty="0" err="1">
@@ -15339,7 +15272,31 @@
                   <a:schemeClr val="accent2"/>
                 </a:solidFill>
               </a:rPr>
-              <a:t>ElastiCache</a:t>
+              <a:t>DocumentDB</a:t>
+            </a:r>
+            <a:r>
+              <a:rPr lang="en-US" sz="2000" dirty="0"/>
+              <a:t> (mongo), </a:t>
+            </a:r>
+            <a:r>
+              <a:rPr lang="en-US" sz="2000" dirty="0" err="1">
+                <a:solidFill>
+                  <a:schemeClr val="accent2"/>
+                </a:solidFill>
+              </a:rPr>
+              <a:t>Keyspaces</a:t>
+            </a:r>
+            <a:r>
+              <a:rPr lang="en-US" sz="2000" dirty="0"/>
+              <a:t> (</a:t>
+            </a:r>
+            <a:r>
+              <a:rPr lang="en-US" sz="2000" dirty="0" err="1"/>
+              <a:t>cassandra</a:t>
+            </a:r>
+            <a:r>
+              <a:rPr lang="en-US" sz="2000" dirty="0"/>
+              <a:t>), </a:t>
             </a:r>
             <a:r>
               <a:rPr lang="en-US" sz="2000" dirty="0">
@@ -15347,12 +15304,12 @@
                   <a:schemeClr val="accent2"/>
                 </a:solidFill>
               </a:rPr>
-              <a:t> for Memcached/Redis</a:t>
-            </a:r>
-          </a:p>
-          <a:p>
-            <a:pPr lvl="1"/>
-            <a:endParaRPr lang="en-US" sz="2000" dirty="0"/>
+              <a:t>Neptune</a:t>
+            </a:r>
+            <a:r>
+              <a:rPr lang="en-US" sz="2000" dirty="0"/>
+              <a:t> (graph)</a:t>
+            </a:r>
           </a:p>
           <a:p>
             <a:r>
@@ -15366,6 +15323,14 @@
             <a:r>
               <a:rPr lang="en-US" sz="2000" dirty="0"/>
               <a:t> </a:t>
+            </a:r>
+            <a:r>
+              <a:rPr lang="en-US" sz="2000" dirty="0">
+                <a:solidFill>
+                  <a:schemeClr val="accent5"/>
+                </a:solidFill>
+              </a:rPr>
+              <a:t>Cloud </a:t>
             </a:r>
             <a:r>
               <a:rPr lang="en-US" sz="2000" dirty="0" err="1">
@@ -15373,11 +15338,38 @@
                   <a:schemeClr val="accent5"/>
                 </a:solidFill>
               </a:rPr>
-              <a:t>Memorystore</a:t>
+              <a:t>BigTable</a:t>
             </a:r>
             <a:r>
               <a:rPr lang="en-US" sz="2000" dirty="0"/>
-              <a:t> (Redis/Memcached)</a:t>
+              <a:t> (more data)</a:t>
+            </a:r>
+          </a:p>
+          <a:p>
+            <a:pPr lvl="1"/>
+            <a:r>
+              <a:rPr lang="en-US" sz="2000" dirty="0"/>
+              <a:t> </a:t>
+            </a:r>
+            <a:r>
+              <a:rPr lang="en-US" sz="2000" dirty="0" err="1">
+                <a:solidFill>
+                  <a:schemeClr val="accent5"/>
+                </a:solidFill>
+              </a:rPr>
+              <a:t>Firestore</a:t>
+            </a:r>
+            <a:r>
+              <a:rPr lang="en-US" sz="2000" dirty="0">
+                <a:solidFill>
+                  <a:schemeClr val="accent5"/>
+                </a:solidFill>
+              </a:rPr>
+              <a:t> </a:t>
+            </a:r>
+            <a:r>
+              <a:rPr lang="en-US" sz="2000" dirty="0"/>
+              <a:t>(less data)</a:t>
             </a:r>
             <a:endParaRPr lang="en-US" dirty="0"/>
           </a:p>
@@ -15386,7 +15378,7 @@
     </p:spTree>
     <p:extLst>
       <p:ext uri="{BB962C8B-B14F-4D97-AF65-F5344CB8AC3E}">
-        <p14:creationId xmlns:p14="http://schemas.microsoft.com/office/powerpoint/2010/main" val="3584714375"/>
+        <p14:creationId xmlns:p14="http://schemas.microsoft.com/office/powerpoint/2010/main" val="7674412"/>
       </p:ext>
     </p:extLst>
   </p:cSld>
@@ -15514,6 +15506,197 @@
           <a:chExt cx="0" cy="0"/>
         </a:xfrm>
       </p:grpSpPr>
+      <p:sp>
+        <p:nvSpPr>
+          <p:cNvPr id="2" name="Title 1">
+            <a:extLst>
+              <a:ext uri="{FF2B5EF4-FFF2-40B4-BE49-F238E27FC236}">
+                <a16:creationId xmlns:a16="http://schemas.microsoft.com/office/drawing/2014/main" id="{9439765E-D021-4F83-B075-735F05281BF5}"/>
+              </a:ext>
+            </a:extLst>
+          </p:cNvPr>
+          <p:cNvSpPr>
+            <a:spLocks noGrp="1"/>
+          </p:cNvSpPr>
+          <p:nvPr>
+            <p:ph type="title"/>
+          </p:nvPr>
+        </p:nvSpPr>
+        <p:spPr/>
+        <p:txBody>
+          <a:bodyPr/>
+          <a:lstStyle/>
+          <a:p>
+            <a:r>
+              <a:rPr lang="en-US" dirty="0"/>
+              <a:t>Databases</a:t>
+            </a:r>
+          </a:p>
+        </p:txBody>
+      </p:sp>
+      <p:sp>
+        <p:nvSpPr>
+          <p:cNvPr id="3" name="Content Placeholder 2">
+            <a:extLst>
+              <a:ext uri="{FF2B5EF4-FFF2-40B4-BE49-F238E27FC236}">
+                <a16:creationId xmlns:a16="http://schemas.microsoft.com/office/drawing/2014/main" id="{90B61D1A-C399-44DB-9D94-6ED2D23B3306}"/>
+              </a:ext>
+            </a:extLst>
+          </p:cNvPr>
+          <p:cNvSpPr>
+            <a:spLocks noGrp="1"/>
+          </p:cNvSpPr>
+          <p:nvPr>
+            <p:ph idx="1"/>
+          </p:nvPr>
+        </p:nvSpPr>
+        <p:spPr>
+          <a:xfrm>
+            <a:off x="838199" y="1825625"/>
+            <a:ext cx="10631905" cy="4351338"/>
+          </a:xfrm>
+        </p:spPr>
+        <p:txBody>
+          <a:bodyPr/>
+          <a:lstStyle/>
+          <a:p>
+            <a:pPr marL="0" indent="0">
+              <a:buNone/>
+            </a:pPr>
+            <a:r>
+              <a:rPr lang="en-US" dirty="0"/>
+              <a:t>In-memory DBs in cloud</a:t>
+            </a:r>
+          </a:p>
+          <a:p>
+            <a:r>
+              <a:rPr lang="en-US" dirty="0"/>
+              <a:t>Azure:</a:t>
+            </a:r>
+          </a:p>
+          <a:p>
+            <a:pPr lvl="1"/>
+            <a:r>
+              <a:rPr lang="en-US" sz="2000" dirty="0"/>
+              <a:t> </a:t>
+            </a:r>
+            <a:r>
+              <a:rPr lang="en-US" sz="2000" dirty="0">
+                <a:solidFill>
+                  <a:schemeClr val="accent1"/>
+                </a:solidFill>
+              </a:rPr>
+              <a:t>Azure Cache for Redis</a:t>
+            </a:r>
+          </a:p>
+          <a:p>
+            <a:pPr lvl="1"/>
+            <a:endParaRPr lang="en-US" sz="2000" dirty="0">
+              <a:solidFill>
+                <a:schemeClr val="accent1"/>
+              </a:solidFill>
+            </a:endParaRPr>
+          </a:p>
+          <a:p>
+            <a:r>
+              <a:rPr lang="en-US" dirty="0"/>
+              <a:t>AWS:</a:t>
+            </a:r>
+          </a:p>
+          <a:p>
+            <a:pPr lvl="1"/>
+            <a:r>
+              <a:rPr lang="en-US" sz="2000" dirty="0"/>
+              <a:t> </a:t>
+            </a:r>
+            <a:r>
+              <a:rPr lang="en-US" sz="2000" dirty="0">
+                <a:solidFill>
+                  <a:schemeClr val="accent2"/>
+                </a:solidFill>
+              </a:rPr>
+              <a:t>Amazon </a:t>
+            </a:r>
+            <a:r>
+              <a:rPr lang="en-US" sz="2000" dirty="0" err="1">
+                <a:solidFill>
+                  <a:schemeClr val="accent2"/>
+                </a:solidFill>
+              </a:rPr>
+              <a:t>ElastiCache</a:t>
+            </a:r>
+            <a:r>
+              <a:rPr lang="en-US" sz="2000" dirty="0">
+                <a:solidFill>
+                  <a:schemeClr val="accent2"/>
+                </a:solidFill>
+              </a:rPr>
+              <a:t> for Memcached/Redis</a:t>
+            </a:r>
+          </a:p>
+          <a:p>
+            <a:pPr lvl="1"/>
+            <a:endParaRPr lang="en-US" sz="2000" dirty="0"/>
+          </a:p>
+          <a:p>
+            <a:r>
+              <a:rPr lang="en-US" dirty="0"/>
+              <a:t>GCP:</a:t>
+            </a:r>
+            <a:endParaRPr lang="en-US" sz="2000" dirty="0"/>
+          </a:p>
+          <a:p>
+            <a:pPr lvl="1"/>
+            <a:r>
+              <a:rPr lang="en-US" sz="2000" dirty="0"/>
+              <a:t> </a:t>
+            </a:r>
+            <a:r>
+              <a:rPr lang="en-US" sz="2000" dirty="0" err="1">
+                <a:solidFill>
+                  <a:schemeClr val="accent5"/>
+                </a:solidFill>
+              </a:rPr>
+              <a:t>Memorystore</a:t>
+            </a:r>
+            <a:r>
+              <a:rPr lang="en-US" sz="2000" dirty="0"/>
+              <a:t> (Redis/Memcached)</a:t>
+            </a:r>
+            <a:endParaRPr lang="en-US" dirty="0"/>
+          </a:p>
+        </p:txBody>
+      </p:sp>
+    </p:spTree>
+    <p:extLst>
+      <p:ext uri="{BB962C8B-B14F-4D97-AF65-F5344CB8AC3E}">
+        <p14:creationId xmlns:p14="http://schemas.microsoft.com/office/powerpoint/2010/main" val="3584714375"/>
+      </p:ext>
+    </p:extLst>
+  </p:cSld>
+  <p:clrMapOvr>
+    <a:masterClrMapping/>
+  </p:clrMapOvr>
+</p:sld>
+</file>
+
+<file path=ppt/slides/slide51.xml><?xml version="1.0" encoding="utf-8"?>
+<p:sld xmlns:a="http://schemas.openxmlformats.org/drawingml/2006/main" xmlns:r="http://schemas.openxmlformats.org/officeDocument/2006/relationships" xmlns:p="http://schemas.openxmlformats.org/presentationml/2006/main">
+  <p:cSld>
+    <p:spTree>
+      <p:nvGrpSpPr>
+        <p:cNvPr id="1" name=""/>
+        <p:cNvGrpSpPr/>
+        <p:nvPr/>
+      </p:nvGrpSpPr>
+      <p:grpSpPr>
+        <a:xfrm>
+          <a:off x="0" y="0"/>
+          <a:ext cx="0" cy="0"/>
+          <a:chOff x="0" y="0"/>
+          <a:chExt cx="0" cy="0"/>
+        </a:xfrm>
+      </p:grpSpPr>
       <p:pic>
         <p:nvPicPr>
           <p:cNvPr id="8" name="Picture 7" descr="Diagram&#10;&#10;Description automatically generated">
@@ -15563,99 +15746,6 @@
 </p:sld>
 </file>
 
-<file path=ppt/slides/slide51.xml><?xml version="1.0" encoding="utf-8"?>
-<p:sld xmlns:a="http://schemas.openxmlformats.org/drawingml/2006/main" xmlns:r="http://schemas.openxmlformats.org/officeDocument/2006/relationships" xmlns:p="http://schemas.openxmlformats.org/presentationml/2006/main">
-  <p:cSld>
-    <p:spTree>
-      <p:nvGrpSpPr>
-        <p:cNvPr id="1" name=""/>
-        <p:cNvGrpSpPr/>
-        <p:nvPr/>
-      </p:nvGrpSpPr>
-      <p:grpSpPr>
-        <a:xfrm>
-          <a:off x="0" y="0"/>
-          <a:ext cx="0" cy="0"/>
-          <a:chOff x="0" y="0"/>
-          <a:chExt cx="0" cy="0"/>
-        </a:xfrm>
-      </p:grpSpPr>
-      <p:sp>
-        <p:nvSpPr>
-          <p:cNvPr id="2" name="Title 1">
-            <a:extLst>
-              <a:ext uri="{FF2B5EF4-FFF2-40B4-BE49-F238E27FC236}">
-                <a16:creationId xmlns:a16="http://schemas.microsoft.com/office/drawing/2014/main" id="{9439765E-D021-4F83-B075-735F05281BF5}"/>
-              </a:ext>
-            </a:extLst>
-          </p:cNvPr>
-          <p:cNvSpPr>
-            <a:spLocks noGrp="1"/>
-          </p:cNvSpPr>
-          <p:nvPr>
-            <p:ph type="title"/>
-          </p:nvPr>
-        </p:nvSpPr>
-        <p:spPr/>
-        <p:txBody>
-          <a:bodyPr/>
-          <a:lstStyle/>
-          <a:p>
-            <a:r>
-              <a:rPr lang="en-US" dirty="0"/>
-              <a:t>Demo</a:t>
-            </a:r>
-          </a:p>
-        </p:txBody>
-      </p:sp>
-      <p:pic>
-        <p:nvPicPr>
-          <p:cNvPr id="5" name="Content Placeholder 4" descr="Graphical user interface, application&#10;&#10;Description automatically generated">
-            <a:extLst>
-              <a:ext uri="{FF2B5EF4-FFF2-40B4-BE49-F238E27FC236}">
-                <a16:creationId xmlns:a16="http://schemas.microsoft.com/office/drawing/2014/main" id="{416AC07D-BE93-4D3A-9395-70D15C17B8D6}"/>
-              </a:ext>
-            </a:extLst>
-          </p:cNvPr>
-          <p:cNvPicPr>
-            <a:picLocks noGrp="1" noChangeAspect="1"/>
-          </p:cNvPicPr>
-          <p:nvPr>
-            <p:ph idx="1"/>
-          </p:nvPr>
-        </p:nvPicPr>
-        <p:blipFill>
-          <a:blip r:embed="rId3">
-            <a:extLst>
-              <a:ext uri="{28A0092B-C50C-407E-A947-70E740481C1C}">
-                <a14:useLocalDpi xmlns:a14="http://schemas.microsoft.com/office/drawing/2010/main" val="0"/>
-              </a:ext>
-            </a:extLst>
-          </a:blip>
-          <a:stretch>
-            <a:fillRect/>
-          </a:stretch>
-        </p:blipFill>
-        <p:spPr>
-          <a:xfrm>
-            <a:off x="1520637" y="1690688"/>
-            <a:ext cx="9150725" cy="4284309"/>
-          </a:xfrm>
-        </p:spPr>
-      </p:pic>
-    </p:spTree>
-    <p:extLst>
-      <p:ext uri="{BB962C8B-B14F-4D97-AF65-F5344CB8AC3E}">
-        <p14:creationId xmlns:p14="http://schemas.microsoft.com/office/powerpoint/2010/main" val="2861714891"/>
-      </p:ext>
-    </p:extLst>
-  </p:cSld>
-  <p:clrMapOvr>
-    <a:masterClrMapping/>
-  </p:clrMapOvr>
-</p:sld>
-</file>
-
 <file path=ppt/slides/slide52.xml><?xml version="1.0" encoding="utf-8"?>
 <p:sld xmlns:a="http://schemas.openxmlformats.org/drawingml/2006/main" xmlns:r="http://schemas.openxmlformats.org/officeDocument/2006/relationships" xmlns:p="http://schemas.openxmlformats.org/presentationml/2006/main">
   <p:cSld>
@@ -15696,172 +15786,50 @@
           <a:p>
             <a:r>
               <a:rPr lang="en-US" dirty="0"/>
-              <a:t>Events and Messaging</a:t>
-            </a:r>
-          </a:p>
-        </p:txBody>
-      </p:sp>
-      <p:sp>
-        <p:nvSpPr>
-          <p:cNvPr id="3" name="Content Placeholder 2">
-            <a:extLst>
-              <a:ext uri="{FF2B5EF4-FFF2-40B4-BE49-F238E27FC236}">
-                <a16:creationId xmlns:a16="http://schemas.microsoft.com/office/drawing/2014/main" id="{90B61D1A-C399-44DB-9D94-6ED2D23B3306}"/>
-              </a:ext>
-            </a:extLst>
-          </p:cNvPr>
-          <p:cNvSpPr>
-            <a:spLocks noGrp="1"/>
-          </p:cNvSpPr>
+              <a:t>Demo</a:t>
+            </a:r>
+          </a:p>
+        </p:txBody>
+      </p:sp>
+      <p:pic>
+        <p:nvPicPr>
+          <p:cNvPr id="5" name="Content Placeholder 4" descr="Graphical user interface, application&#10;&#10;Description automatically generated">
+            <a:extLst>
+              <a:ext uri="{FF2B5EF4-FFF2-40B4-BE49-F238E27FC236}">
+                <a16:creationId xmlns:a16="http://schemas.microsoft.com/office/drawing/2014/main" id="{416AC07D-BE93-4D3A-9395-70D15C17B8D6}"/>
+              </a:ext>
+            </a:extLst>
+          </p:cNvPr>
+          <p:cNvPicPr>
+            <a:picLocks noGrp="1" noChangeAspect="1"/>
+          </p:cNvPicPr>
           <p:nvPr>
             <p:ph idx="1"/>
           </p:nvPr>
-        </p:nvSpPr>
+        </p:nvPicPr>
+        <p:blipFill>
+          <a:blip r:embed="rId3">
+            <a:extLst>
+              <a:ext uri="{28A0092B-C50C-407E-A947-70E740481C1C}">
+                <a14:useLocalDpi xmlns:a14="http://schemas.microsoft.com/office/drawing/2010/main" val="0"/>
+              </a:ext>
+            </a:extLst>
+          </a:blip>
+          <a:stretch>
+            <a:fillRect/>
+          </a:stretch>
+        </p:blipFill>
         <p:spPr>
           <a:xfrm>
-            <a:off x="838199" y="1825625"/>
-            <a:ext cx="10631905" cy="4351338"/>
+            <a:off x="1520637" y="1690688"/>
+            <a:ext cx="9150725" cy="4284309"/>
           </a:xfrm>
         </p:spPr>
-        <p:txBody>
-          <a:bodyPr/>
-          <a:lstStyle/>
-          <a:p>
-            <a:pPr marL="0" indent="0">
-              <a:buNone/>
-            </a:pPr>
-            <a:r>
-              <a:rPr lang="en-US" dirty="0"/>
-              <a:t>Event streams in cloud</a:t>
-            </a:r>
-          </a:p>
-          <a:p>
-            <a:r>
-              <a:rPr lang="en-US" dirty="0"/>
-              <a:t>Azure:</a:t>
-            </a:r>
-          </a:p>
-          <a:p>
-            <a:pPr lvl="1"/>
-            <a:r>
-              <a:rPr lang="en-US" sz="2000" dirty="0"/>
-              <a:t> </a:t>
-            </a:r>
-            <a:r>
-              <a:rPr lang="en-US" sz="2000" dirty="0">
-                <a:solidFill>
-                  <a:schemeClr val="accent1"/>
-                </a:solidFill>
-              </a:rPr>
-              <a:t>Event Hub</a:t>
-            </a:r>
-            <a:r>
-              <a:rPr lang="en-US" sz="2000" dirty="0"/>
-              <a:t> (compatible with Kafka)</a:t>
-            </a:r>
-          </a:p>
-          <a:p>
-            <a:pPr lvl="1"/>
-            <a:r>
-              <a:rPr lang="en-US" sz="2000" dirty="0"/>
-              <a:t> </a:t>
-            </a:r>
-            <a:r>
-              <a:rPr lang="en-US" sz="2000" dirty="0">
-                <a:solidFill>
-                  <a:schemeClr val="accent1"/>
-                </a:solidFill>
-              </a:rPr>
-              <a:t>Stream Analytics</a:t>
-            </a:r>
-          </a:p>
-          <a:p>
-            <a:r>
-              <a:rPr lang="en-US" dirty="0"/>
-              <a:t>AWS:</a:t>
-            </a:r>
-          </a:p>
-          <a:p>
-            <a:pPr lvl="1"/>
-            <a:r>
-              <a:rPr lang="en-US" sz="2000" dirty="0"/>
-              <a:t> </a:t>
-            </a:r>
-            <a:r>
-              <a:rPr lang="en-US" sz="2000" dirty="0">
-                <a:solidFill>
-                  <a:schemeClr val="accent2"/>
-                </a:solidFill>
-              </a:rPr>
-              <a:t>Amazon Kinesis</a:t>
-            </a:r>
-          </a:p>
-          <a:p>
-            <a:pPr lvl="1"/>
-            <a:r>
-              <a:rPr lang="en-US" sz="2000" dirty="0"/>
-              <a:t> </a:t>
-            </a:r>
-            <a:r>
-              <a:rPr lang="en-US" sz="2000" dirty="0">
-                <a:solidFill>
-                  <a:schemeClr val="accent2"/>
-                </a:solidFill>
-              </a:rPr>
-              <a:t>Managed Streaming for Apache Kafka</a:t>
-            </a:r>
-          </a:p>
-          <a:p>
-            <a:r>
-              <a:rPr lang="en-US" dirty="0"/>
-              <a:t>GCP:</a:t>
-            </a:r>
-            <a:endParaRPr lang="en-US" sz="2000" dirty="0"/>
-          </a:p>
-          <a:p>
-            <a:pPr lvl="1"/>
-            <a:r>
-              <a:rPr lang="en-US" sz="2000" dirty="0"/>
-              <a:t> </a:t>
-            </a:r>
-            <a:r>
-              <a:rPr lang="en-US" sz="2000" dirty="0" err="1">
-                <a:solidFill>
-                  <a:schemeClr val="accent5"/>
-                </a:solidFill>
-              </a:rPr>
-              <a:t>PubSub</a:t>
-            </a:r>
-            <a:endParaRPr lang="en-US" sz="1800" dirty="0"/>
-          </a:p>
-          <a:p>
-            <a:pPr lvl="1"/>
-            <a:r>
-              <a:rPr lang="en-US" sz="2000" dirty="0"/>
-              <a:t> </a:t>
-            </a:r>
-            <a:r>
-              <a:rPr lang="en-US" sz="2000" dirty="0">
-                <a:solidFill>
-                  <a:schemeClr val="accent5"/>
-                </a:solidFill>
-              </a:rPr>
-              <a:t>Dataflow</a:t>
-            </a:r>
-            <a:endParaRPr lang="en-US" sz="2000" dirty="0"/>
-          </a:p>
-          <a:p>
-            <a:pPr marL="0" indent="0">
-              <a:buNone/>
-            </a:pPr>
-            <a:endParaRPr lang="en-US" dirty="0"/>
-          </a:p>
-        </p:txBody>
-      </p:sp>
+      </p:pic>
     </p:spTree>
     <p:extLst>
       <p:ext uri="{BB962C8B-B14F-4D97-AF65-F5344CB8AC3E}">
-        <p14:creationId xmlns:p14="http://schemas.microsoft.com/office/powerpoint/2010/main" val="1605317201"/>
+        <p14:creationId xmlns:p14="http://schemas.microsoft.com/office/powerpoint/2010/main" val="2861714891"/>
       </p:ext>
     </p:extLst>
   </p:cSld>
@@ -15947,6 +15915,221 @@
             </a:pPr>
             <a:r>
               <a:rPr lang="en-US" dirty="0"/>
+              <a:t>Event streams in cloud</a:t>
+            </a:r>
+          </a:p>
+          <a:p>
+            <a:r>
+              <a:rPr lang="en-US" dirty="0"/>
+              <a:t>Azure:</a:t>
+            </a:r>
+          </a:p>
+          <a:p>
+            <a:pPr lvl="1"/>
+            <a:r>
+              <a:rPr lang="en-US" sz="2000" dirty="0"/>
+              <a:t> </a:t>
+            </a:r>
+            <a:r>
+              <a:rPr lang="en-US" sz="2000" dirty="0">
+                <a:solidFill>
+                  <a:schemeClr val="accent1"/>
+                </a:solidFill>
+              </a:rPr>
+              <a:t>Event Hub</a:t>
+            </a:r>
+            <a:r>
+              <a:rPr lang="en-US" sz="2000" dirty="0"/>
+              <a:t> (compatible with Kafka)</a:t>
+            </a:r>
+          </a:p>
+          <a:p>
+            <a:pPr lvl="1"/>
+            <a:r>
+              <a:rPr lang="en-US" sz="2000" dirty="0"/>
+              <a:t> </a:t>
+            </a:r>
+            <a:r>
+              <a:rPr lang="en-US" sz="2000" dirty="0">
+                <a:solidFill>
+                  <a:schemeClr val="accent1"/>
+                </a:solidFill>
+              </a:rPr>
+              <a:t>Stream Analytics</a:t>
+            </a:r>
+          </a:p>
+          <a:p>
+            <a:r>
+              <a:rPr lang="en-US" dirty="0"/>
+              <a:t>AWS:</a:t>
+            </a:r>
+          </a:p>
+          <a:p>
+            <a:pPr lvl="1"/>
+            <a:r>
+              <a:rPr lang="en-US" sz="2000" dirty="0"/>
+              <a:t> </a:t>
+            </a:r>
+            <a:r>
+              <a:rPr lang="en-US" sz="2000" dirty="0">
+                <a:solidFill>
+                  <a:schemeClr val="accent2"/>
+                </a:solidFill>
+              </a:rPr>
+              <a:t>Amazon Kinesis</a:t>
+            </a:r>
+          </a:p>
+          <a:p>
+            <a:pPr lvl="1"/>
+            <a:r>
+              <a:rPr lang="en-US" sz="2000" dirty="0"/>
+              <a:t> </a:t>
+            </a:r>
+            <a:r>
+              <a:rPr lang="en-US" sz="2000" dirty="0">
+                <a:solidFill>
+                  <a:schemeClr val="accent2"/>
+                </a:solidFill>
+              </a:rPr>
+              <a:t>Managed Streaming for Apache Kafka</a:t>
+            </a:r>
+          </a:p>
+          <a:p>
+            <a:r>
+              <a:rPr lang="en-US" dirty="0"/>
+              <a:t>GCP:</a:t>
+            </a:r>
+            <a:endParaRPr lang="en-US" sz="2000" dirty="0"/>
+          </a:p>
+          <a:p>
+            <a:pPr lvl="1"/>
+            <a:r>
+              <a:rPr lang="en-US" sz="2000" dirty="0"/>
+              <a:t> </a:t>
+            </a:r>
+            <a:r>
+              <a:rPr lang="en-US" sz="2000" dirty="0" err="1">
+                <a:solidFill>
+                  <a:schemeClr val="accent5"/>
+                </a:solidFill>
+              </a:rPr>
+              <a:t>PubSub</a:t>
+            </a:r>
+            <a:endParaRPr lang="en-US" sz="1800" dirty="0"/>
+          </a:p>
+          <a:p>
+            <a:pPr lvl="1"/>
+            <a:r>
+              <a:rPr lang="en-US" sz="2000" dirty="0"/>
+              <a:t> </a:t>
+            </a:r>
+            <a:r>
+              <a:rPr lang="en-US" sz="2000" dirty="0">
+                <a:solidFill>
+                  <a:schemeClr val="accent5"/>
+                </a:solidFill>
+              </a:rPr>
+              <a:t>Dataflow</a:t>
+            </a:r>
+            <a:endParaRPr lang="en-US" sz="2000" dirty="0"/>
+          </a:p>
+          <a:p>
+            <a:pPr marL="0" indent="0">
+              <a:buNone/>
+            </a:pPr>
+            <a:endParaRPr lang="en-US" dirty="0"/>
+          </a:p>
+        </p:txBody>
+      </p:sp>
+    </p:spTree>
+    <p:extLst>
+      <p:ext uri="{BB962C8B-B14F-4D97-AF65-F5344CB8AC3E}">
+        <p14:creationId xmlns:p14="http://schemas.microsoft.com/office/powerpoint/2010/main" val="1605317201"/>
+      </p:ext>
+    </p:extLst>
+  </p:cSld>
+  <p:clrMapOvr>
+    <a:masterClrMapping/>
+  </p:clrMapOvr>
+</p:sld>
+</file>
+
+<file path=ppt/slides/slide54.xml><?xml version="1.0" encoding="utf-8"?>
+<p:sld xmlns:a="http://schemas.openxmlformats.org/drawingml/2006/main" xmlns:r="http://schemas.openxmlformats.org/officeDocument/2006/relationships" xmlns:p="http://schemas.openxmlformats.org/presentationml/2006/main">
+  <p:cSld>
+    <p:spTree>
+      <p:nvGrpSpPr>
+        <p:cNvPr id="1" name=""/>
+        <p:cNvGrpSpPr/>
+        <p:nvPr/>
+      </p:nvGrpSpPr>
+      <p:grpSpPr>
+        <a:xfrm>
+          <a:off x="0" y="0"/>
+          <a:ext cx="0" cy="0"/>
+          <a:chOff x="0" y="0"/>
+          <a:chExt cx="0" cy="0"/>
+        </a:xfrm>
+      </p:grpSpPr>
+      <p:sp>
+        <p:nvSpPr>
+          <p:cNvPr id="2" name="Title 1">
+            <a:extLst>
+              <a:ext uri="{FF2B5EF4-FFF2-40B4-BE49-F238E27FC236}">
+                <a16:creationId xmlns:a16="http://schemas.microsoft.com/office/drawing/2014/main" id="{9439765E-D021-4F83-B075-735F05281BF5}"/>
+              </a:ext>
+            </a:extLst>
+          </p:cNvPr>
+          <p:cNvSpPr>
+            <a:spLocks noGrp="1"/>
+          </p:cNvSpPr>
+          <p:nvPr>
+            <p:ph type="title"/>
+          </p:nvPr>
+        </p:nvSpPr>
+        <p:spPr/>
+        <p:txBody>
+          <a:bodyPr/>
+          <a:lstStyle/>
+          <a:p>
+            <a:r>
+              <a:rPr lang="en-US" dirty="0"/>
+              <a:t>Events and Messaging</a:t>
+            </a:r>
+          </a:p>
+        </p:txBody>
+      </p:sp>
+      <p:sp>
+        <p:nvSpPr>
+          <p:cNvPr id="3" name="Content Placeholder 2">
+            <a:extLst>
+              <a:ext uri="{FF2B5EF4-FFF2-40B4-BE49-F238E27FC236}">
+                <a16:creationId xmlns:a16="http://schemas.microsoft.com/office/drawing/2014/main" id="{90B61D1A-C399-44DB-9D94-6ED2D23B3306}"/>
+              </a:ext>
+            </a:extLst>
+          </p:cNvPr>
+          <p:cNvSpPr>
+            <a:spLocks noGrp="1"/>
+          </p:cNvSpPr>
+          <p:nvPr>
+            <p:ph idx="1"/>
+          </p:nvPr>
+        </p:nvSpPr>
+        <p:spPr>
+          <a:xfrm>
+            <a:off x="838199" y="1825625"/>
+            <a:ext cx="10631905" cy="4351338"/>
+          </a:xfrm>
+        </p:spPr>
+        <p:txBody>
+          <a:bodyPr/>
+          <a:lstStyle/>
+          <a:p>
+            <a:pPr marL="0" indent="0">
+              <a:buNone/>
+            </a:pPr>
+            <a:r>
+              <a:rPr lang="en-US" dirty="0"/>
               <a:t>Messaging in cloud</a:t>
             </a:r>
           </a:p>
@@ -16074,7 +16257,7 @@
 </p:sld>
 </file>
 
-<file path=ppt/slides/slide54.xml><?xml version="1.0" encoding="utf-8"?>
+<file path=ppt/slides/slide55.xml><?xml version="1.0" encoding="utf-8"?>
 <p:sld xmlns:a="http://schemas.openxmlformats.org/drawingml/2006/main" xmlns:r="http://schemas.openxmlformats.org/officeDocument/2006/relationships" xmlns:p="http://schemas.openxmlformats.org/presentationml/2006/main">
   <p:cSld>
     <p:spTree>
@@ -16169,141 +16352,6 @@
 </p:sld>
 </file>
 
-<file path=ppt/slides/slide55.xml><?xml version="1.0" encoding="utf-8"?>
-<p:sld xmlns:a="http://schemas.openxmlformats.org/drawingml/2006/main" xmlns:r="http://schemas.openxmlformats.org/officeDocument/2006/relationships" xmlns:p="http://schemas.openxmlformats.org/presentationml/2006/main">
-  <p:cSld>
-    <p:spTree>
-      <p:nvGrpSpPr>
-        <p:cNvPr id="1" name=""/>
-        <p:cNvGrpSpPr/>
-        <p:nvPr/>
-      </p:nvGrpSpPr>
-      <p:grpSpPr>
-        <a:xfrm>
-          <a:off x="0" y="0"/>
-          <a:ext cx="0" cy="0"/>
-          <a:chOff x="0" y="0"/>
-          <a:chExt cx="0" cy="0"/>
-        </a:xfrm>
-      </p:grpSpPr>
-      <p:sp>
-        <p:nvSpPr>
-          <p:cNvPr id="2" name="Title 1">
-            <a:extLst>
-              <a:ext uri="{FF2B5EF4-FFF2-40B4-BE49-F238E27FC236}">
-                <a16:creationId xmlns:a16="http://schemas.microsoft.com/office/drawing/2014/main" id="{E04131E7-91ED-4C32-9ADB-EADE1AE84D6C}"/>
-              </a:ext>
-            </a:extLst>
-          </p:cNvPr>
-          <p:cNvSpPr>
-            <a:spLocks noGrp="1"/>
-          </p:cNvSpPr>
-          <p:nvPr>
-            <p:ph type="title"/>
-          </p:nvPr>
-        </p:nvSpPr>
-        <p:spPr/>
-        <p:txBody>
-          <a:bodyPr/>
-          <a:lstStyle/>
-          <a:p>
-            <a:r>
-              <a:rPr lang="en-US" dirty="0"/>
-              <a:t>Additional resources</a:t>
-            </a:r>
-          </a:p>
-        </p:txBody>
-      </p:sp>
-      <p:sp>
-        <p:nvSpPr>
-          <p:cNvPr id="3" name="Content Placeholder 2">
-            <a:extLst>
-              <a:ext uri="{FF2B5EF4-FFF2-40B4-BE49-F238E27FC236}">
-                <a16:creationId xmlns:a16="http://schemas.microsoft.com/office/drawing/2014/main" id="{5D8B3750-010F-46E9-8CFC-7C148BA0AACB}"/>
-              </a:ext>
-            </a:extLst>
-          </p:cNvPr>
-          <p:cNvSpPr>
-            <a:spLocks noGrp="1"/>
-          </p:cNvSpPr>
-          <p:nvPr>
-            <p:ph idx="1"/>
-          </p:nvPr>
-        </p:nvSpPr>
-        <p:spPr/>
-        <p:txBody>
-          <a:bodyPr>
-            <a:normAutofit/>
-          </a:bodyPr>
-          <a:lstStyle/>
-          <a:p>
-            <a:r>
-              <a:rPr lang="en-US" dirty="0"/>
-              <a:t>(video) </a:t>
-            </a:r>
-            <a:r>
-              <a:rPr lang="en-US" dirty="0">
-                <a:hlinkClick r:id="rId3"/>
-              </a:rPr>
-              <a:t>Safe Client Behavior</a:t>
-            </a:r>
-            <a:endParaRPr lang="en-US" dirty="0"/>
-          </a:p>
-          <a:p>
-            <a:r>
-              <a:rPr lang="en-US" dirty="0"/>
-              <a:t>(comics) </a:t>
-            </a:r>
-            <a:r>
-              <a:rPr lang="en-US" dirty="0">
-                <a:hlinkClick r:id="rId4"/>
-              </a:rPr>
-              <a:t>Networking basics by Julia Evans</a:t>
-            </a:r>
-            <a:endParaRPr lang="en-US" dirty="0"/>
-          </a:p>
-          <a:p>
-            <a:r>
-              <a:rPr lang="en-US" dirty="0"/>
-              <a:t>(video) </a:t>
-            </a:r>
-            <a:r>
-              <a:rPr lang="en-US" dirty="0">
-                <a:hlinkClick r:id="rId5"/>
-              </a:rPr>
-              <a:t>DynamoDB design-patterns</a:t>
-            </a:r>
-            <a:r>
-              <a:rPr lang="en-US" dirty="0"/>
-              <a:t> (applies to most “</a:t>
-            </a:r>
-            <a:r>
-              <a:rPr lang="en-US" dirty="0" err="1"/>
-              <a:t>nosql</a:t>
-            </a:r>
-            <a:r>
-              <a:rPr lang="en-US" dirty="0"/>
-              <a:t>”)</a:t>
-            </a:r>
-          </a:p>
-          <a:p>
-            <a:endParaRPr lang="en-US" dirty="0"/>
-          </a:p>
-        </p:txBody>
-      </p:sp>
-    </p:spTree>
-    <p:extLst>
-      <p:ext uri="{BB962C8B-B14F-4D97-AF65-F5344CB8AC3E}">
-        <p14:creationId xmlns:p14="http://schemas.microsoft.com/office/powerpoint/2010/main" val="728140776"/>
-      </p:ext>
-    </p:extLst>
-  </p:cSld>
-  <p:clrMapOvr>
-    <a:masterClrMapping/>
-  </p:clrMapOvr>
-</p:sld>
-</file>
-
 <file path=ppt/slides/slide56.xml><?xml version="1.0" encoding="utf-8"?>
 <p:sld xmlns:a="http://schemas.openxmlformats.org/drawingml/2006/main" xmlns:r="http://schemas.openxmlformats.org/officeDocument/2006/relationships" xmlns:p="http://schemas.openxmlformats.org/presentationml/2006/main">
   <p:cSld>
@@ -16344,6 +16392,141 @@
           <a:p>
             <a:r>
               <a:rPr lang="en-US" dirty="0"/>
+              <a:t>Additional resources</a:t>
+            </a:r>
+          </a:p>
+        </p:txBody>
+      </p:sp>
+      <p:sp>
+        <p:nvSpPr>
+          <p:cNvPr id="3" name="Content Placeholder 2">
+            <a:extLst>
+              <a:ext uri="{FF2B5EF4-FFF2-40B4-BE49-F238E27FC236}">
+                <a16:creationId xmlns:a16="http://schemas.microsoft.com/office/drawing/2014/main" id="{5D8B3750-010F-46E9-8CFC-7C148BA0AACB}"/>
+              </a:ext>
+            </a:extLst>
+          </p:cNvPr>
+          <p:cNvSpPr>
+            <a:spLocks noGrp="1"/>
+          </p:cNvSpPr>
+          <p:nvPr>
+            <p:ph idx="1"/>
+          </p:nvPr>
+        </p:nvSpPr>
+        <p:spPr/>
+        <p:txBody>
+          <a:bodyPr>
+            <a:normAutofit/>
+          </a:bodyPr>
+          <a:lstStyle/>
+          <a:p>
+            <a:r>
+              <a:rPr lang="en-US" dirty="0"/>
+              <a:t>(video) </a:t>
+            </a:r>
+            <a:r>
+              <a:rPr lang="en-US" dirty="0">
+                <a:hlinkClick r:id="rId3"/>
+              </a:rPr>
+              <a:t>Safe Client Behavior</a:t>
+            </a:r>
+            <a:endParaRPr lang="en-US" dirty="0"/>
+          </a:p>
+          <a:p>
+            <a:r>
+              <a:rPr lang="en-US" dirty="0"/>
+              <a:t>(comics) </a:t>
+            </a:r>
+            <a:r>
+              <a:rPr lang="en-US" dirty="0">
+                <a:hlinkClick r:id="rId4"/>
+              </a:rPr>
+              <a:t>Networking basics by Julia Evans</a:t>
+            </a:r>
+            <a:endParaRPr lang="en-US" dirty="0"/>
+          </a:p>
+          <a:p>
+            <a:r>
+              <a:rPr lang="en-US" dirty="0"/>
+              <a:t>(video) </a:t>
+            </a:r>
+            <a:r>
+              <a:rPr lang="en-US" dirty="0">
+                <a:hlinkClick r:id="rId5"/>
+              </a:rPr>
+              <a:t>DynamoDB design-patterns</a:t>
+            </a:r>
+            <a:r>
+              <a:rPr lang="en-US" dirty="0"/>
+              <a:t> (applies to most “</a:t>
+            </a:r>
+            <a:r>
+              <a:rPr lang="en-US" dirty="0" err="1"/>
+              <a:t>nosql</a:t>
+            </a:r>
+            <a:r>
+              <a:rPr lang="en-US" dirty="0"/>
+              <a:t>”)</a:t>
+            </a:r>
+          </a:p>
+          <a:p>
+            <a:endParaRPr lang="en-US" dirty="0"/>
+          </a:p>
+        </p:txBody>
+      </p:sp>
+    </p:spTree>
+    <p:extLst>
+      <p:ext uri="{BB962C8B-B14F-4D97-AF65-F5344CB8AC3E}">
+        <p14:creationId xmlns:p14="http://schemas.microsoft.com/office/powerpoint/2010/main" val="728140776"/>
+      </p:ext>
+    </p:extLst>
+  </p:cSld>
+  <p:clrMapOvr>
+    <a:masterClrMapping/>
+  </p:clrMapOvr>
+</p:sld>
+</file>
+
+<file path=ppt/slides/slide57.xml><?xml version="1.0" encoding="utf-8"?>
+<p:sld xmlns:a="http://schemas.openxmlformats.org/drawingml/2006/main" xmlns:r="http://schemas.openxmlformats.org/officeDocument/2006/relationships" xmlns:p="http://schemas.openxmlformats.org/presentationml/2006/main">
+  <p:cSld>
+    <p:spTree>
+      <p:nvGrpSpPr>
+        <p:cNvPr id="1" name=""/>
+        <p:cNvGrpSpPr/>
+        <p:nvPr/>
+      </p:nvGrpSpPr>
+      <p:grpSpPr>
+        <a:xfrm>
+          <a:off x="0" y="0"/>
+          <a:ext cx="0" cy="0"/>
+          <a:chOff x="0" y="0"/>
+          <a:chExt cx="0" cy="0"/>
+        </a:xfrm>
+      </p:grpSpPr>
+      <p:sp>
+        <p:nvSpPr>
+          <p:cNvPr id="2" name="Title 1">
+            <a:extLst>
+              <a:ext uri="{FF2B5EF4-FFF2-40B4-BE49-F238E27FC236}">
+                <a16:creationId xmlns:a16="http://schemas.microsoft.com/office/drawing/2014/main" id="{E04131E7-91ED-4C32-9ADB-EADE1AE84D6C}"/>
+              </a:ext>
+            </a:extLst>
+          </p:cNvPr>
+          <p:cNvSpPr>
+            <a:spLocks noGrp="1"/>
+          </p:cNvSpPr>
+          <p:nvPr>
+            <p:ph type="title"/>
+          </p:nvPr>
+        </p:nvSpPr>
+        <p:spPr/>
+        <p:txBody>
+          <a:bodyPr/>
+          <a:lstStyle/>
+          <a:p>
+            <a:r>
+              <a:rPr lang="en-US" dirty="0"/>
               <a:t>Additional resources (optional)</a:t>
             </a:r>
           </a:p>
@@ -16454,7 +16637,7 @@
 </p:sld>
 </file>
 
-<file path=ppt/slides/slide57.xml><?xml version="1.0" encoding="utf-8"?>
+<file path=ppt/slides/slide58.xml><?xml version="1.0" encoding="utf-8"?>
 <p:sld xmlns:a="http://schemas.openxmlformats.org/drawingml/2006/main" xmlns:r="http://schemas.openxmlformats.org/officeDocument/2006/relationships" xmlns:p="http://schemas.openxmlformats.org/presentationml/2006/main">
   <p:cSld>
     <p:spTree>

--- a/presentations/03_Core_Services.pptx
+++ b/presentations/03_Core_Services.pptx
@@ -5,7 +5,7 @@
     <p:sldMasterId id="2147483648" r:id="rId1"/>
   </p:sldMasterIdLst>
   <p:notesMasterIdLst>
-    <p:notesMasterId r:id="rId60"/>
+    <p:notesMasterId r:id="rId61"/>
   </p:notesMasterIdLst>
   <p:sldIdLst>
     <p:sldId id="257" r:id="rId2"/>
@@ -63,9 +63,10 @@
     <p:sldId id="332" r:id="rId54"/>
     <p:sldId id="333" r:id="rId55"/>
     <p:sldId id="336" r:id="rId56"/>
-    <p:sldId id="325" r:id="rId57"/>
-    <p:sldId id="335" r:id="rId58"/>
-    <p:sldId id="338" r:id="rId59"/>
+    <p:sldId id="341" r:id="rId57"/>
+    <p:sldId id="325" r:id="rId58"/>
+    <p:sldId id="335" r:id="rId59"/>
+    <p:sldId id="338" r:id="rId60"/>
   </p:sldIdLst>
   <p:sldSz cx="12192000" cy="6858000"/>
   <p:notesSz cx="6858000" cy="9144000"/>
@@ -262,7 +263,7 @@
           <a:p>
             <a:fld id="{7D3A3C89-A649-45F2-8D71-E2AE9AB3134F}" type="datetimeFigureOut">
               <a:rPr lang="en-US" smtClean="0"/>
-              <a:t>02-Feb-22</a:t>
+              <a:t>10-Feb-22</a:t>
             </a:fld>
             <a:endParaRPr lang="en-US"/>
           </a:p>
@@ -4277,7 +4278,7 @@
     </p:spTree>
     <p:extLst>
       <p:ext uri="{BB962C8B-B14F-4D97-AF65-F5344CB8AC3E}">
-        <p14:creationId xmlns:p14="http://schemas.microsoft.com/office/powerpoint/2010/main" val="1638932341"/>
+        <p14:creationId xmlns:p14="http://schemas.microsoft.com/office/powerpoint/2010/main" val="805842527"/>
       </p:ext>
     </p:extLst>
   </p:cSld>
@@ -4361,7 +4362,7 @@
     </p:spTree>
     <p:extLst>
       <p:ext uri="{BB962C8B-B14F-4D97-AF65-F5344CB8AC3E}">
-        <p14:creationId xmlns:p14="http://schemas.microsoft.com/office/powerpoint/2010/main" val="2024397714"/>
+        <p14:creationId xmlns:p14="http://schemas.microsoft.com/office/powerpoint/2010/main" val="1638932341"/>
       </p:ext>
     </p:extLst>
   </p:cSld>
@@ -4437,6 +4438,90 @@
             <a:fld id="{369589F9-1142-4B1D-9D2D-7C4ED68C6326}" type="slidenum">
               <a:rPr lang="en-US" smtClean="0"/>
               <a:t>58</a:t>
+            </a:fld>
+            <a:endParaRPr lang="en-US"/>
+          </a:p>
+        </p:txBody>
+      </p:sp>
+    </p:spTree>
+    <p:extLst>
+      <p:ext uri="{BB962C8B-B14F-4D97-AF65-F5344CB8AC3E}">
+        <p14:creationId xmlns:p14="http://schemas.microsoft.com/office/powerpoint/2010/main" val="2024397714"/>
+      </p:ext>
+    </p:extLst>
+  </p:cSld>
+  <p:clrMapOvr>
+    <a:masterClrMapping/>
+  </p:clrMapOvr>
+</p:notes>
+</file>
+
+<file path=ppt/notesSlides/notesSlide48.xml><?xml version="1.0" encoding="utf-8"?>
+<p:notes xmlns:a="http://schemas.openxmlformats.org/drawingml/2006/main" xmlns:r="http://schemas.openxmlformats.org/officeDocument/2006/relationships" xmlns:p="http://schemas.openxmlformats.org/presentationml/2006/main">
+  <p:cSld>
+    <p:spTree>
+      <p:nvGrpSpPr>
+        <p:cNvPr id="1" name=""/>
+        <p:cNvGrpSpPr/>
+        <p:nvPr/>
+      </p:nvGrpSpPr>
+      <p:grpSpPr>
+        <a:xfrm>
+          <a:off x="0" y="0"/>
+          <a:ext cx="0" cy="0"/>
+          <a:chOff x="0" y="0"/>
+          <a:chExt cx="0" cy="0"/>
+        </a:xfrm>
+      </p:grpSpPr>
+      <p:sp>
+        <p:nvSpPr>
+          <p:cNvPr id="2" name="Slide Image Placeholder 1"/>
+          <p:cNvSpPr>
+            <a:spLocks noGrp="1" noRot="1" noChangeAspect="1"/>
+          </p:cNvSpPr>
+          <p:nvPr>
+            <p:ph type="sldImg"/>
+          </p:nvPr>
+        </p:nvSpPr>
+        <p:spPr/>
+      </p:sp>
+      <p:sp>
+        <p:nvSpPr>
+          <p:cNvPr id="3" name="Notes Placeholder 2"/>
+          <p:cNvSpPr>
+            <a:spLocks noGrp="1"/>
+          </p:cNvSpPr>
+          <p:nvPr>
+            <p:ph type="body" idx="1"/>
+          </p:nvPr>
+        </p:nvSpPr>
+        <p:spPr/>
+        <p:txBody>
+          <a:bodyPr/>
+          <a:lstStyle/>
+          <a:p>
+            <a:endParaRPr lang="en-US" dirty="0"/>
+          </a:p>
+        </p:txBody>
+      </p:sp>
+      <p:sp>
+        <p:nvSpPr>
+          <p:cNvPr id="4" name="Slide Number Placeholder 3"/>
+          <p:cNvSpPr>
+            <a:spLocks noGrp="1"/>
+          </p:cNvSpPr>
+          <p:nvPr>
+            <p:ph type="sldNum" sz="quarter" idx="5"/>
+          </p:nvPr>
+        </p:nvSpPr>
+        <p:spPr/>
+        <p:txBody>
+          <a:bodyPr/>
+          <a:lstStyle/>
+          <a:p>
+            <a:fld id="{369589F9-1142-4B1D-9D2D-7C4ED68C6326}" type="slidenum">
+              <a:rPr lang="en-US" smtClean="0"/>
+              <a:t>59</a:t>
             </a:fld>
             <a:endParaRPr lang="en-US"/>
           </a:p>
@@ -5126,7 +5211,7 @@
           <a:p>
             <a:fld id="{0E13C4CA-1FE8-40BD-A7A3-1B8DF1413C47}" type="datetimeFigureOut">
               <a:rPr lang="en-US" smtClean="0"/>
-              <a:t>02-Feb-22</a:t>
+              <a:t>10-Feb-22</a:t>
             </a:fld>
             <a:endParaRPr lang="en-US"/>
           </a:p>
@@ -5324,7 +5409,7 @@
           <a:p>
             <a:fld id="{0E13C4CA-1FE8-40BD-A7A3-1B8DF1413C47}" type="datetimeFigureOut">
               <a:rPr lang="en-US" smtClean="0"/>
-              <a:t>02-Feb-22</a:t>
+              <a:t>10-Feb-22</a:t>
             </a:fld>
             <a:endParaRPr lang="en-US"/>
           </a:p>
@@ -5532,7 +5617,7 @@
           <a:p>
             <a:fld id="{0E13C4CA-1FE8-40BD-A7A3-1B8DF1413C47}" type="datetimeFigureOut">
               <a:rPr lang="en-US" smtClean="0"/>
-              <a:t>02-Feb-22</a:t>
+              <a:t>10-Feb-22</a:t>
             </a:fld>
             <a:endParaRPr lang="en-US"/>
           </a:p>
@@ -5730,7 +5815,7 @@
           <a:p>
             <a:fld id="{0E13C4CA-1FE8-40BD-A7A3-1B8DF1413C47}" type="datetimeFigureOut">
               <a:rPr lang="en-US" smtClean="0"/>
-              <a:t>02-Feb-22</a:t>
+              <a:t>10-Feb-22</a:t>
             </a:fld>
             <a:endParaRPr lang="en-US"/>
           </a:p>
@@ -6005,7 +6090,7 @@
           <a:p>
             <a:fld id="{0E13C4CA-1FE8-40BD-A7A3-1B8DF1413C47}" type="datetimeFigureOut">
               <a:rPr lang="en-US" smtClean="0"/>
-              <a:t>02-Feb-22</a:t>
+              <a:t>10-Feb-22</a:t>
             </a:fld>
             <a:endParaRPr lang="en-US"/>
           </a:p>
@@ -6270,7 +6355,7 @@
           <a:p>
             <a:fld id="{0E13C4CA-1FE8-40BD-A7A3-1B8DF1413C47}" type="datetimeFigureOut">
               <a:rPr lang="en-US" smtClean="0"/>
-              <a:t>02-Feb-22</a:t>
+              <a:t>10-Feb-22</a:t>
             </a:fld>
             <a:endParaRPr lang="en-US"/>
           </a:p>
@@ -6682,7 +6767,7 @@
           <a:p>
             <a:fld id="{0E13C4CA-1FE8-40BD-A7A3-1B8DF1413C47}" type="datetimeFigureOut">
               <a:rPr lang="en-US" smtClean="0"/>
-              <a:t>02-Feb-22</a:t>
+              <a:t>10-Feb-22</a:t>
             </a:fld>
             <a:endParaRPr lang="en-US"/>
           </a:p>
@@ -6823,7 +6908,7 @@
           <a:p>
             <a:fld id="{0E13C4CA-1FE8-40BD-A7A3-1B8DF1413C47}" type="datetimeFigureOut">
               <a:rPr lang="en-US" smtClean="0"/>
-              <a:t>02-Feb-22</a:t>
+              <a:t>10-Feb-22</a:t>
             </a:fld>
             <a:endParaRPr lang="en-US"/>
           </a:p>
@@ -6936,7 +7021,7 @@
           <a:p>
             <a:fld id="{0E13C4CA-1FE8-40BD-A7A3-1B8DF1413C47}" type="datetimeFigureOut">
               <a:rPr lang="en-US" smtClean="0"/>
-              <a:t>02-Feb-22</a:t>
+              <a:t>10-Feb-22</a:t>
             </a:fld>
             <a:endParaRPr lang="en-US"/>
           </a:p>
@@ -7247,7 +7332,7 @@
           <a:p>
             <a:fld id="{0E13C4CA-1FE8-40BD-A7A3-1B8DF1413C47}" type="datetimeFigureOut">
               <a:rPr lang="en-US" smtClean="0"/>
-              <a:t>02-Feb-22</a:t>
+              <a:t>10-Feb-22</a:t>
             </a:fld>
             <a:endParaRPr lang="en-US"/>
           </a:p>
@@ -7535,7 +7620,7 @@
           <a:p>
             <a:fld id="{0E13C4CA-1FE8-40BD-A7A3-1B8DF1413C47}" type="datetimeFigureOut">
               <a:rPr lang="en-US" smtClean="0"/>
-              <a:t>02-Feb-22</a:t>
+              <a:t>10-Feb-22</a:t>
             </a:fld>
             <a:endParaRPr lang="en-US"/>
           </a:p>
@@ -7776,7 +7861,7 @@
           <a:p>
             <a:fld id="{0E13C4CA-1FE8-40BD-A7A3-1B8DF1413C47}" type="datetimeFigureOut">
               <a:rPr lang="en-US" smtClean="0"/>
-              <a:t>02-Feb-22</a:t>
+              <a:t>10-Feb-22</a:t>
             </a:fld>
             <a:endParaRPr lang="en-US"/>
           </a:p>
@@ -16374,7 +16459,7 @@
           <p:cNvPr id="2" name="Title 1">
             <a:extLst>
               <a:ext uri="{FF2B5EF4-FFF2-40B4-BE49-F238E27FC236}">
-                <a16:creationId xmlns:a16="http://schemas.microsoft.com/office/drawing/2014/main" id="{E04131E7-91ED-4C32-9ADB-EADE1AE84D6C}"/>
+                <a16:creationId xmlns:a16="http://schemas.microsoft.com/office/drawing/2014/main" id="{9439765E-D021-4F83-B075-735F05281BF5}"/>
               </a:ext>
             </a:extLst>
           </p:cNvPr>
@@ -16391,85 +16476,124 @@
           <a:lstStyle/>
           <a:p>
             <a:r>
-              <a:rPr lang="en-US" dirty="0"/>
-              <a:t>Additional resources</a:t>
-            </a:r>
-          </a:p>
-        </p:txBody>
-      </p:sp>
-      <p:sp>
-        <p:nvSpPr>
-          <p:cNvPr id="3" name="Content Placeholder 2">
-            <a:extLst>
-              <a:ext uri="{FF2B5EF4-FFF2-40B4-BE49-F238E27FC236}">
-                <a16:creationId xmlns:a16="http://schemas.microsoft.com/office/drawing/2014/main" id="{5D8B3750-010F-46E9-8CFC-7C148BA0AACB}"/>
-              </a:ext>
-            </a:extLst>
-          </p:cNvPr>
-          <p:cNvSpPr>
-            <a:spLocks noGrp="1"/>
-          </p:cNvSpPr>
-          <p:nvPr>
-            <p:ph idx="1"/>
-          </p:nvPr>
-        </p:nvSpPr>
-        <p:spPr/>
-        <p:txBody>
-          <a:bodyPr>
-            <a:normAutofit/>
+              <a:rPr lang="en-US"/>
+              <a:t>Demo</a:t>
+            </a:r>
+            <a:endParaRPr lang="en-US" dirty="0"/>
+          </a:p>
+        </p:txBody>
+      </p:sp>
+      <p:pic>
+        <p:nvPicPr>
+          <p:cNvPr id="1026" name="Picture 2" descr="Image">
+            <a:extLst>
+              <a:ext uri="{FF2B5EF4-FFF2-40B4-BE49-F238E27FC236}">
+                <a16:creationId xmlns:a16="http://schemas.microsoft.com/office/drawing/2014/main" id="{4CEFD59E-1ADB-4B05-8945-6973AE109E8A}"/>
+              </a:ext>
+            </a:extLst>
+          </p:cNvPr>
+          <p:cNvPicPr>
+            <a:picLocks noChangeAspect="1" noChangeArrowheads="1"/>
+          </p:cNvPicPr>
+          <p:nvPr/>
+        </p:nvPicPr>
+        <p:blipFill>
+          <a:blip r:embed="rId3">
+            <a:extLst>
+              <a:ext uri="{28A0092B-C50C-407E-A947-70E740481C1C}">
+                <a14:useLocalDpi xmlns:a14="http://schemas.microsoft.com/office/drawing/2010/main" val="0"/>
+              </a:ext>
+            </a:extLst>
+          </a:blip>
+          <a:srcRect/>
+          <a:stretch>
+            <a:fillRect/>
+          </a:stretch>
+        </p:blipFill>
+        <p:spPr bwMode="auto">
+          <a:xfrm>
+            <a:off x="7768794" y="1250778"/>
+            <a:ext cx="2982031" cy="5242097"/>
+          </a:xfrm>
+          <a:prstGeom prst="rect">
+            <a:avLst/>
+          </a:prstGeom>
+          <a:noFill/>
+          <a:extLst>
+            <a:ext uri="{909E8E84-426E-40DD-AFC4-6F175D3DCCD1}">
+              <a14:hiddenFill xmlns:a14="http://schemas.microsoft.com/office/drawing/2010/main">
+                <a:solidFill>
+                  <a:srgbClr val="FFFFFF"/>
+                </a:solidFill>
+              </a14:hiddenFill>
+            </a:ext>
+          </a:extLst>
+        </p:spPr>
+      </p:pic>
+      <p:pic>
+        <p:nvPicPr>
+          <p:cNvPr id="7" name="Picture 6">
+            <a:extLst>
+              <a:ext uri="{FF2B5EF4-FFF2-40B4-BE49-F238E27FC236}">
+                <a16:creationId xmlns:a16="http://schemas.microsoft.com/office/drawing/2014/main" id="{B2A837E9-A80A-4968-A6C8-61F161724008}"/>
+              </a:ext>
+            </a:extLst>
+          </p:cNvPr>
+          <p:cNvPicPr>
+            <a:picLocks noChangeAspect="1"/>
+          </p:cNvPicPr>
+          <p:nvPr/>
+        </p:nvPicPr>
+        <p:blipFill>
+          <a:blip r:embed="rId4"/>
+          <a:stretch>
+            <a:fillRect/>
+          </a:stretch>
+        </p:blipFill>
+        <p:spPr>
+          <a:xfrm>
+            <a:off x="1441175" y="2266848"/>
+            <a:ext cx="5540220" cy="2324301"/>
+          </a:xfrm>
+          <a:prstGeom prst="rect">
+            <a:avLst/>
+          </a:prstGeom>
+        </p:spPr>
+      </p:pic>
+      <p:sp>
+        <p:nvSpPr>
+          <p:cNvPr id="10" name="TextBox 9">
+            <a:extLst>
+              <a:ext uri="{FF2B5EF4-FFF2-40B4-BE49-F238E27FC236}">
+                <a16:creationId xmlns:a16="http://schemas.microsoft.com/office/drawing/2014/main" id="{DA2D625D-12DF-4BEB-B2F6-889320D32814}"/>
+              </a:ext>
+            </a:extLst>
+          </p:cNvPr>
+          <p:cNvSpPr txBox="1"/>
+          <p:nvPr/>
+        </p:nvSpPr>
+        <p:spPr>
+          <a:xfrm>
+            <a:off x="953128" y="6123543"/>
+            <a:ext cx="6516314" cy="369332"/>
+          </a:xfrm>
+          <a:prstGeom prst="rect">
+            <a:avLst/>
+          </a:prstGeom>
+          <a:noFill/>
+        </p:spPr>
+        <p:txBody>
+          <a:bodyPr wrap="square">
+            <a:spAutoFit/>
           </a:bodyPr>
           <a:lstStyle/>
           <a:p>
-            <a:r>
-              <a:rPr lang="en-US" dirty="0"/>
-              <a:t>(video) </a:t>
-            </a:r>
-            <a:r>
-              <a:rPr lang="en-US" dirty="0">
-                <a:hlinkClick r:id="rId3"/>
-              </a:rPr>
-              <a:t>Safe Client Behavior</a:t>
-            </a:r>
-            <a:endParaRPr lang="en-US" dirty="0"/>
-          </a:p>
-          <a:p>
-            <a:r>
-              <a:rPr lang="en-US" dirty="0"/>
-              <a:t>(comics) </a:t>
-            </a:r>
-            <a:r>
-              <a:rPr lang="en-US" dirty="0">
-                <a:hlinkClick r:id="rId4"/>
-              </a:rPr>
-              <a:t>Networking basics by Julia Evans</a:t>
-            </a:r>
-            <a:endParaRPr lang="en-US" dirty="0"/>
-          </a:p>
-          <a:p>
-            <a:r>
-              <a:rPr lang="en-US" dirty="0"/>
-              <a:t>(video) </a:t>
-            </a:r>
             <a:r>
               <a:rPr lang="en-US" dirty="0">
                 <a:hlinkClick r:id="rId5"/>
               </a:rPr>
-              <a:t>DynamoDB design-patterns</a:t>
-            </a:r>
-            <a:r>
-              <a:rPr lang="en-US" dirty="0"/>
-              <a:t> (applies to most “</a:t>
-            </a:r>
-            <a:r>
-              <a:rPr lang="en-US" dirty="0" err="1"/>
-              <a:t>nosql</a:t>
-            </a:r>
-            <a:r>
-              <a:rPr lang="en-US" dirty="0"/>
-              <a:t>”)</a:t>
-            </a:r>
-          </a:p>
-          <a:p>
+              <a:t>https://twitter.com/MarcJBrooker/status/1489651911640825858</a:t>
+            </a:r>
             <a:endParaRPr lang="en-US" dirty="0"/>
           </a:p>
         </p:txBody>
@@ -16477,7 +16601,7 @@
     </p:spTree>
     <p:extLst>
       <p:ext uri="{BB962C8B-B14F-4D97-AF65-F5344CB8AC3E}">
-        <p14:creationId xmlns:p14="http://schemas.microsoft.com/office/powerpoint/2010/main" val="728140776"/>
+        <p14:creationId xmlns:p14="http://schemas.microsoft.com/office/powerpoint/2010/main" val="3271489353"/>
       </p:ext>
     </p:extLst>
   </p:cSld>
@@ -16527,6 +16651,141 @@
           <a:p>
             <a:r>
               <a:rPr lang="en-US" dirty="0"/>
+              <a:t>Additional resources</a:t>
+            </a:r>
+          </a:p>
+        </p:txBody>
+      </p:sp>
+      <p:sp>
+        <p:nvSpPr>
+          <p:cNvPr id="3" name="Content Placeholder 2">
+            <a:extLst>
+              <a:ext uri="{FF2B5EF4-FFF2-40B4-BE49-F238E27FC236}">
+                <a16:creationId xmlns:a16="http://schemas.microsoft.com/office/drawing/2014/main" id="{5D8B3750-010F-46E9-8CFC-7C148BA0AACB}"/>
+              </a:ext>
+            </a:extLst>
+          </p:cNvPr>
+          <p:cNvSpPr>
+            <a:spLocks noGrp="1"/>
+          </p:cNvSpPr>
+          <p:nvPr>
+            <p:ph idx="1"/>
+          </p:nvPr>
+        </p:nvSpPr>
+        <p:spPr/>
+        <p:txBody>
+          <a:bodyPr>
+            <a:normAutofit/>
+          </a:bodyPr>
+          <a:lstStyle/>
+          <a:p>
+            <a:r>
+              <a:rPr lang="en-US" dirty="0"/>
+              <a:t>(video) </a:t>
+            </a:r>
+            <a:r>
+              <a:rPr lang="en-US" dirty="0">
+                <a:hlinkClick r:id="rId3"/>
+              </a:rPr>
+              <a:t>Safe Client Behavior</a:t>
+            </a:r>
+            <a:endParaRPr lang="en-US" dirty="0"/>
+          </a:p>
+          <a:p>
+            <a:r>
+              <a:rPr lang="en-US" dirty="0"/>
+              <a:t>(comics) </a:t>
+            </a:r>
+            <a:r>
+              <a:rPr lang="en-US" dirty="0">
+                <a:hlinkClick r:id="rId4"/>
+              </a:rPr>
+              <a:t>Networking basics by Julia Evans</a:t>
+            </a:r>
+            <a:endParaRPr lang="en-US" dirty="0"/>
+          </a:p>
+          <a:p>
+            <a:r>
+              <a:rPr lang="en-US" dirty="0"/>
+              <a:t>(video) </a:t>
+            </a:r>
+            <a:r>
+              <a:rPr lang="en-US" dirty="0">
+                <a:hlinkClick r:id="rId5"/>
+              </a:rPr>
+              <a:t>DynamoDB design-patterns</a:t>
+            </a:r>
+            <a:r>
+              <a:rPr lang="en-US" dirty="0"/>
+              <a:t> (applies to most “</a:t>
+            </a:r>
+            <a:r>
+              <a:rPr lang="en-US" dirty="0" err="1"/>
+              <a:t>nosql</a:t>
+            </a:r>
+            <a:r>
+              <a:rPr lang="en-US" dirty="0"/>
+              <a:t>”)</a:t>
+            </a:r>
+          </a:p>
+          <a:p>
+            <a:endParaRPr lang="en-US" dirty="0"/>
+          </a:p>
+        </p:txBody>
+      </p:sp>
+    </p:spTree>
+    <p:extLst>
+      <p:ext uri="{BB962C8B-B14F-4D97-AF65-F5344CB8AC3E}">
+        <p14:creationId xmlns:p14="http://schemas.microsoft.com/office/powerpoint/2010/main" val="728140776"/>
+      </p:ext>
+    </p:extLst>
+  </p:cSld>
+  <p:clrMapOvr>
+    <a:masterClrMapping/>
+  </p:clrMapOvr>
+</p:sld>
+</file>
+
+<file path=ppt/slides/slide58.xml><?xml version="1.0" encoding="utf-8"?>
+<p:sld xmlns:a="http://schemas.openxmlformats.org/drawingml/2006/main" xmlns:r="http://schemas.openxmlformats.org/officeDocument/2006/relationships" xmlns:p="http://schemas.openxmlformats.org/presentationml/2006/main">
+  <p:cSld>
+    <p:spTree>
+      <p:nvGrpSpPr>
+        <p:cNvPr id="1" name=""/>
+        <p:cNvGrpSpPr/>
+        <p:nvPr/>
+      </p:nvGrpSpPr>
+      <p:grpSpPr>
+        <a:xfrm>
+          <a:off x="0" y="0"/>
+          <a:ext cx="0" cy="0"/>
+          <a:chOff x="0" y="0"/>
+          <a:chExt cx="0" cy="0"/>
+        </a:xfrm>
+      </p:grpSpPr>
+      <p:sp>
+        <p:nvSpPr>
+          <p:cNvPr id="2" name="Title 1">
+            <a:extLst>
+              <a:ext uri="{FF2B5EF4-FFF2-40B4-BE49-F238E27FC236}">
+                <a16:creationId xmlns:a16="http://schemas.microsoft.com/office/drawing/2014/main" id="{E04131E7-91ED-4C32-9ADB-EADE1AE84D6C}"/>
+              </a:ext>
+            </a:extLst>
+          </p:cNvPr>
+          <p:cNvSpPr>
+            <a:spLocks noGrp="1"/>
+          </p:cNvSpPr>
+          <p:nvPr>
+            <p:ph type="title"/>
+          </p:nvPr>
+        </p:nvSpPr>
+        <p:spPr/>
+        <p:txBody>
+          <a:bodyPr/>
+          <a:lstStyle/>
+          <a:p>
+            <a:r>
+              <a:rPr lang="en-US" dirty="0"/>
               <a:t>Additional resources (optional)</a:t>
             </a:r>
           </a:p>
@@ -16637,7 +16896,7 @@
 </p:sld>
 </file>
 
-<file path=ppt/slides/slide58.xml><?xml version="1.0" encoding="utf-8"?>
+<file path=ppt/slides/slide59.xml><?xml version="1.0" encoding="utf-8"?>
 <p:sld xmlns:a="http://schemas.openxmlformats.org/drawingml/2006/main" xmlns:r="http://schemas.openxmlformats.org/officeDocument/2006/relationships" xmlns:p="http://schemas.openxmlformats.org/presentationml/2006/main">
   <p:cSld>
     <p:spTree>

--- a/presentations/03_Core_Services.pptx
+++ b/presentations/03_Core_Services.pptx
@@ -263,7 +263,7 @@
           <a:p>
             <a:fld id="{7D3A3C89-A649-45F2-8D71-E2AE9AB3134F}" type="datetimeFigureOut">
               <a:rPr lang="en-US" smtClean="0"/>
-              <a:t>10-Feb-22</a:t>
+              <a:t>15-Apr-22</a:t>
             </a:fld>
             <a:endParaRPr lang="en-US"/>
           </a:p>
@@ -5211,7 +5211,7 @@
           <a:p>
             <a:fld id="{0E13C4CA-1FE8-40BD-A7A3-1B8DF1413C47}" type="datetimeFigureOut">
               <a:rPr lang="en-US" smtClean="0"/>
-              <a:t>10-Feb-22</a:t>
+              <a:t>15-Apr-22</a:t>
             </a:fld>
             <a:endParaRPr lang="en-US"/>
           </a:p>
@@ -5409,7 +5409,7 @@
           <a:p>
             <a:fld id="{0E13C4CA-1FE8-40BD-A7A3-1B8DF1413C47}" type="datetimeFigureOut">
               <a:rPr lang="en-US" smtClean="0"/>
-              <a:t>10-Feb-22</a:t>
+              <a:t>15-Apr-22</a:t>
             </a:fld>
             <a:endParaRPr lang="en-US"/>
           </a:p>
@@ -5617,7 +5617,7 @@
           <a:p>
             <a:fld id="{0E13C4CA-1FE8-40BD-A7A3-1B8DF1413C47}" type="datetimeFigureOut">
               <a:rPr lang="en-US" smtClean="0"/>
-              <a:t>10-Feb-22</a:t>
+              <a:t>15-Apr-22</a:t>
             </a:fld>
             <a:endParaRPr lang="en-US"/>
           </a:p>
@@ -5815,7 +5815,7 @@
           <a:p>
             <a:fld id="{0E13C4CA-1FE8-40BD-A7A3-1B8DF1413C47}" type="datetimeFigureOut">
               <a:rPr lang="en-US" smtClean="0"/>
-              <a:t>10-Feb-22</a:t>
+              <a:t>15-Apr-22</a:t>
             </a:fld>
             <a:endParaRPr lang="en-US"/>
           </a:p>
@@ -6090,7 +6090,7 @@
           <a:p>
             <a:fld id="{0E13C4CA-1FE8-40BD-A7A3-1B8DF1413C47}" type="datetimeFigureOut">
               <a:rPr lang="en-US" smtClean="0"/>
-              <a:t>10-Feb-22</a:t>
+              <a:t>15-Apr-22</a:t>
             </a:fld>
             <a:endParaRPr lang="en-US"/>
           </a:p>
@@ -6355,7 +6355,7 @@
           <a:p>
             <a:fld id="{0E13C4CA-1FE8-40BD-A7A3-1B8DF1413C47}" type="datetimeFigureOut">
               <a:rPr lang="en-US" smtClean="0"/>
-              <a:t>10-Feb-22</a:t>
+              <a:t>15-Apr-22</a:t>
             </a:fld>
             <a:endParaRPr lang="en-US"/>
           </a:p>
@@ -6767,7 +6767,7 @@
           <a:p>
             <a:fld id="{0E13C4CA-1FE8-40BD-A7A3-1B8DF1413C47}" type="datetimeFigureOut">
               <a:rPr lang="en-US" smtClean="0"/>
-              <a:t>10-Feb-22</a:t>
+              <a:t>15-Apr-22</a:t>
             </a:fld>
             <a:endParaRPr lang="en-US"/>
           </a:p>
@@ -6908,7 +6908,7 @@
           <a:p>
             <a:fld id="{0E13C4CA-1FE8-40BD-A7A3-1B8DF1413C47}" type="datetimeFigureOut">
               <a:rPr lang="en-US" smtClean="0"/>
-              <a:t>10-Feb-22</a:t>
+              <a:t>15-Apr-22</a:t>
             </a:fld>
             <a:endParaRPr lang="en-US"/>
           </a:p>
@@ -7021,7 +7021,7 @@
           <a:p>
             <a:fld id="{0E13C4CA-1FE8-40BD-A7A3-1B8DF1413C47}" type="datetimeFigureOut">
               <a:rPr lang="en-US" smtClean="0"/>
-              <a:t>10-Feb-22</a:t>
+              <a:t>15-Apr-22</a:t>
             </a:fld>
             <a:endParaRPr lang="en-US"/>
           </a:p>
@@ -7332,7 +7332,7 @@
           <a:p>
             <a:fld id="{0E13C4CA-1FE8-40BD-A7A3-1B8DF1413C47}" type="datetimeFigureOut">
               <a:rPr lang="en-US" smtClean="0"/>
-              <a:t>10-Feb-22</a:t>
+              <a:t>15-Apr-22</a:t>
             </a:fld>
             <a:endParaRPr lang="en-US"/>
           </a:p>
@@ -7620,7 +7620,7 @@
           <a:p>
             <a:fld id="{0E13C4CA-1FE8-40BD-A7A3-1B8DF1413C47}" type="datetimeFigureOut">
               <a:rPr lang="en-US" smtClean="0"/>
-              <a:t>10-Feb-22</a:t>
+              <a:t>15-Apr-22</a:t>
             </a:fld>
             <a:endParaRPr lang="en-US"/>
           </a:p>
@@ -7861,7 +7861,7 @@
           <a:p>
             <a:fld id="{0E13C4CA-1FE8-40BD-A7A3-1B8DF1413C47}" type="datetimeFigureOut">
               <a:rPr lang="en-US" smtClean="0"/>
-              <a:t>10-Feb-22</a:t>
+              <a:t>15-Apr-22</a:t>
             </a:fld>
             <a:endParaRPr lang="en-US"/>
           </a:p>
@@ -9648,7 +9648,7 @@
             </a:pPr>
             <a:r>
               <a:rPr lang="en-US" dirty="0"/>
-              <a:t>Learning session 2</a:t>
+              <a:t>Learning session 2-3</a:t>
             </a:r>
           </a:p>
           <a:p>

--- a/presentations/03_Core_Services.pptx
+++ b/presentations/03_Core_Services.pptx
@@ -263,7 +263,7 @@
           <a:p>
             <a:fld id="{7D3A3C89-A649-45F2-8D71-E2AE9AB3134F}" type="datetimeFigureOut">
               <a:rPr lang="en-US" smtClean="0"/>
-              <a:t>15-Apr-22</a:t>
+              <a:t>26-Apr-22</a:t>
             </a:fld>
             <a:endParaRPr lang="en-US"/>
           </a:p>
@@ -5211,7 +5211,7 @@
           <a:p>
             <a:fld id="{0E13C4CA-1FE8-40BD-A7A3-1B8DF1413C47}" type="datetimeFigureOut">
               <a:rPr lang="en-US" smtClean="0"/>
-              <a:t>15-Apr-22</a:t>
+              <a:t>26-Apr-22</a:t>
             </a:fld>
             <a:endParaRPr lang="en-US"/>
           </a:p>
@@ -5409,7 +5409,7 @@
           <a:p>
             <a:fld id="{0E13C4CA-1FE8-40BD-A7A3-1B8DF1413C47}" type="datetimeFigureOut">
               <a:rPr lang="en-US" smtClean="0"/>
-              <a:t>15-Apr-22</a:t>
+              <a:t>26-Apr-22</a:t>
             </a:fld>
             <a:endParaRPr lang="en-US"/>
           </a:p>
@@ -5617,7 +5617,7 @@
           <a:p>
             <a:fld id="{0E13C4CA-1FE8-40BD-A7A3-1B8DF1413C47}" type="datetimeFigureOut">
               <a:rPr lang="en-US" smtClean="0"/>
-              <a:t>15-Apr-22</a:t>
+              <a:t>26-Apr-22</a:t>
             </a:fld>
             <a:endParaRPr lang="en-US"/>
           </a:p>
@@ -5815,7 +5815,7 @@
           <a:p>
             <a:fld id="{0E13C4CA-1FE8-40BD-A7A3-1B8DF1413C47}" type="datetimeFigureOut">
               <a:rPr lang="en-US" smtClean="0"/>
-              <a:t>15-Apr-22</a:t>
+              <a:t>26-Apr-22</a:t>
             </a:fld>
             <a:endParaRPr lang="en-US"/>
           </a:p>
@@ -6090,7 +6090,7 @@
           <a:p>
             <a:fld id="{0E13C4CA-1FE8-40BD-A7A3-1B8DF1413C47}" type="datetimeFigureOut">
               <a:rPr lang="en-US" smtClean="0"/>
-              <a:t>15-Apr-22</a:t>
+              <a:t>26-Apr-22</a:t>
             </a:fld>
             <a:endParaRPr lang="en-US"/>
           </a:p>
@@ -6355,7 +6355,7 @@
           <a:p>
             <a:fld id="{0E13C4CA-1FE8-40BD-A7A3-1B8DF1413C47}" type="datetimeFigureOut">
               <a:rPr lang="en-US" smtClean="0"/>
-              <a:t>15-Apr-22</a:t>
+              <a:t>26-Apr-22</a:t>
             </a:fld>
             <a:endParaRPr lang="en-US"/>
           </a:p>
@@ -6767,7 +6767,7 @@
           <a:p>
             <a:fld id="{0E13C4CA-1FE8-40BD-A7A3-1B8DF1413C47}" type="datetimeFigureOut">
               <a:rPr lang="en-US" smtClean="0"/>
-              <a:t>15-Apr-22</a:t>
+              <a:t>26-Apr-22</a:t>
             </a:fld>
             <a:endParaRPr lang="en-US"/>
           </a:p>
@@ -6908,7 +6908,7 @@
           <a:p>
             <a:fld id="{0E13C4CA-1FE8-40BD-A7A3-1B8DF1413C47}" type="datetimeFigureOut">
               <a:rPr lang="en-US" smtClean="0"/>
-              <a:t>15-Apr-22</a:t>
+              <a:t>26-Apr-22</a:t>
             </a:fld>
             <a:endParaRPr lang="en-US"/>
           </a:p>
@@ -7021,7 +7021,7 @@
           <a:p>
             <a:fld id="{0E13C4CA-1FE8-40BD-A7A3-1B8DF1413C47}" type="datetimeFigureOut">
               <a:rPr lang="en-US" smtClean="0"/>
-              <a:t>15-Apr-22</a:t>
+              <a:t>26-Apr-22</a:t>
             </a:fld>
             <a:endParaRPr lang="en-US"/>
           </a:p>
@@ -7332,7 +7332,7 @@
           <a:p>
             <a:fld id="{0E13C4CA-1FE8-40BD-A7A3-1B8DF1413C47}" type="datetimeFigureOut">
               <a:rPr lang="en-US" smtClean="0"/>
-              <a:t>15-Apr-22</a:t>
+              <a:t>26-Apr-22</a:t>
             </a:fld>
             <a:endParaRPr lang="en-US"/>
           </a:p>
@@ -7620,7 +7620,7 @@
           <a:p>
             <a:fld id="{0E13C4CA-1FE8-40BD-A7A3-1B8DF1413C47}" type="datetimeFigureOut">
               <a:rPr lang="en-US" smtClean="0"/>
-              <a:t>15-Apr-22</a:t>
+              <a:t>26-Apr-22</a:t>
             </a:fld>
             <a:endParaRPr lang="en-US"/>
           </a:p>
@@ -7861,7 +7861,7 @@
           <a:p>
             <a:fld id="{0E13C4CA-1FE8-40BD-A7A3-1B8DF1413C47}" type="datetimeFigureOut">
               <a:rPr lang="en-US" smtClean="0"/>
-              <a:t>15-Apr-22</a:t>
+              <a:t>26-Apr-22</a:t>
             </a:fld>
             <a:endParaRPr lang="en-US"/>
           </a:p>
@@ -11740,7 +11740,7 @@
           <a:p>
             <a:r>
               <a:rPr lang="en-US" dirty="0"/>
-              <a:t>Cloud is not really a network, but it provides networking services</a:t>
+              <a:t>Cloud does not offer a physical network, but it provides networking services</a:t>
             </a:r>
           </a:p>
           <a:p>
@@ -12753,7 +12753,7 @@
           <p:nvPr>
             <p:extLst>
               <p:ext uri="{D42A27DB-BD31-4B8C-83A1-F6EECF244321}">
-                <p14:modId xmlns:p14="http://schemas.microsoft.com/office/powerpoint/2010/main" val="1831796002"/>
+                <p14:modId xmlns:p14="http://schemas.microsoft.com/office/powerpoint/2010/main" val="2250168256"/>
               </p:ext>
             </p:extLst>
           </p:nvPr>
@@ -16454,35 +16454,6 @@
           <a:chExt cx="0" cy="0"/>
         </a:xfrm>
       </p:grpSpPr>
-      <p:sp>
-        <p:nvSpPr>
-          <p:cNvPr id="2" name="Title 1">
-            <a:extLst>
-              <a:ext uri="{FF2B5EF4-FFF2-40B4-BE49-F238E27FC236}">
-                <a16:creationId xmlns:a16="http://schemas.microsoft.com/office/drawing/2014/main" id="{9439765E-D021-4F83-B075-735F05281BF5}"/>
-              </a:ext>
-            </a:extLst>
-          </p:cNvPr>
-          <p:cNvSpPr>
-            <a:spLocks noGrp="1"/>
-          </p:cNvSpPr>
-          <p:nvPr>
-            <p:ph type="title"/>
-          </p:nvPr>
-        </p:nvSpPr>
-        <p:spPr/>
-        <p:txBody>
-          <a:bodyPr/>
-          <a:lstStyle/>
-          <a:p>
-            <a:r>
-              <a:rPr lang="en-US"/>
-              <a:t>Demo</a:t>
-            </a:r>
-            <a:endParaRPr lang="en-US" dirty="0"/>
-          </a:p>
-        </p:txBody>
-      </p:sp>
       <p:pic>
         <p:nvPicPr>
           <p:cNvPr id="1026" name="Picture 2" descr="Image">

--- a/presentations/03_Core_Services.pptx
+++ b/presentations/03_Core_Services.pptx
@@ -263,7 +263,7 @@
           <a:p>
             <a:fld id="{7D3A3C89-A649-45F2-8D71-E2AE9AB3134F}" type="datetimeFigureOut">
               <a:rPr lang="en-US" smtClean="0"/>
-              <a:t>26-Apr-22</a:t>
+              <a:t>04-May-22</a:t>
             </a:fld>
             <a:endParaRPr lang="en-US"/>
           </a:p>
@@ -5211,7 +5211,7 @@
           <a:p>
             <a:fld id="{0E13C4CA-1FE8-40BD-A7A3-1B8DF1413C47}" type="datetimeFigureOut">
               <a:rPr lang="en-US" smtClean="0"/>
-              <a:t>26-Apr-22</a:t>
+              <a:t>04-May-22</a:t>
             </a:fld>
             <a:endParaRPr lang="en-US"/>
           </a:p>
@@ -5409,7 +5409,7 @@
           <a:p>
             <a:fld id="{0E13C4CA-1FE8-40BD-A7A3-1B8DF1413C47}" type="datetimeFigureOut">
               <a:rPr lang="en-US" smtClean="0"/>
-              <a:t>26-Apr-22</a:t>
+              <a:t>04-May-22</a:t>
             </a:fld>
             <a:endParaRPr lang="en-US"/>
           </a:p>
@@ -5617,7 +5617,7 @@
           <a:p>
             <a:fld id="{0E13C4CA-1FE8-40BD-A7A3-1B8DF1413C47}" type="datetimeFigureOut">
               <a:rPr lang="en-US" smtClean="0"/>
-              <a:t>26-Apr-22</a:t>
+              <a:t>04-May-22</a:t>
             </a:fld>
             <a:endParaRPr lang="en-US"/>
           </a:p>
@@ -5815,7 +5815,7 @@
           <a:p>
             <a:fld id="{0E13C4CA-1FE8-40BD-A7A3-1B8DF1413C47}" type="datetimeFigureOut">
               <a:rPr lang="en-US" smtClean="0"/>
-              <a:t>26-Apr-22</a:t>
+              <a:t>04-May-22</a:t>
             </a:fld>
             <a:endParaRPr lang="en-US"/>
           </a:p>
@@ -6090,7 +6090,7 @@
           <a:p>
             <a:fld id="{0E13C4CA-1FE8-40BD-A7A3-1B8DF1413C47}" type="datetimeFigureOut">
               <a:rPr lang="en-US" smtClean="0"/>
-              <a:t>26-Apr-22</a:t>
+              <a:t>04-May-22</a:t>
             </a:fld>
             <a:endParaRPr lang="en-US"/>
           </a:p>
@@ -6355,7 +6355,7 @@
           <a:p>
             <a:fld id="{0E13C4CA-1FE8-40BD-A7A3-1B8DF1413C47}" type="datetimeFigureOut">
               <a:rPr lang="en-US" smtClean="0"/>
-              <a:t>26-Apr-22</a:t>
+              <a:t>04-May-22</a:t>
             </a:fld>
             <a:endParaRPr lang="en-US"/>
           </a:p>
@@ -6767,7 +6767,7 @@
           <a:p>
             <a:fld id="{0E13C4CA-1FE8-40BD-A7A3-1B8DF1413C47}" type="datetimeFigureOut">
               <a:rPr lang="en-US" smtClean="0"/>
-              <a:t>26-Apr-22</a:t>
+              <a:t>04-May-22</a:t>
             </a:fld>
             <a:endParaRPr lang="en-US"/>
           </a:p>
@@ -6908,7 +6908,7 @@
           <a:p>
             <a:fld id="{0E13C4CA-1FE8-40BD-A7A3-1B8DF1413C47}" type="datetimeFigureOut">
               <a:rPr lang="en-US" smtClean="0"/>
-              <a:t>26-Apr-22</a:t>
+              <a:t>04-May-22</a:t>
             </a:fld>
             <a:endParaRPr lang="en-US"/>
           </a:p>
@@ -7021,7 +7021,7 @@
           <a:p>
             <a:fld id="{0E13C4CA-1FE8-40BD-A7A3-1B8DF1413C47}" type="datetimeFigureOut">
               <a:rPr lang="en-US" smtClean="0"/>
-              <a:t>26-Apr-22</a:t>
+              <a:t>04-May-22</a:t>
             </a:fld>
             <a:endParaRPr lang="en-US"/>
           </a:p>
@@ -7332,7 +7332,7 @@
           <a:p>
             <a:fld id="{0E13C4CA-1FE8-40BD-A7A3-1B8DF1413C47}" type="datetimeFigureOut">
               <a:rPr lang="en-US" smtClean="0"/>
-              <a:t>26-Apr-22</a:t>
+              <a:t>04-May-22</a:t>
             </a:fld>
             <a:endParaRPr lang="en-US"/>
           </a:p>
@@ -7620,7 +7620,7 @@
           <a:p>
             <a:fld id="{0E13C4CA-1FE8-40BD-A7A3-1B8DF1413C47}" type="datetimeFigureOut">
               <a:rPr lang="en-US" smtClean="0"/>
-              <a:t>26-Apr-22</a:t>
+              <a:t>04-May-22</a:t>
             </a:fld>
             <a:endParaRPr lang="en-US"/>
           </a:p>
@@ -7861,7 +7861,7 @@
           <a:p>
             <a:fld id="{0E13C4CA-1FE8-40BD-A7A3-1B8DF1413C47}" type="datetimeFigureOut">
               <a:rPr lang="en-US" smtClean="0"/>
-              <a:t>26-Apr-22</a:t>
+              <a:t>04-May-22</a:t>
             </a:fld>
             <a:endParaRPr lang="en-US"/>
           </a:p>
@@ -15911,6 +15911,48 @@
           </a:xfrm>
         </p:spPr>
       </p:pic>
+      <p:sp>
+        <p:nvSpPr>
+          <p:cNvPr id="6" name="TextBox 5">
+            <a:extLst>
+              <a:ext uri="{FF2B5EF4-FFF2-40B4-BE49-F238E27FC236}">
+                <a16:creationId xmlns:a16="http://schemas.microsoft.com/office/drawing/2014/main" id="{264E6029-EA7B-B022-0CDA-6E64B1BE4551}"/>
+              </a:ext>
+            </a:extLst>
+          </p:cNvPr>
+          <p:cNvSpPr txBox="1"/>
+          <p:nvPr/>
+        </p:nvSpPr>
+        <p:spPr>
+          <a:xfrm>
+            <a:off x="3048000" y="3105835"/>
+            <a:ext cx="6096000" cy="646331"/>
+          </a:xfrm>
+          <a:prstGeom prst="rect">
+            <a:avLst/>
+          </a:prstGeom>
+          <a:noFill/>
+        </p:spPr>
+        <p:txBody>
+          <a:bodyPr wrap="square">
+            <a:spAutoFit/>
+          </a:bodyPr>
+          <a:lstStyle/>
+          <a:p>
+            <a:endParaRPr lang="en-US" dirty="0">
+              <a:hlinkClick r:id="rId4"/>
+            </a:endParaRPr>
+          </a:p>
+          <a:p>
+            <a:r>
+              <a:rPr lang="en-US" dirty="0">
+                <a:hlinkClick r:id="rId4"/>
+              </a:rPr>
+              <a:t>Connected devices</a:t>
+            </a:r>
+          </a:p>
+        </p:txBody>
+      </p:sp>
     </p:spTree>
     <p:extLst>
       <p:ext uri="{BB962C8B-B14F-4D97-AF65-F5344CB8AC3E}">

--- a/presentations/03_Core_Services.pptx
+++ b/presentations/03_Core_Services.pptx
@@ -263,7 +263,7 @@
           <a:p>
             <a:fld id="{7D3A3C89-A649-45F2-8D71-E2AE9AB3134F}" type="datetimeFigureOut">
               <a:rPr lang="en-US" smtClean="0"/>
-              <a:t>04-May-22</a:t>
+              <a:t>12-May-22</a:t>
             </a:fld>
             <a:endParaRPr lang="en-US"/>
           </a:p>
@@ -5211,7 +5211,7 @@
           <a:p>
             <a:fld id="{0E13C4CA-1FE8-40BD-A7A3-1B8DF1413C47}" type="datetimeFigureOut">
               <a:rPr lang="en-US" smtClean="0"/>
-              <a:t>04-May-22</a:t>
+              <a:t>12-May-22</a:t>
             </a:fld>
             <a:endParaRPr lang="en-US"/>
           </a:p>
@@ -5409,7 +5409,7 @@
           <a:p>
             <a:fld id="{0E13C4CA-1FE8-40BD-A7A3-1B8DF1413C47}" type="datetimeFigureOut">
               <a:rPr lang="en-US" smtClean="0"/>
-              <a:t>04-May-22</a:t>
+              <a:t>12-May-22</a:t>
             </a:fld>
             <a:endParaRPr lang="en-US"/>
           </a:p>
@@ -5617,7 +5617,7 @@
           <a:p>
             <a:fld id="{0E13C4CA-1FE8-40BD-A7A3-1B8DF1413C47}" type="datetimeFigureOut">
               <a:rPr lang="en-US" smtClean="0"/>
-              <a:t>04-May-22</a:t>
+              <a:t>12-May-22</a:t>
             </a:fld>
             <a:endParaRPr lang="en-US"/>
           </a:p>
@@ -5815,7 +5815,7 @@
           <a:p>
             <a:fld id="{0E13C4CA-1FE8-40BD-A7A3-1B8DF1413C47}" type="datetimeFigureOut">
               <a:rPr lang="en-US" smtClean="0"/>
-              <a:t>04-May-22</a:t>
+              <a:t>12-May-22</a:t>
             </a:fld>
             <a:endParaRPr lang="en-US"/>
           </a:p>
@@ -6090,7 +6090,7 @@
           <a:p>
             <a:fld id="{0E13C4CA-1FE8-40BD-A7A3-1B8DF1413C47}" type="datetimeFigureOut">
               <a:rPr lang="en-US" smtClean="0"/>
-              <a:t>04-May-22</a:t>
+              <a:t>12-May-22</a:t>
             </a:fld>
             <a:endParaRPr lang="en-US"/>
           </a:p>
@@ -6355,7 +6355,7 @@
           <a:p>
             <a:fld id="{0E13C4CA-1FE8-40BD-A7A3-1B8DF1413C47}" type="datetimeFigureOut">
               <a:rPr lang="en-US" smtClean="0"/>
-              <a:t>04-May-22</a:t>
+              <a:t>12-May-22</a:t>
             </a:fld>
             <a:endParaRPr lang="en-US"/>
           </a:p>
@@ -6767,7 +6767,7 @@
           <a:p>
             <a:fld id="{0E13C4CA-1FE8-40BD-A7A3-1B8DF1413C47}" type="datetimeFigureOut">
               <a:rPr lang="en-US" smtClean="0"/>
-              <a:t>04-May-22</a:t>
+              <a:t>12-May-22</a:t>
             </a:fld>
             <a:endParaRPr lang="en-US"/>
           </a:p>
@@ -6908,7 +6908,7 @@
           <a:p>
             <a:fld id="{0E13C4CA-1FE8-40BD-A7A3-1B8DF1413C47}" type="datetimeFigureOut">
               <a:rPr lang="en-US" smtClean="0"/>
-              <a:t>04-May-22</a:t>
+              <a:t>12-May-22</a:t>
             </a:fld>
             <a:endParaRPr lang="en-US"/>
           </a:p>
@@ -7021,7 +7021,7 @@
           <a:p>
             <a:fld id="{0E13C4CA-1FE8-40BD-A7A3-1B8DF1413C47}" type="datetimeFigureOut">
               <a:rPr lang="en-US" smtClean="0"/>
-              <a:t>04-May-22</a:t>
+              <a:t>12-May-22</a:t>
             </a:fld>
             <a:endParaRPr lang="en-US"/>
           </a:p>
@@ -7332,7 +7332,7 @@
           <a:p>
             <a:fld id="{0E13C4CA-1FE8-40BD-A7A3-1B8DF1413C47}" type="datetimeFigureOut">
               <a:rPr lang="en-US" smtClean="0"/>
-              <a:t>04-May-22</a:t>
+              <a:t>12-May-22</a:t>
             </a:fld>
             <a:endParaRPr lang="en-US"/>
           </a:p>
@@ -7620,7 +7620,7 @@
           <a:p>
             <a:fld id="{0E13C4CA-1FE8-40BD-A7A3-1B8DF1413C47}" type="datetimeFigureOut">
               <a:rPr lang="en-US" smtClean="0"/>
-              <a:t>04-May-22</a:t>
+              <a:t>12-May-22</a:t>
             </a:fld>
             <a:endParaRPr lang="en-US"/>
           </a:p>
@@ -7861,7 +7861,7 @@
           <a:p>
             <a:fld id="{0E13C4CA-1FE8-40BD-A7A3-1B8DF1413C47}" type="datetimeFigureOut">
               <a:rPr lang="en-US" smtClean="0"/>
-              <a:t>04-May-22</a:t>
+              <a:t>12-May-22</a:t>
             </a:fld>
             <a:endParaRPr lang="en-US"/>
           </a:p>
@@ -15911,48 +15911,6 @@
           </a:xfrm>
         </p:spPr>
       </p:pic>
-      <p:sp>
-        <p:nvSpPr>
-          <p:cNvPr id="6" name="TextBox 5">
-            <a:extLst>
-              <a:ext uri="{FF2B5EF4-FFF2-40B4-BE49-F238E27FC236}">
-                <a16:creationId xmlns:a16="http://schemas.microsoft.com/office/drawing/2014/main" id="{264E6029-EA7B-B022-0CDA-6E64B1BE4551}"/>
-              </a:ext>
-            </a:extLst>
-          </p:cNvPr>
-          <p:cNvSpPr txBox="1"/>
-          <p:nvPr/>
-        </p:nvSpPr>
-        <p:spPr>
-          <a:xfrm>
-            <a:off x="3048000" y="3105835"/>
-            <a:ext cx="6096000" cy="646331"/>
-          </a:xfrm>
-          <a:prstGeom prst="rect">
-            <a:avLst/>
-          </a:prstGeom>
-          <a:noFill/>
-        </p:spPr>
-        <p:txBody>
-          <a:bodyPr wrap="square">
-            <a:spAutoFit/>
-          </a:bodyPr>
-          <a:lstStyle/>
-          <a:p>
-            <a:endParaRPr lang="en-US" dirty="0">
-              <a:hlinkClick r:id="rId4"/>
-            </a:endParaRPr>
-          </a:p>
-          <a:p>
-            <a:r>
-              <a:rPr lang="en-US" dirty="0">
-                <a:hlinkClick r:id="rId4"/>
-              </a:rPr>
-              <a:t>Connected devices</a:t>
-            </a:r>
-          </a:p>
-        </p:txBody>
-      </p:sp>
     </p:spTree>
     <p:extLst>
       <p:ext uri="{BB962C8B-B14F-4D97-AF65-F5344CB8AC3E}">
